--- a/Day2/2b_Age-structured/Age-structured models.pptx
+++ b/Day2/2b_Age-structured/Age-structured models.pptx
@@ -271,7 +271,7 @@
           <a:p>
             <a:fld id="{CA9B47AD-72D3-4350-82AB-7CA8212C9846}" type="datetimeFigureOut">
               <a:rPr lang="en-US" smtClean="0"/>
-              <a:t>3/8/2018</a:t>
+              <a:t>3/12/2018</a:t>
             </a:fld>
             <a:endParaRPr lang="en-US"/>
           </a:p>
@@ -469,7 +469,7 @@
           <a:p>
             <a:fld id="{CA9B47AD-72D3-4350-82AB-7CA8212C9846}" type="datetimeFigureOut">
               <a:rPr lang="en-US" smtClean="0"/>
-              <a:t>3/8/2018</a:t>
+              <a:t>3/12/2018</a:t>
             </a:fld>
             <a:endParaRPr lang="en-US"/>
           </a:p>
@@ -677,7 +677,7 @@
           <a:p>
             <a:fld id="{CA9B47AD-72D3-4350-82AB-7CA8212C9846}" type="datetimeFigureOut">
               <a:rPr lang="en-US" smtClean="0"/>
-              <a:t>3/8/2018</a:t>
+              <a:t>3/12/2018</a:t>
             </a:fld>
             <a:endParaRPr lang="en-US"/>
           </a:p>
@@ -907,7 +907,7 @@
           <a:p>
             <a:fld id="{CA9B47AD-72D3-4350-82AB-7CA8212C9846}" type="datetimeFigureOut">
               <a:rPr lang="en-US" smtClean="0"/>
-              <a:t>3/8/2018</a:t>
+              <a:t>3/12/2018</a:t>
             </a:fld>
             <a:endParaRPr lang="en-US"/>
           </a:p>
@@ -1182,7 +1182,7 @@
           <a:p>
             <a:fld id="{CA9B47AD-72D3-4350-82AB-7CA8212C9846}" type="datetimeFigureOut">
               <a:rPr lang="en-US" smtClean="0"/>
-              <a:t>3/8/2018</a:t>
+              <a:t>3/12/2018</a:t>
             </a:fld>
             <a:endParaRPr lang="en-US"/>
           </a:p>
@@ -1447,7 +1447,7 @@
           <a:p>
             <a:fld id="{CA9B47AD-72D3-4350-82AB-7CA8212C9846}" type="datetimeFigureOut">
               <a:rPr lang="en-US" smtClean="0"/>
-              <a:t>3/8/2018</a:t>
+              <a:t>3/12/2018</a:t>
             </a:fld>
             <a:endParaRPr lang="en-US"/>
           </a:p>
@@ -1859,7 +1859,7 @@
           <a:p>
             <a:fld id="{CA9B47AD-72D3-4350-82AB-7CA8212C9846}" type="datetimeFigureOut">
               <a:rPr lang="en-US" smtClean="0"/>
-              <a:t>3/8/2018</a:t>
+              <a:t>3/12/2018</a:t>
             </a:fld>
             <a:endParaRPr lang="en-US"/>
           </a:p>
@@ -2000,7 +2000,7 @@
           <a:p>
             <a:fld id="{CA9B47AD-72D3-4350-82AB-7CA8212C9846}" type="datetimeFigureOut">
               <a:rPr lang="en-US" smtClean="0"/>
-              <a:t>3/8/2018</a:t>
+              <a:t>3/12/2018</a:t>
             </a:fld>
             <a:endParaRPr lang="en-US"/>
           </a:p>
@@ -2113,7 +2113,7 @@
           <a:p>
             <a:fld id="{CA9B47AD-72D3-4350-82AB-7CA8212C9846}" type="datetimeFigureOut">
               <a:rPr lang="en-US" smtClean="0"/>
-              <a:t>3/8/2018</a:t>
+              <a:t>3/12/2018</a:t>
             </a:fld>
             <a:endParaRPr lang="en-US"/>
           </a:p>
@@ -2424,7 +2424,7 @@
           <a:p>
             <a:fld id="{CA9B47AD-72D3-4350-82AB-7CA8212C9846}" type="datetimeFigureOut">
               <a:rPr lang="en-US" smtClean="0"/>
-              <a:t>3/8/2018</a:t>
+              <a:t>3/12/2018</a:t>
             </a:fld>
             <a:endParaRPr lang="en-US"/>
           </a:p>
@@ -2712,7 +2712,7 @@
           <a:p>
             <a:fld id="{CA9B47AD-72D3-4350-82AB-7CA8212C9846}" type="datetimeFigureOut">
               <a:rPr lang="en-US" smtClean="0"/>
-              <a:t>3/8/2018</a:t>
+              <a:t>3/12/2018</a:t>
             </a:fld>
             <a:endParaRPr lang="en-US"/>
           </a:p>
@@ -2953,7 +2953,7 @@
           <a:p>
             <a:fld id="{CA9B47AD-72D3-4350-82AB-7CA8212C9846}" type="datetimeFigureOut">
               <a:rPr lang="en-US" smtClean="0"/>
-              <a:t>3/8/2018</a:t>
+              <a:t>3/12/2018</a:t>
             </a:fld>
             <a:endParaRPr lang="en-US"/>
           </a:p>
@@ -5013,7 +5013,7 @@
           <a:graphicData uri="http://schemas.openxmlformats.org/presentationml/2006/ole">
             <mc:AlternateContent xmlns:mc="http://schemas.openxmlformats.org/markup-compatibility/2006">
               <mc:Choice xmlns:v="urn:schemas-microsoft-com:vml" Requires="v">
-                <p:oleObj spid="_x0000_s2126" name="Equation" r:id="rId3" imgW="1574800" imgH="749300" progId="Equation.DSMT4">
+                <p:oleObj spid="_x0000_s2146" name="Equation" r:id="rId3" imgW="1574800" imgH="749300" progId="Equation.DSMT4">
                   <p:embed/>
                 </p:oleObj>
               </mc:Choice>
@@ -5124,7 +5124,7 @@
           <a:graphicData uri="http://schemas.openxmlformats.org/presentationml/2006/ole">
             <mc:AlternateContent xmlns:mc="http://schemas.openxmlformats.org/markup-compatibility/2006">
               <mc:Choice xmlns:v="urn:schemas-microsoft-com:vml" Requires="v">
-                <p:oleObj spid="_x0000_s2127" name="Equation" r:id="rId5" imgW="545863" imgH="545863" progId="Equation.DSMT4">
+                <p:oleObj spid="_x0000_s2147" name="Equation" r:id="rId5" imgW="545863" imgH="545863" progId="Equation.DSMT4">
                   <p:embed/>
                 </p:oleObj>
               </mc:Choice>
@@ -5235,7 +5235,7 @@
           <a:graphicData uri="http://schemas.openxmlformats.org/presentationml/2006/ole">
             <mc:AlternateContent xmlns:mc="http://schemas.openxmlformats.org/markup-compatibility/2006">
               <mc:Choice xmlns:v="urn:schemas-microsoft-com:vml" Requires="v">
-                <p:oleObj spid="_x0000_s2128" name="Equation" r:id="rId7" imgW="1866900" imgH="469900" progId="Equation.DSMT4">
+                <p:oleObj spid="_x0000_s2148" name="Equation" r:id="rId7" imgW="1866900" imgH="469900" progId="Equation.DSMT4">
                   <p:embed/>
                 </p:oleObj>
               </mc:Choice>
@@ -5346,7 +5346,7 @@
           <a:graphicData uri="http://schemas.openxmlformats.org/presentationml/2006/ole">
             <mc:AlternateContent xmlns:mc="http://schemas.openxmlformats.org/markup-compatibility/2006">
               <mc:Choice xmlns:v="urn:schemas-microsoft-com:vml" Requires="v">
-                <p:oleObj spid="_x0000_s2129" name="Equation" r:id="rId9" imgW="2005729" imgH="406224" progId="Equation.DSMT4">
+                <p:oleObj spid="_x0000_s2149" name="Equation" r:id="rId9" imgW="2005729" imgH="406224" progId="Equation.DSMT4">
                   <p:embed/>
                 </p:oleObj>
               </mc:Choice>
@@ -5573,7 +5573,7 @@
           <a:graphicData uri="http://schemas.openxmlformats.org/presentationml/2006/ole">
             <mc:AlternateContent xmlns:mc="http://schemas.openxmlformats.org/markup-compatibility/2006">
               <mc:Choice xmlns:v="urn:schemas-microsoft-com:vml" Requires="v">
-                <p:oleObj spid="_x0000_s1092" name="Equation" r:id="rId3" imgW="1244600" imgH="508000" progId="Equation.DSMT4">
+                <p:oleObj spid="_x0000_s1107" name="Equation" r:id="rId3" imgW="1244600" imgH="508000" progId="Equation.DSMT4">
                   <p:embed/>
                 </p:oleObj>
               </mc:Choice>
@@ -5684,7 +5684,7 @@
           <a:graphicData uri="http://schemas.openxmlformats.org/presentationml/2006/ole">
             <mc:AlternateContent xmlns:mc="http://schemas.openxmlformats.org/markup-compatibility/2006">
               <mc:Choice xmlns:v="urn:schemas-microsoft-com:vml" Requires="v">
-                <p:oleObj spid="_x0000_s1093" name="Equation" r:id="rId5" imgW="1663700" imgH="419100" progId="Equation.DSMT4">
+                <p:oleObj spid="_x0000_s1108" name="Equation" r:id="rId5" imgW="1663700" imgH="419100" progId="Equation.DSMT4">
                   <p:embed/>
                 </p:oleObj>
               </mc:Choice>
@@ -5795,7 +5795,7 @@
           <a:graphicData uri="http://schemas.openxmlformats.org/presentationml/2006/ole">
             <mc:AlternateContent xmlns:mc="http://schemas.openxmlformats.org/markup-compatibility/2006">
               <mc:Choice xmlns:v="urn:schemas-microsoft-com:vml" Requires="v">
-                <p:oleObj spid="_x0000_s1094" name="Equation" r:id="rId7" imgW="1828800" imgH="355600" progId="Equation.DSMT4">
+                <p:oleObj spid="_x0000_s1109" name="Equation" r:id="rId7" imgW="1828800" imgH="355600" progId="Equation.DSMT4">
                   <p:embed/>
                 </p:oleObj>
               </mc:Choice>
@@ -5969,7 +5969,7 @@
             </a:pPr>
             <a:r>
               <a:rPr lang="en-US" sz="2400" dirty="0"/>
-              <a:t>Compile and run age-structured model</a:t>
+              <a:t>Compile and run age-structured model (start with AS1)</a:t>
             </a:r>
           </a:p>
           <a:p>

--- a/Day2/2b_Age-structured/Age-structured models.pptx
+++ b/Day2/2b_Age-structured/Age-structured models.pptx
@@ -7,11 +7,11 @@
   <p:sldIdLst>
     <p:sldId id="256" r:id="rId2"/>
     <p:sldId id="257" r:id="rId3"/>
-    <p:sldId id="259" r:id="rId4"/>
-    <p:sldId id="261" r:id="rId5"/>
-    <p:sldId id="258" r:id="rId6"/>
-    <p:sldId id="263" r:id="rId7"/>
-    <p:sldId id="262" r:id="rId8"/>
+    <p:sldId id="258" r:id="rId4"/>
+    <p:sldId id="266" r:id="rId5"/>
+    <p:sldId id="267" r:id="rId6"/>
+    <p:sldId id="268" r:id="rId7"/>
+    <p:sldId id="269" r:id="rId8"/>
     <p:sldId id="264" r:id="rId9"/>
     <p:sldId id="265" r:id="rId10"/>
   </p:sldIdLst>
@@ -271,7 +271,7 @@
           <a:p>
             <a:fld id="{CA9B47AD-72D3-4350-82AB-7CA8212C9846}" type="datetimeFigureOut">
               <a:rPr lang="en-US" smtClean="0"/>
-              <a:t>3/12/2018</a:t>
+              <a:t>3/13/2018</a:t>
             </a:fld>
             <a:endParaRPr lang="en-US"/>
           </a:p>
@@ -469,7 +469,7 @@
           <a:p>
             <a:fld id="{CA9B47AD-72D3-4350-82AB-7CA8212C9846}" type="datetimeFigureOut">
               <a:rPr lang="en-US" smtClean="0"/>
-              <a:t>3/12/2018</a:t>
+              <a:t>3/13/2018</a:t>
             </a:fld>
             <a:endParaRPr lang="en-US"/>
           </a:p>
@@ -677,7 +677,7 @@
           <a:p>
             <a:fld id="{CA9B47AD-72D3-4350-82AB-7CA8212C9846}" type="datetimeFigureOut">
               <a:rPr lang="en-US" smtClean="0"/>
-              <a:t>3/12/2018</a:t>
+              <a:t>3/13/2018</a:t>
             </a:fld>
             <a:endParaRPr lang="en-US"/>
           </a:p>
@@ -907,7 +907,7 @@
           <a:p>
             <a:fld id="{CA9B47AD-72D3-4350-82AB-7CA8212C9846}" type="datetimeFigureOut">
               <a:rPr lang="en-US" smtClean="0"/>
-              <a:t>3/12/2018</a:t>
+              <a:t>3/13/2018</a:t>
             </a:fld>
             <a:endParaRPr lang="en-US"/>
           </a:p>
@@ -1182,7 +1182,7 @@
           <a:p>
             <a:fld id="{CA9B47AD-72D3-4350-82AB-7CA8212C9846}" type="datetimeFigureOut">
               <a:rPr lang="en-US" smtClean="0"/>
-              <a:t>3/12/2018</a:t>
+              <a:t>3/13/2018</a:t>
             </a:fld>
             <a:endParaRPr lang="en-US"/>
           </a:p>
@@ -1447,7 +1447,7 @@
           <a:p>
             <a:fld id="{CA9B47AD-72D3-4350-82AB-7CA8212C9846}" type="datetimeFigureOut">
               <a:rPr lang="en-US" smtClean="0"/>
-              <a:t>3/12/2018</a:t>
+              <a:t>3/13/2018</a:t>
             </a:fld>
             <a:endParaRPr lang="en-US"/>
           </a:p>
@@ -1859,7 +1859,7 @@
           <a:p>
             <a:fld id="{CA9B47AD-72D3-4350-82AB-7CA8212C9846}" type="datetimeFigureOut">
               <a:rPr lang="en-US" smtClean="0"/>
-              <a:t>3/12/2018</a:t>
+              <a:t>3/13/2018</a:t>
             </a:fld>
             <a:endParaRPr lang="en-US"/>
           </a:p>
@@ -2000,7 +2000,7 @@
           <a:p>
             <a:fld id="{CA9B47AD-72D3-4350-82AB-7CA8212C9846}" type="datetimeFigureOut">
               <a:rPr lang="en-US" smtClean="0"/>
-              <a:t>3/12/2018</a:t>
+              <a:t>3/13/2018</a:t>
             </a:fld>
             <a:endParaRPr lang="en-US"/>
           </a:p>
@@ -2113,7 +2113,7 @@
           <a:p>
             <a:fld id="{CA9B47AD-72D3-4350-82AB-7CA8212C9846}" type="datetimeFigureOut">
               <a:rPr lang="en-US" smtClean="0"/>
-              <a:t>3/12/2018</a:t>
+              <a:t>3/13/2018</a:t>
             </a:fld>
             <a:endParaRPr lang="en-US"/>
           </a:p>
@@ -2424,7 +2424,7 @@
           <a:p>
             <a:fld id="{CA9B47AD-72D3-4350-82AB-7CA8212C9846}" type="datetimeFigureOut">
               <a:rPr lang="en-US" smtClean="0"/>
-              <a:t>3/12/2018</a:t>
+              <a:t>3/13/2018</a:t>
             </a:fld>
             <a:endParaRPr lang="en-US"/>
           </a:p>
@@ -2712,7 +2712,7 @@
           <a:p>
             <a:fld id="{CA9B47AD-72D3-4350-82AB-7CA8212C9846}" type="datetimeFigureOut">
               <a:rPr lang="en-US" smtClean="0"/>
-              <a:t>3/12/2018</a:t>
+              <a:t>3/13/2018</a:t>
             </a:fld>
             <a:endParaRPr lang="en-US"/>
           </a:p>
@@ -2953,7 +2953,7 @@
           <a:p>
             <a:fld id="{CA9B47AD-72D3-4350-82AB-7CA8212C9846}" type="datetimeFigureOut">
               <a:rPr lang="en-US" smtClean="0"/>
-              <a:t>3/12/2018</a:t>
+              <a:t>3/13/2018</a:t>
             </a:fld>
             <a:endParaRPr lang="en-US"/>
           </a:p>
@@ -3607,7 +3607,7 @@
           <p:cNvPr id="2" name="Title 1">
             <a:extLst>
               <a:ext uri="{FF2B5EF4-FFF2-40B4-BE49-F238E27FC236}">
-                <a16:creationId xmlns:a16="http://schemas.microsoft.com/office/drawing/2014/main" id="{FC446D69-D139-4371-B66E-4A062A27B25F}"/>
+                <a16:creationId xmlns:a16="http://schemas.microsoft.com/office/drawing/2014/main" id="{D42F9C3A-5758-4DFC-9E89-31DE7CB7E0D4}"/>
               </a:ext>
             </a:extLst>
           </p:cNvPr>
@@ -3625,830 +3625,966 @@
           <a:p>
             <a:r>
               <a:rPr lang="en-US" dirty="0"/>
-              <a:t>Basic equations</a:t>
+              <a:t>Statistical catch-at-age (SCA) example 1</a:t>
             </a:r>
           </a:p>
         </p:txBody>
       </p:sp>
-      <mc:AlternateContent xmlns:mc="http://schemas.openxmlformats.org/markup-compatibility/2006" xmlns:a14="http://schemas.microsoft.com/office/drawing/2010/main">
-        <mc:Choice Requires="a14">
-          <p:sp>
-            <p:nvSpPr>
-              <p:cNvPr id="3" name="Content Placeholder 2">
-                <a:extLst>
-                  <a:ext uri="{FF2B5EF4-FFF2-40B4-BE49-F238E27FC236}">
-                    <a16:creationId xmlns:a16="http://schemas.microsoft.com/office/drawing/2014/main" id="{3030D098-B23E-486D-8C0E-9E437DA4557D}"/>
-                  </a:ext>
-                </a:extLst>
-              </p:cNvPr>
-              <p:cNvSpPr>
-                <a:spLocks noGrp="1"/>
-              </p:cNvSpPr>
-              <p:nvPr>
-                <p:ph idx="1"/>
-              </p:nvPr>
-            </p:nvSpPr>
-            <p:spPr/>
-            <p:txBody>
-              <a:bodyPr>
-                <a:normAutofit fontScale="92500" lnSpcReduction="10000"/>
-              </a:bodyPr>
-              <a:lstStyle/>
-              <a:p>
-                <a:pPr marL="0" indent="0">
-                  <a:buNone/>
-                </a:pPr>
-                <a:r>
-                  <a:rPr lang="en-US" b="1" dirty="0"/>
-                  <a:t>Stock equation: </a:t>
-                </a:r>
-                <a:r>
-                  <a:rPr lang="en-US" dirty="0"/>
-                  <a:t>Numbers at age over time</a:t>
-                </a:r>
-              </a:p>
-              <a:p>
-                <a:pPr marL="0" indent="0">
-                  <a:buNone/>
-                </a:pPr>
-                <a14:m>
-                  <m:oMathPara xmlns:m="http://schemas.openxmlformats.org/officeDocument/2006/math">
-                    <m:oMathParaPr>
-                      <m:jc m:val="centerGroup"/>
-                    </m:oMathParaPr>
-                    <m:oMath xmlns:m="http://schemas.openxmlformats.org/officeDocument/2006/math">
-                      <m:sSub>
-                        <m:sSubPr>
-                          <m:ctrlPr>
-                            <a:rPr lang="en-US" i="1" smtClean="0">
-                              <a:latin typeface="Cambria Math" panose="02040503050406030204" pitchFamily="18" charset="0"/>
-                            </a:rPr>
-                          </m:ctrlPr>
-                        </m:sSubPr>
-                        <m:e>
-                          <m:r>
-                            <a:rPr lang="en-US" b="0" i="1" smtClean="0">
-                              <a:latin typeface="Cambria Math" panose="02040503050406030204" pitchFamily="18" charset="0"/>
-                            </a:rPr>
-                            <m:t>𝑁</m:t>
-                          </m:r>
-                        </m:e>
-                        <m:sub>
-                          <m:r>
-                            <a:rPr lang="en-US" b="0" i="1" smtClean="0">
-                              <a:latin typeface="Cambria Math" panose="02040503050406030204" pitchFamily="18" charset="0"/>
-                            </a:rPr>
-                            <m:t>𝑎</m:t>
-                          </m:r>
-                          <m:r>
-                            <a:rPr lang="en-US" b="0" i="1" smtClean="0">
-                              <a:latin typeface="Cambria Math" panose="02040503050406030204" pitchFamily="18" charset="0"/>
-                            </a:rPr>
-                            <m:t>+1,</m:t>
-                          </m:r>
-                          <m:r>
-                            <a:rPr lang="en-US" b="0" i="1" smtClean="0">
-                              <a:latin typeface="Cambria Math" panose="02040503050406030204" pitchFamily="18" charset="0"/>
-                            </a:rPr>
-                            <m:t>𝑡</m:t>
-                          </m:r>
-                          <m:r>
-                            <a:rPr lang="en-US" b="0" i="1" smtClean="0">
-                              <a:latin typeface="Cambria Math" panose="02040503050406030204" pitchFamily="18" charset="0"/>
-                            </a:rPr>
-                            <m:t>+1</m:t>
-                          </m:r>
-                        </m:sub>
-                      </m:sSub>
-                      <m:r>
-                        <a:rPr lang="en-US" b="0" i="1" smtClean="0">
-                          <a:latin typeface="Cambria Math" panose="02040503050406030204" pitchFamily="18" charset="0"/>
-                        </a:rPr>
-                        <m:t>=</m:t>
-                      </m:r>
-                      <m:sSub>
-                        <m:sSubPr>
-                          <m:ctrlPr>
-                            <a:rPr lang="en-US" b="0" i="1" smtClean="0">
-                              <a:latin typeface="Cambria Math" panose="02040503050406030204" pitchFamily="18" charset="0"/>
-                            </a:rPr>
-                          </m:ctrlPr>
-                        </m:sSubPr>
-                        <m:e>
-                          <m:r>
-                            <a:rPr lang="en-US" b="0" i="1" smtClean="0">
-                              <a:latin typeface="Cambria Math" panose="02040503050406030204" pitchFamily="18" charset="0"/>
-                            </a:rPr>
-                            <m:t>𝑁</m:t>
-                          </m:r>
-                        </m:e>
-                        <m:sub>
-                          <m:r>
-                            <a:rPr lang="en-US" b="0" i="1" smtClean="0">
-                              <a:latin typeface="Cambria Math" panose="02040503050406030204" pitchFamily="18" charset="0"/>
-                            </a:rPr>
-                            <m:t>𝑎</m:t>
-                          </m:r>
-                          <m:r>
-                            <a:rPr lang="en-US" b="0" i="1" smtClean="0">
-                              <a:latin typeface="Cambria Math" panose="02040503050406030204" pitchFamily="18" charset="0"/>
-                            </a:rPr>
-                            <m:t>,</m:t>
-                          </m:r>
-                          <m:r>
-                            <a:rPr lang="en-US" b="0" i="1" smtClean="0">
-                              <a:latin typeface="Cambria Math" panose="02040503050406030204" pitchFamily="18" charset="0"/>
-                            </a:rPr>
-                            <m:t>𝑡</m:t>
-                          </m:r>
-                        </m:sub>
-                      </m:sSub>
-                      <m:sSup>
-                        <m:sSupPr>
-                          <m:ctrlPr>
-                            <a:rPr lang="en-US" b="0" i="1" smtClean="0">
-                              <a:latin typeface="Cambria Math" panose="02040503050406030204" pitchFamily="18" charset="0"/>
-                            </a:rPr>
-                          </m:ctrlPr>
-                        </m:sSupPr>
-                        <m:e>
-                          <m:r>
-                            <a:rPr lang="en-US" b="0" i="1" smtClean="0">
-                              <a:latin typeface="Cambria Math" panose="02040503050406030204" pitchFamily="18" charset="0"/>
-                            </a:rPr>
-                            <m:t>𝑒</m:t>
-                          </m:r>
-                        </m:e>
-                        <m:sup>
-                          <m:r>
-                            <a:rPr lang="en-US" b="0" i="1" smtClean="0">
-                              <a:latin typeface="Cambria Math" panose="02040503050406030204" pitchFamily="18" charset="0"/>
-                            </a:rPr>
-                            <m:t>−(</m:t>
-                          </m:r>
-                          <m:sSub>
-                            <m:sSubPr>
-                              <m:ctrlPr>
-                                <a:rPr lang="en-US" b="0" i="1" smtClean="0">
-                                  <a:latin typeface="Cambria Math" panose="02040503050406030204" pitchFamily="18" charset="0"/>
-                                </a:rPr>
-                              </m:ctrlPr>
-                            </m:sSubPr>
-                            <m:e>
-                              <m:r>
-                                <a:rPr lang="en-US" b="0" i="1" smtClean="0">
-                                  <a:latin typeface="Cambria Math" panose="02040503050406030204" pitchFamily="18" charset="0"/>
-                                </a:rPr>
-                                <m:t>𝐹</m:t>
-                              </m:r>
-                            </m:e>
-                            <m:sub>
-                              <m:r>
-                                <a:rPr lang="en-US" b="0" i="1" smtClean="0">
-                                  <a:latin typeface="Cambria Math" panose="02040503050406030204" pitchFamily="18" charset="0"/>
-                                </a:rPr>
-                                <m:t>𝑎</m:t>
-                              </m:r>
-                              <m:r>
-                                <a:rPr lang="en-US" b="0" i="1" smtClean="0">
-                                  <a:latin typeface="Cambria Math" panose="02040503050406030204" pitchFamily="18" charset="0"/>
-                                </a:rPr>
-                                <m:t>,</m:t>
-                              </m:r>
-                              <m:r>
-                                <a:rPr lang="en-US" b="0" i="1" smtClean="0">
-                                  <a:latin typeface="Cambria Math" panose="02040503050406030204" pitchFamily="18" charset="0"/>
-                                </a:rPr>
-                                <m:t>𝑡</m:t>
-                              </m:r>
-                            </m:sub>
-                          </m:sSub>
-                          <m:r>
-                            <a:rPr lang="en-US" b="0" i="1" smtClean="0">
-                              <a:latin typeface="Cambria Math" panose="02040503050406030204" pitchFamily="18" charset="0"/>
-                            </a:rPr>
-                            <m:t>+</m:t>
-                          </m:r>
-                          <m:sSub>
-                            <m:sSubPr>
-                              <m:ctrlPr>
-                                <a:rPr lang="en-US" b="0" i="1" smtClean="0">
-                                  <a:latin typeface="Cambria Math" panose="02040503050406030204" pitchFamily="18" charset="0"/>
-                                </a:rPr>
-                              </m:ctrlPr>
-                            </m:sSubPr>
-                            <m:e>
-                              <m:r>
-                                <a:rPr lang="en-US" b="0" i="1" smtClean="0">
-                                  <a:latin typeface="Cambria Math" panose="02040503050406030204" pitchFamily="18" charset="0"/>
-                                </a:rPr>
-                                <m:t>𝑀</m:t>
-                              </m:r>
-                            </m:e>
-                            <m:sub>
-                              <m:r>
-                                <a:rPr lang="en-US" b="0" i="1" smtClean="0">
-                                  <a:latin typeface="Cambria Math" panose="02040503050406030204" pitchFamily="18" charset="0"/>
-                                </a:rPr>
-                                <m:t>𝑎</m:t>
-                              </m:r>
-                              <m:r>
-                                <a:rPr lang="en-US" b="0" i="1" smtClean="0">
-                                  <a:latin typeface="Cambria Math" panose="02040503050406030204" pitchFamily="18" charset="0"/>
-                                </a:rPr>
-                                <m:t>,</m:t>
-                              </m:r>
-                              <m:r>
-                                <a:rPr lang="en-US" b="0" i="1" smtClean="0">
-                                  <a:latin typeface="Cambria Math" panose="02040503050406030204" pitchFamily="18" charset="0"/>
-                                </a:rPr>
-                                <m:t>𝑡</m:t>
-                              </m:r>
-                            </m:sub>
-                          </m:sSub>
-                          <m:r>
-                            <a:rPr lang="en-US" b="0" i="1" smtClean="0">
-                              <a:latin typeface="Cambria Math" panose="02040503050406030204" pitchFamily="18" charset="0"/>
-                            </a:rPr>
-                            <m:t>)</m:t>
-                          </m:r>
-                        </m:sup>
-                      </m:sSup>
-                    </m:oMath>
-                  </m:oMathPara>
-                </a14:m>
-                <a:endParaRPr lang="en-US" dirty="0"/>
-              </a:p>
-              <a:p>
-                <a:pPr marL="0" indent="0">
-                  <a:buNone/>
-                </a:pPr>
-                <a:r>
-                  <a:rPr lang="en-US" dirty="0"/>
-                  <a:t>where fishing mortality </a:t>
-                </a:r>
-                <a:r>
-                  <a:rPr lang="en-US" i="1" dirty="0"/>
-                  <a:t>F</a:t>
-                </a:r>
-                <a:r>
-                  <a:rPr lang="en-US" dirty="0"/>
-                  <a:t> is a function of selectivity:</a:t>
-                </a:r>
-                <a:endParaRPr lang="en-US" b="0" dirty="0"/>
-              </a:p>
-              <a:p>
-                <a:pPr marL="0" indent="0">
-                  <a:buNone/>
-                </a:pPr>
-                <a14:m>
-                  <m:oMathPara xmlns:m="http://schemas.openxmlformats.org/officeDocument/2006/math">
-                    <m:oMathParaPr>
-                      <m:jc m:val="centerGroup"/>
-                    </m:oMathParaPr>
-                    <m:oMath xmlns:m="http://schemas.openxmlformats.org/officeDocument/2006/math">
-                      <m:sSub>
-                        <m:sSubPr>
-                          <m:ctrlPr>
-                            <a:rPr lang="en-US" b="0" i="1" smtClean="0">
-                              <a:latin typeface="Cambria Math" panose="02040503050406030204" pitchFamily="18" charset="0"/>
-                            </a:rPr>
-                          </m:ctrlPr>
-                        </m:sSubPr>
-                        <m:e>
-                          <m:r>
-                            <a:rPr lang="en-US" b="0" i="1" smtClean="0">
-                              <a:latin typeface="Cambria Math" panose="02040503050406030204" pitchFamily="18" charset="0"/>
-                            </a:rPr>
-                            <m:t>𝐹</m:t>
-                          </m:r>
-                        </m:e>
-                        <m:sub>
-                          <m:r>
-                            <a:rPr lang="en-US" b="0" i="1" smtClean="0">
-                              <a:latin typeface="Cambria Math" panose="02040503050406030204" pitchFamily="18" charset="0"/>
-                            </a:rPr>
-                            <m:t>𝑎</m:t>
-                          </m:r>
-                          <m:r>
-                            <a:rPr lang="en-US" b="0" i="1" smtClean="0">
-                              <a:latin typeface="Cambria Math" panose="02040503050406030204" pitchFamily="18" charset="0"/>
-                            </a:rPr>
-                            <m:t>,</m:t>
-                          </m:r>
-                          <m:r>
-                            <a:rPr lang="en-US" b="0" i="1" smtClean="0">
-                              <a:latin typeface="Cambria Math" panose="02040503050406030204" pitchFamily="18" charset="0"/>
-                            </a:rPr>
-                            <m:t>𝑡</m:t>
-                          </m:r>
-                        </m:sub>
-                      </m:sSub>
-                      <m:r>
-                        <a:rPr lang="en-US" b="0" i="1" smtClean="0">
-                          <a:latin typeface="Cambria Math" panose="02040503050406030204" pitchFamily="18" charset="0"/>
-                        </a:rPr>
-                        <m:t>=</m:t>
-                      </m:r>
-                      <m:sSub>
-                        <m:sSubPr>
-                          <m:ctrlPr>
-                            <a:rPr lang="en-US" b="0" i="1" smtClean="0">
-                              <a:latin typeface="Cambria Math" panose="02040503050406030204" pitchFamily="18" charset="0"/>
-                            </a:rPr>
-                          </m:ctrlPr>
-                        </m:sSubPr>
-                        <m:e>
-                          <m:r>
-                            <a:rPr lang="en-US" b="0" i="1" smtClean="0">
-                              <a:latin typeface="Cambria Math" panose="02040503050406030204" pitchFamily="18" charset="0"/>
-                            </a:rPr>
-                            <m:t>𝑓</m:t>
-                          </m:r>
-                        </m:e>
-                        <m:sub>
-                          <m:r>
-                            <a:rPr lang="en-US" b="0" i="1" smtClean="0">
-                              <a:latin typeface="Cambria Math" panose="02040503050406030204" pitchFamily="18" charset="0"/>
-                            </a:rPr>
-                            <m:t>𝑡</m:t>
-                          </m:r>
-                        </m:sub>
-                      </m:sSub>
-                      <m:sSub>
-                        <m:sSubPr>
-                          <m:ctrlPr>
-                            <a:rPr lang="en-US" b="0" i="1" smtClean="0">
-                              <a:latin typeface="Cambria Math" panose="02040503050406030204" pitchFamily="18" charset="0"/>
-                            </a:rPr>
-                          </m:ctrlPr>
-                        </m:sSubPr>
-                        <m:e>
-                          <m:r>
-                            <a:rPr lang="en-US" b="0" i="1" smtClean="0">
-                              <a:latin typeface="Cambria Math" panose="02040503050406030204" pitchFamily="18" charset="0"/>
-                            </a:rPr>
-                            <m:t>𝑆</m:t>
-                          </m:r>
-                        </m:e>
-                        <m:sub>
-                          <m:r>
-                            <a:rPr lang="en-US" b="0" i="1" smtClean="0">
-                              <a:latin typeface="Cambria Math" panose="02040503050406030204" pitchFamily="18" charset="0"/>
-                            </a:rPr>
-                            <m:t>𝑎</m:t>
-                          </m:r>
-                        </m:sub>
-                      </m:sSub>
-                    </m:oMath>
-                  </m:oMathPara>
-                </a14:m>
-                <a:endParaRPr lang="en-US" b="0" dirty="0"/>
-              </a:p>
-              <a:p>
-                <a:pPr marL="0" indent="0">
-                  <a:buNone/>
-                </a:pPr>
-                <a:endParaRPr lang="en-US" dirty="0"/>
-              </a:p>
-              <a:p>
-                <a:pPr marL="0" indent="0">
-                  <a:buNone/>
-                </a:pPr>
-                <a:r>
-                  <a:rPr lang="en-US" b="1" dirty="0"/>
-                  <a:t>Catch equation:</a:t>
-                </a:r>
-                <a:r>
-                  <a:rPr lang="en-US" dirty="0"/>
-                  <a:t> Number of fish caught</a:t>
-                </a:r>
-              </a:p>
-              <a:p>
-                <a:pPr marL="0" indent="0">
-                  <a:buNone/>
-                </a:pPr>
-                <a14:m>
-                  <m:oMathPara xmlns:m="http://schemas.openxmlformats.org/officeDocument/2006/math">
-                    <m:oMathParaPr>
-                      <m:jc m:val="centerGroup"/>
-                    </m:oMathParaPr>
-                    <m:oMath xmlns:m="http://schemas.openxmlformats.org/officeDocument/2006/math">
-                      <m:sSub>
-                        <m:sSubPr>
-                          <m:ctrlPr>
-                            <a:rPr lang="en-US" i="1" smtClean="0">
-                              <a:latin typeface="Cambria Math" panose="02040503050406030204" pitchFamily="18" charset="0"/>
-                            </a:rPr>
-                          </m:ctrlPr>
-                        </m:sSubPr>
-                        <m:e>
-                          <m:r>
-                            <a:rPr lang="en-US" b="0" i="1" smtClean="0">
-                              <a:latin typeface="Cambria Math" panose="02040503050406030204" pitchFamily="18" charset="0"/>
-                            </a:rPr>
-                            <m:t>𝐶</m:t>
-                          </m:r>
-                        </m:e>
-                        <m:sub>
-                          <m:r>
-                            <a:rPr lang="en-US" b="0" i="1" smtClean="0">
-                              <a:latin typeface="Cambria Math" panose="02040503050406030204" pitchFamily="18" charset="0"/>
-                            </a:rPr>
-                            <m:t>𝑎</m:t>
-                          </m:r>
-                          <m:r>
-                            <a:rPr lang="en-US" b="0" i="1" smtClean="0">
-                              <a:latin typeface="Cambria Math" panose="02040503050406030204" pitchFamily="18" charset="0"/>
-                            </a:rPr>
-                            <m:t>,</m:t>
-                          </m:r>
-                          <m:r>
-                            <a:rPr lang="en-US" b="0" i="1" smtClean="0">
-                              <a:latin typeface="Cambria Math" panose="02040503050406030204" pitchFamily="18" charset="0"/>
-                            </a:rPr>
-                            <m:t>𝑡</m:t>
-                          </m:r>
-                        </m:sub>
-                      </m:sSub>
-                      <m:r>
-                        <a:rPr lang="en-US" b="0" i="1" smtClean="0">
-                          <a:latin typeface="Cambria Math" panose="02040503050406030204" pitchFamily="18" charset="0"/>
-                        </a:rPr>
-                        <m:t>=</m:t>
-                      </m:r>
-                      <m:f>
-                        <m:fPr>
-                          <m:ctrlPr>
-                            <a:rPr lang="en-US" b="0" i="1" smtClean="0">
-                              <a:latin typeface="Cambria Math" panose="02040503050406030204" pitchFamily="18" charset="0"/>
-                            </a:rPr>
-                          </m:ctrlPr>
-                        </m:fPr>
-                        <m:num>
-                          <m:sSub>
-                            <m:sSubPr>
-                              <m:ctrlPr>
-                                <a:rPr lang="en-US" b="0" i="1" smtClean="0">
-                                  <a:latin typeface="Cambria Math" panose="02040503050406030204" pitchFamily="18" charset="0"/>
-                                </a:rPr>
-                              </m:ctrlPr>
-                            </m:sSubPr>
-                            <m:e>
-                              <m:r>
-                                <a:rPr lang="en-US" b="0" i="1" smtClean="0">
-                                  <a:latin typeface="Cambria Math" panose="02040503050406030204" pitchFamily="18" charset="0"/>
-                                </a:rPr>
-                                <m:t>𝐹</m:t>
-                              </m:r>
-                            </m:e>
-                            <m:sub>
-                              <m:r>
-                                <a:rPr lang="en-US" b="0" i="1" smtClean="0">
-                                  <a:latin typeface="Cambria Math" panose="02040503050406030204" pitchFamily="18" charset="0"/>
-                                </a:rPr>
-                                <m:t>𝑎</m:t>
-                              </m:r>
-                              <m:r>
-                                <a:rPr lang="en-US" b="0" i="1" smtClean="0">
-                                  <a:latin typeface="Cambria Math" panose="02040503050406030204" pitchFamily="18" charset="0"/>
-                                </a:rPr>
-                                <m:t>,</m:t>
-                              </m:r>
-                              <m:r>
-                                <a:rPr lang="en-US" b="0" i="1" smtClean="0">
-                                  <a:latin typeface="Cambria Math" panose="02040503050406030204" pitchFamily="18" charset="0"/>
-                                </a:rPr>
-                                <m:t>𝑡</m:t>
-                              </m:r>
-                            </m:sub>
-                          </m:sSub>
-                        </m:num>
-                        <m:den>
-                          <m:sSub>
-                            <m:sSubPr>
-                              <m:ctrlPr>
-                                <a:rPr lang="en-US" b="0" i="1" smtClean="0">
-                                  <a:latin typeface="Cambria Math" panose="02040503050406030204" pitchFamily="18" charset="0"/>
-                                </a:rPr>
-                              </m:ctrlPr>
-                            </m:sSubPr>
-                            <m:e>
-                              <m:r>
-                                <a:rPr lang="en-US" b="0" i="1" smtClean="0">
-                                  <a:latin typeface="Cambria Math" panose="02040503050406030204" pitchFamily="18" charset="0"/>
-                                </a:rPr>
-                                <m:t>𝐹</m:t>
-                              </m:r>
-                            </m:e>
-                            <m:sub>
-                              <m:r>
-                                <a:rPr lang="en-US" b="0" i="1" smtClean="0">
-                                  <a:latin typeface="Cambria Math" panose="02040503050406030204" pitchFamily="18" charset="0"/>
-                                </a:rPr>
-                                <m:t>𝑎</m:t>
-                              </m:r>
-                              <m:r>
-                                <a:rPr lang="en-US" b="0" i="1" smtClean="0">
-                                  <a:latin typeface="Cambria Math" panose="02040503050406030204" pitchFamily="18" charset="0"/>
-                                </a:rPr>
-                                <m:t>,</m:t>
-                              </m:r>
-                              <m:r>
-                                <a:rPr lang="en-US" b="0" i="1" smtClean="0">
-                                  <a:latin typeface="Cambria Math" panose="02040503050406030204" pitchFamily="18" charset="0"/>
-                                </a:rPr>
-                                <m:t>𝑡</m:t>
-                              </m:r>
-                            </m:sub>
-                          </m:sSub>
-                          <m:r>
-                            <a:rPr lang="en-US" b="0" i="1" smtClean="0">
-                              <a:latin typeface="Cambria Math" panose="02040503050406030204" pitchFamily="18" charset="0"/>
-                            </a:rPr>
-                            <m:t>+</m:t>
-                          </m:r>
-                          <m:sSub>
-                            <m:sSubPr>
-                              <m:ctrlPr>
-                                <a:rPr lang="en-US" b="0" i="1" smtClean="0">
-                                  <a:latin typeface="Cambria Math" panose="02040503050406030204" pitchFamily="18" charset="0"/>
-                                </a:rPr>
-                              </m:ctrlPr>
-                            </m:sSubPr>
-                            <m:e>
-                              <m:r>
-                                <a:rPr lang="en-US" b="0" i="1" smtClean="0">
-                                  <a:latin typeface="Cambria Math" panose="02040503050406030204" pitchFamily="18" charset="0"/>
-                                </a:rPr>
-                                <m:t>𝑀</m:t>
-                              </m:r>
-                            </m:e>
-                            <m:sub>
-                              <m:r>
-                                <a:rPr lang="en-US" b="0" i="1" smtClean="0">
-                                  <a:latin typeface="Cambria Math" panose="02040503050406030204" pitchFamily="18" charset="0"/>
-                                </a:rPr>
-                                <m:t>𝑎</m:t>
-                              </m:r>
-                              <m:r>
-                                <a:rPr lang="en-US" b="0" i="1" smtClean="0">
-                                  <a:latin typeface="Cambria Math" panose="02040503050406030204" pitchFamily="18" charset="0"/>
-                                </a:rPr>
-                                <m:t>,</m:t>
-                              </m:r>
-                              <m:r>
-                                <a:rPr lang="en-US" b="0" i="1" smtClean="0">
-                                  <a:latin typeface="Cambria Math" panose="02040503050406030204" pitchFamily="18" charset="0"/>
-                                </a:rPr>
-                                <m:t>𝑡</m:t>
-                              </m:r>
-                            </m:sub>
-                          </m:sSub>
-                        </m:den>
-                      </m:f>
-                      <m:d>
-                        <m:dPr>
-                          <m:ctrlPr>
-                            <a:rPr lang="en-US" b="0" i="1" smtClean="0">
-                              <a:latin typeface="Cambria Math" panose="02040503050406030204" pitchFamily="18" charset="0"/>
-                            </a:rPr>
-                          </m:ctrlPr>
-                        </m:dPr>
-                        <m:e>
-                          <m:r>
-                            <a:rPr lang="en-US" b="0" i="1" smtClean="0">
-                              <a:latin typeface="Cambria Math" panose="02040503050406030204" pitchFamily="18" charset="0"/>
-                            </a:rPr>
-                            <m:t>1−</m:t>
-                          </m:r>
-                          <m:sSup>
-                            <m:sSupPr>
-                              <m:ctrlPr>
-                                <a:rPr lang="en-US" b="0" i="1" smtClean="0">
-                                  <a:latin typeface="Cambria Math" panose="02040503050406030204" pitchFamily="18" charset="0"/>
-                                </a:rPr>
-                              </m:ctrlPr>
-                            </m:sSupPr>
-                            <m:e>
-                              <m:r>
-                                <a:rPr lang="en-US" b="0" i="1" smtClean="0">
-                                  <a:latin typeface="Cambria Math" panose="02040503050406030204" pitchFamily="18" charset="0"/>
-                                </a:rPr>
-                                <m:t>𝑒</m:t>
-                              </m:r>
-                            </m:e>
-                            <m:sup>
-                              <m:r>
-                                <a:rPr lang="en-US" b="0" i="1" smtClean="0">
-                                  <a:latin typeface="Cambria Math" panose="02040503050406030204" pitchFamily="18" charset="0"/>
-                                </a:rPr>
-                                <m:t>−</m:t>
-                              </m:r>
-                              <m:d>
-                                <m:dPr>
-                                  <m:ctrlPr>
-                                    <a:rPr lang="en-US" b="0" i="1" smtClean="0">
-                                      <a:latin typeface="Cambria Math" panose="02040503050406030204" pitchFamily="18" charset="0"/>
-                                    </a:rPr>
-                                  </m:ctrlPr>
-                                </m:dPr>
-                                <m:e>
-                                  <m:sSub>
-                                    <m:sSubPr>
-                                      <m:ctrlPr>
-                                        <a:rPr lang="en-US" b="0" i="1" smtClean="0">
-                                          <a:latin typeface="Cambria Math" panose="02040503050406030204" pitchFamily="18" charset="0"/>
-                                        </a:rPr>
-                                      </m:ctrlPr>
-                                    </m:sSubPr>
-                                    <m:e>
-                                      <m:r>
-                                        <a:rPr lang="en-US" b="0" i="1" smtClean="0">
-                                          <a:latin typeface="Cambria Math" panose="02040503050406030204" pitchFamily="18" charset="0"/>
-                                        </a:rPr>
-                                        <m:t>𝐹</m:t>
-                                      </m:r>
-                                    </m:e>
-                                    <m:sub>
-                                      <m:r>
-                                        <a:rPr lang="en-US" b="0" i="1" smtClean="0">
-                                          <a:latin typeface="Cambria Math" panose="02040503050406030204" pitchFamily="18" charset="0"/>
-                                        </a:rPr>
-                                        <m:t>𝑎</m:t>
-                                      </m:r>
-                                      <m:r>
-                                        <a:rPr lang="en-US" b="0" i="1" smtClean="0">
-                                          <a:latin typeface="Cambria Math" panose="02040503050406030204" pitchFamily="18" charset="0"/>
-                                        </a:rPr>
-                                        <m:t>,</m:t>
-                                      </m:r>
-                                      <m:r>
-                                        <a:rPr lang="en-US" b="0" i="1" smtClean="0">
-                                          <a:latin typeface="Cambria Math" panose="02040503050406030204" pitchFamily="18" charset="0"/>
-                                        </a:rPr>
-                                        <m:t>𝑡</m:t>
-                                      </m:r>
-                                    </m:sub>
-                                  </m:sSub>
-                                  <m:r>
-                                    <a:rPr lang="en-US" b="0" i="1" smtClean="0">
-                                      <a:latin typeface="Cambria Math" panose="02040503050406030204" pitchFamily="18" charset="0"/>
-                                    </a:rPr>
-                                    <m:t>+</m:t>
-                                  </m:r>
-                                  <m:sSub>
-                                    <m:sSubPr>
-                                      <m:ctrlPr>
-                                        <a:rPr lang="en-US" b="0" i="1" smtClean="0">
-                                          <a:latin typeface="Cambria Math" panose="02040503050406030204" pitchFamily="18" charset="0"/>
-                                        </a:rPr>
-                                      </m:ctrlPr>
-                                    </m:sSubPr>
-                                    <m:e>
-                                      <m:r>
-                                        <a:rPr lang="en-US" b="0" i="1" smtClean="0">
-                                          <a:latin typeface="Cambria Math" panose="02040503050406030204" pitchFamily="18" charset="0"/>
-                                        </a:rPr>
-                                        <m:t>𝑀</m:t>
-                                      </m:r>
-                                    </m:e>
-                                    <m:sub>
-                                      <m:r>
-                                        <a:rPr lang="en-US" b="0" i="1" smtClean="0">
-                                          <a:latin typeface="Cambria Math" panose="02040503050406030204" pitchFamily="18" charset="0"/>
-                                        </a:rPr>
-                                        <m:t>𝑎</m:t>
-                                      </m:r>
-                                      <m:r>
-                                        <a:rPr lang="en-US" b="0" i="1" smtClean="0">
-                                          <a:latin typeface="Cambria Math" panose="02040503050406030204" pitchFamily="18" charset="0"/>
-                                        </a:rPr>
-                                        <m:t>,</m:t>
-                                      </m:r>
-                                      <m:r>
-                                        <a:rPr lang="en-US" b="0" i="1" smtClean="0">
-                                          <a:latin typeface="Cambria Math" panose="02040503050406030204" pitchFamily="18" charset="0"/>
-                                        </a:rPr>
-                                        <m:t>𝑡</m:t>
-                                      </m:r>
-                                    </m:sub>
-                                  </m:sSub>
-                                </m:e>
-                              </m:d>
-                            </m:sup>
-                          </m:sSup>
-                        </m:e>
-                      </m:d>
-                      <m:sSub>
-                        <m:sSubPr>
-                          <m:ctrlPr>
-                            <a:rPr lang="en-US" b="0" i="1" smtClean="0">
-                              <a:latin typeface="Cambria Math" panose="02040503050406030204" pitchFamily="18" charset="0"/>
-                            </a:rPr>
-                          </m:ctrlPr>
-                        </m:sSubPr>
-                        <m:e>
-                          <m:r>
-                            <a:rPr lang="en-US" b="0" i="1" smtClean="0">
-                              <a:latin typeface="Cambria Math" panose="02040503050406030204" pitchFamily="18" charset="0"/>
-                            </a:rPr>
-                            <m:t>𝑁</m:t>
-                          </m:r>
-                        </m:e>
-                        <m:sub>
-                          <m:r>
-                            <a:rPr lang="en-US" b="0" i="1" smtClean="0">
-                              <a:latin typeface="Cambria Math" panose="02040503050406030204" pitchFamily="18" charset="0"/>
-                            </a:rPr>
-                            <m:t>𝑎</m:t>
-                          </m:r>
-                          <m:r>
-                            <a:rPr lang="en-US" b="0" i="1" smtClean="0">
-                              <a:latin typeface="Cambria Math" panose="02040503050406030204" pitchFamily="18" charset="0"/>
-                            </a:rPr>
-                            <m:t>,</m:t>
-                          </m:r>
-                          <m:r>
-                            <a:rPr lang="en-US" b="0" i="1" smtClean="0">
-                              <a:latin typeface="Cambria Math" panose="02040503050406030204" pitchFamily="18" charset="0"/>
-                            </a:rPr>
-                            <m:t>𝑡</m:t>
-                          </m:r>
-                        </m:sub>
-                      </m:sSub>
-                    </m:oMath>
-                  </m:oMathPara>
-                </a14:m>
-                <a:endParaRPr lang="en-US" b="0" dirty="0"/>
-              </a:p>
-              <a:p>
-                <a:pPr marL="0" indent="0">
-                  <a:buNone/>
-                </a:pPr>
-                <a:endParaRPr lang="en-US" dirty="0"/>
-              </a:p>
-              <a:p>
-                <a:pPr marL="0" indent="0">
-                  <a:buNone/>
-                </a:pPr>
-                <a:r>
-                  <a:rPr lang="en-US" b="1" dirty="0"/>
-                  <a:t>Stock-recruit equation</a:t>
-                </a:r>
-                <a:r>
-                  <a:rPr lang="en-US" dirty="0"/>
-                  <a:t>: Related but different hypothesis of how</a:t>
-                </a:r>
-                <a:endParaRPr lang="en-US" b="1" dirty="0"/>
-              </a:p>
-            </p:txBody>
-          </p:sp>
-        </mc:Choice>
-        <mc:Fallback xmlns="">
-          <p:sp>
-            <p:nvSpPr>
-              <p:cNvPr id="3" name="Content Placeholder 2">
-                <a:extLst>
-                  <a:ext uri="{FF2B5EF4-FFF2-40B4-BE49-F238E27FC236}">
-                    <a16:creationId xmlns:a16="http://schemas.microsoft.com/office/drawing/2014/main" id="{3030D098-B23E-486D-8C0E-9E437DA4557D}"/>
-                  </a:ext>
-                </a:extLst>
-              </p:cNvPr>
-              <p:cNvSpPr>
-                <a:spLocks noGrp="1" noRot="1" noChangeAspect="1" noMove="1" noResize="1" noEditPoints="1" noAdjustHandles="1" noChangeArrowheads="1" noChangeShapeType="1" noTextEdit="1"/>
-              </p:cNvSpPr>
-              <p:nvPr>
-                <p:ph idx="1"/>
-              </p:nvPr>
-            </p:nvSpPr>
-            <p:spPr>
-              <a:blipFill>
-                <a:blip r:embed="rId2"/>
-                <a:stretch>
-                  <a:fillRect l="-1043" t="-3221"/>
-                </a:stretch>
-              </a:blipFill>
-            </p:spPr>
-            <p:txBody>
-              <a:bodyPr/>
-              <a:lstStyle/>
-              <a:p>
-                <a:r>
-                  <a:rPr lang="en-US">
-                    <a:noFill/>
-                  </a:rPr>
-                  <a:t> </a:t>
-                </a:r>
-              </a:p>
-            </p:txBody>
-          </p:sp>
-        </mc:Fallback>
-      </mc:AlternateContent>
+      <p:sp>
+        <p:nvSpPr>
+          <p:cNvPr id="4" name="TextBox 3">
+            <a:extLst>
+              <a:ext uri="{FF2B5EF4-FFF2-40B4-BE49-F238E27FC236}">
+                <a16:creationId xmlns:a16="http://schemas.microsoft.com/office/drawing/2014/main" id="{A7239F36-CAEE-4498-8579-BA56834E73CF}"/>
+              </a:ext>
+            </a:extLst>
+          </p:cNvPr>
+          <p:cNvSpPr txBox="1"/>
+          <p:nvPr/>
+        </p:nvSpPr>
+        <p:spPr>
+          <a:xfrm>
+            <a:off x="323869" y="1553134"/>
+            <a:ext cx="4859383" cy="3046988"/>
+          </a:xfrm>
+          <a:prstGeom prst="rect">
+            <a:avLst/>
+          </a:prstGeom>
+          <a:noFill/>
+        </p:spPr>
+        <p:txBody>
+          <a:bodyPr wrap="square" rtlCol="0">
+            <a:spAutoFit/>
+          </a:bodyPr>
+          <a:lstStyle/>
+          <a:p>
+            <a:r>
+              <a:rPr lang="en-US" sz="2400" dirty="0">
+                <a:solidFill>
+                  <a:schemeClr val="accent4">
+                    <a:lumMod val="75000"/>
+                  </a:schemeClr>
+                </a:solidFill>
+                <a:latin typeface="Helvetica" panose="020B0504020202030204" pitchFamily="34" charset="0"/>
+              </a:rPr>
+              <a:t>Estimating:</a:t>
+            </a:r>
+          </a:p>
+          <a:p>
+            <a:pPr marL="342900" indent="-342900">
+              <a:buFont typeface="Arial" panose="020B0604020202020204" pitchFamily="34" charset="0"/>
+              <a:buChar char="•"/>
+            </a:pPr>
+            <a:r>
+              <a:rPr lang="en-US" sz="2400" dirty="0">
+                <a:latin typeface="Helvetica" panose="020B0504020202030204" pitchFamily="34" charset="0"/>
+              </a:rPr>
+              <a:t>Numbers-at-age in the first year</a:t>
+            </a:r>
+          </a:p>
+          <a:p>
+            <a:pPr marL="342900" indent="-342900">
+              <a:buFont typeface="Arial" panose="020B0604020202020204" pitchFamily="34" charset="0"/>
+              <a:buChar char="•"/>
+            </a:pPr>
+            <a:r>
+              <a:rPr lang="en-US" sz="2400" dirty="0">
+                <a:latin typeface="Helvetica" panose="020B0504020202030204" pitchFamily="34" charset="0"/>
+              </a:rPr>
+              <a:t>Recruits (numbers age-0)</a:t>
+            </a:r>
+          </a:p>
+          <a:p>
+            <a:pPr marL="342900" indent="-342900">
+              <a:buFont typeface="Arial" panose="020B0604020202020204" pitchFamily="34" charset="0"/>
+              <a:buChar char="•"/>
+            </a:pPr>
+            <a:r>
+              <a:rPr lang="en-US" sz="2400" dirty="0">
+                <a:latin typeface="Helvetica" panose="020B0504020202030204" pitchFamily="34" charset="0"/>
+              </a:rPr>
+              <a:t>Fully-selected fishing mortality by year</a:t>
+            </a:r>
+          </a:p>
+          <a:p>
+            <a:pPr marL="342900" indent="-342900">
+              <a:buFont typeface="Arial" panose="020B0604020202020204" pitchFamily="34" charset="0"/>
+              <a:buChar char="•"/>
+            </a:pPr>
+            <a:r>
+              <a:rPr lang="en-US" sz="2400" dirty="0">
+                <a:latin typeface="Helvetica" panose="020B0504020202030204" pitchFamily="34" charset="0"/>
+              </a:rPr>
+              <a:t>Age at 50% and 95% selectivity</a:t>
+            </a:r>
+          </a:p>
+          <a:p>
+            <a:pPr marL="342900" indent="-342900">
+              <a:buFont typeface="Arial" panose="020B0604020202020204" pitchFamily="34" charset="0"/>
+              <a:buChar char="•"/>
+            </a:pPr>
+            <a:r>
+              <a:rPr lang="en-US" sz="2400" dirty="0">
+                <a:latin typeface="Helvetica" panose="020B0504020202030204" pitchFamily="34" charset="0"/>
+              </a:rPr>
+              <a:t>Catchability</a:t>
+            </a:r>
+          </a:p>
+          <a:p>
+            <a:endParaRPr lang="en-US" sz="2400" dirty="0">
+              <a:latin typeface="Helvetica" panose="020B0504020202030204" pitchFamily="34" charset="0"/>
+            </a:endParaRPr>
+          </a:p>
+        </p:txBody>
+      </p:sp>
+      <p:sp>
+        <p:nvSpPr>
+          <p:cNvPr id="5" name="TextBox 4">
+            <a:extLst>
+              <a:ext uri="{FF2B5EF4-FFF2-40B4-BE49-F238E27FC236}">
+                <a16:creationId xmlns:a16="http://schemas.microsoft.com/office/drawing/2014/main" id="{E8D05586-2109-4678-9EDC-31C1A2CF5B6B}"/>
+              </a:ext>
+            </a:extLst>
+          </p:cNvPr>
+          <p:cNvSpPr txBox="1"/>
+          <p:nvPr/>
+        </p:nvSpPr>
+        <p:spPr>
+          <a:xfrm>
+            <a:off x="7008748" y="1547491"/>
+            <a:ext cx="4859383" cy="3046988"/>
+          </a:xfrm>
+          <a:prstGeom prst="rect">
+            <a:avLst/>
+          </a:prstGeom>
+          <a:noFill/>
+        </p:spPr>
+        <p:txBody>
+          <a:bodyPr wrap="square" rtlCol="0">
+            <a:spAutoFit/>
+          </a:bodyPr>
+          <a:lstStyle/>
+          <a:p>
+            <a:r>
+              <a:rPr lang="en-US" sz="2400" dirty="0">
+                <a:solidFill>
+                  <a:schemeClr val="accent2">
+                    <a:lumMod val="75000"/>
+                  </a:schemeClr>
+                </a:solidFill>
+                <a:latin typeface="Helvetica" panose="020B0504020202030204" pitchFamily="34" charset="0"/>
+              </a:rPr>
+              <a:t>Specifying:</a:t>
+            </a:r>
+          </a:p>
+          <a:p>
+            <a:pPr marL="342900" indent="-342900">
+              <a:buFont typeface="Arial" panose="020B0604020202020204" pitchFamily="34" charset="0"/>
+              <a:buChar char="•"/>
+            </a:pPr>
+            <a:r>
+              <a:rPr lang="en-US" sz="2400" dirty="0">
+                <a:latin typeface="Helvetica" panose="020B0504020202030204" pitchFamily="34" charset="0"/>
+              </a:rPr>
+              <a:t>Natural mortality</a:t>
+            </a:r>
+          </a:p>
+          <a:p>
+            <a:pPr marL="342900" indent="-342900">
+              <a:buFont typeface="Arial" panose="020B0604020202020204" pitchFamily="34" charset="0"/>
+              <a:buChar char="•"/>
+            </a:pPr>
+            <a:r>
+              <a:rPr lang="en-US" sz="2400" dirty="0">
+                <a:latin typeface="Helvetica" panose="020B0504020202030204" pitchFamily="34" charset="0"/>
+              </a:rPr>
+              <a:t>Weight-at-age</a:t>
+            </a:r>
+          </a:p>
+          <a:p>
+            <a:pPr marL="342900" indent="-342900">
+              <a:buFont typeface="Arial" panose="020B0604020202020204" pitchFamily="34" charset="0"/>
+              <a:buChar char="•"/>
+            </a:pPr>
+            <a:r>
+              <a:rPr lang="en-US" sz="2400" dirty="0">
+                <a:latin typeface="Helvetica" panose="020B0504020202030204" pitchFamily="34" charset="0"/>
+              </a:rPr>
+              <a:t>Weights for the catch, CPUE, and catch-at-age data</a:t>
+            </a:r>
+          </a:p>
+          <a:p>
+            <a:pPr marL="342900" indent="-342900">
+              <a:buFont typeface="Arial" panose="020B0604020202020204" pitchFamily="34" charset="0"/>
+              <a:buChar char="•"/>
+            </a:pPr>
+            <a:r>
+              <a:rPr lang="en-US" sz="2400" dirty="0">
+                <a:latin typeface="Helvetica" panose="020B0504020202030204" pitchFamily="34" charset="0"/>
+              </a:rPr>
+              <a:t>Process and observation error</a:t>
+            </a:r>
+          </a:p>
+          <a:p>
+            <a:pPr marL="342900" indent="-342900">
+              <a:buFont typeface="Arial" panose="020B0604020202020204" pitchFamily="34" charset="0"/>
+              <a:buChar char="•"/>
+            </a:pPr>
+            <a:endParaRPr lang="en-US" sz="2400" dirty="0">
+              <a:latin typeface="Helvetica" panose="020B0504020202030204" pitchFamily="34" charset="0"/>
+            </a:endParaRPr>
+          </a:p>
+          <a:p>
+            <a:endParaRPr lang="en-US" sz="2400" dirty="0">
+              <a:latin typeface="Helvetica" panose="020B0504020202030204" pitchFamily="34" charset="0"/>
+            </a:endParaRPr>
+          </a:p>
+        </p:txBody>
+      </p:sp>
+      <p:grpSp>
+        <p:nvGrpSpPr>
+          <p:cNvPr id="6" name="Group 5">
+            <a:extLst>
+              <a:ext uri="{FF2B5EF4-FFF2-40B4-BE49-F238E27FC236}">
+                <a16:creationId xmlns:a16="http://schemas.microsoft.com/office/drawing/2014/main" id="{1A4BE29C-E45F-4084-8C1B-647861463A07}"/>
+              </a:ext>
+            </a:extLst>
+          </p:cNvPr>
+          <p:cNvGrpSpPr/>
+          <p:nvPr/>
+        </p:nvGrpSpPr>
+        <p:grpSpPr>
+          <a:xfrm>
+            <a:off x="117531" y="4600793"/>
+            <a:ext cx="11753190" cy="2237990"/>
+            <a:chOff x="193655" y="1306098"/>
+            <a:chExt cx="11753190" cy="2237990"/>
+          </a:xfrm>
+        </p:grpSpPr>
+        <p:sp>
+          <p:nvSpPr>
+            <p:cNvPr id="7" name="Rectangle 6">
+              <a:extLst>
+                <a:ext uri="{FF2B5EF4-FFF2-40B4-BE49-F238E27FC236}">
+                  <a16:creationId xmlns:a16="http://schemas.microsoft.com/office/drawing/2014/main" id="{A4B1DC8D-3FF3-4625-8D9F-2A1D46795EC1}"/>
+                </a:ext>
+              </a:extLst>
+            </p:cNvPr>
+            <p:cNvSpPr/>
+            <p:nvPr/>
+          </p:nvSpPr>
+          <p:spPr>
+            <a:xfrm>
+              <a:off x="611966" y="2382169"/>
+              <a:ext cx="2547709" cy="1046831"/>
+            </a:xfrm>
+            <a:prstGeom prst="rect">
+              <a:avLst/>
+            </a:prstGeom>
+            <a:solidFill>
+              <a:schemeClr val="accent6">
+                <a:lumMod val="40000"/>
+                <a:lumOff val="60000"/>
+              </a:schemeClr>
+            </a:solidFill>
+            <a:ln>
+              <a:solidFill>
+                <a:schemeClr val="accent6">
+                  <a:lumMod val="75000"/>
+                </a:schemeClr>
+              </a:solidFill>
+            </a:ln>
+          </p:spPr>
+          <p:style>
+            <a:lnRef idx="2">
+              <a:schemeClr val="accent1">
+                <a:shade val="50000"/>
+              </a:schemeClr>
+            </a:lnRef>
+            <a:fillRef idx="1">
+              <a:schemeClr val="accent1"/>
+            </a:fillRef>
+            <a:effectRef idx="0">
+              <a:schemeClr val="accent1"/>
+            </a:effectRef>
+            <a:fontRef idx="minor">
+              <a:schemeClr val="lt1"/>
+            </a:fontRef>
+          </p:style>
+          <p:txBody>
+            <a:bodyPr rtlCol="0" anchor="ctr"/>
+            <a:lstStyle/>
+            <a:p>
+              <a:pPr algn="ctr"/>
+              <a:r>
+                <a:rPr lang="en-US" dirty="0">
+                  <a:solidFill>
+                    <a:schemeClr val="tx1"/>
+                  </a:solidFill>
+                  <a:latin typeface="Helvetica" panose="020B0504020202030204" pitchFamily="34" charset="0"/>
+                </a:rPr>
+                <a:t>State dynamics model</a:t>
+              </a:r>
+            </a:p>
+          </p:txBody>
+        </p:sp>
+        <p:sp>
+          <p:nvSpPr>
+            <p:cNvPr id="8" name="TextBox 7">
+              <a:extLst>
+                <a:ext uri="{FF2B5EF4-FFF2-40B4-BE49-F238E27FC236}">
+                  <a16:creationId xmlns:a16="http://schemas.microsoft.com/office/drawing/2014/main" id="{4CCA853B-441F-4B39-A1A4-FC7CEA97C3E6}"/>
+                </a:ext>
+              </a:extLst>
+            </p:cNvPr>
+            <p:cNvSpPr txBox="1"/>
+            <p:nvPr/>
+          </p:nvSpPr>
+          <p:spPr>
+            <a:xfrm>
+              <a:off x="193655" y="1640839"/>
+              <a:ext cx="1413116" cy="369332"/>
+            </a:xfrm>
+            <a:prstGeom prst="rect">
+              <a:avLst/>
+            </a:prstGeom>
+            <a:solidFill>
+              <a:schemeClr val="accent4">
+                <a:lumMod val="40000"/>
+                <a:lumOff val="60000"/>
+              </a:schemeClr>
+            </a:solidFill>
+            <a:ln>
+              <a:solidFill>
+                <a:schemeClr val="accent4"/>
+              </a:solidFill>
+            </a:ln>
+          </p:spPr>
+          <p:txBody>
+            <a:bodyPr wrap="square" rtlCol="0">
+              <a:spAutoFit/>
+            </a:bodyPr>
+            <a:lstStyle/>
+            <a:p>
+              <a:pPr algn="ctr"/>
+              <a:r>
+                <a:rPr lang="en-US" dirty="0">
+                  <a:latin typeface="Helvetica" panose="020B0504020202030204" pitchFamily="34" charset="0"/>
+                </a:rPr>
+                <a:t>Parameters</a:t>
+              </a:r>
+            </a:p>
+          </p:txBody>
+        </p:sp>
+        <p:sp>
+          <p:nvSpPr>
+            <p:cNvPr id="9" name="TextBox 8">
+              <a:extLst>
+                <a:ext uri="{FF2B5EF4-FFF2-40B4-BE49-F238E27FC236}">
+                  <a16:creationId xmlns:a16="http://schemas.microsoft.com/office/drawing/2014/main" id="{39B28C1A-0294-4277-BFC4-FC5F45964BBC}"/>
+                </a:ext>
+              </a:extLst>
+            </p:cNvPr>
+            <p:cNvSpPr txBox="1"/>
+            <p:nvPr/>
+          </p:nvSpPr>
+          <p:spPr>
+            <a:xfrm>
+              <a:off x="1769988" y="1306098"/>
+              <a:ext cx="1876098" cy="646331"/>
+            </a:xfrm>
+            <a:prstGeom prst="rect">
+              <a:avLst/>
+            </a:prstGeom>
+            <a:solidFill>
+              <a:srgbClr val="E3B9FF"/>
+            </a:solidFill>
+            <a:ln>
+              <a:solidFill>
+                <a:srgbClr val="9900FF"/>
+              </a:solidFill>
+            </a:ln>
+          </p:spPr>
+          <p:txBody>
+            <a:bodyPr wrap="square" rtlCol="0">
+              <a:spAutoFit/>
+            </a:bodyPr>
+            <a:lstStyle/>
+            <a:p>
+              <a:pPr algn="ctr"/>
+              <a:r>
+                <a:rPr lang="en-US" dirty="0">
+                  <a:latin typeface="Helvetica" panose="020B0504020202030204" pitchFamily="34" charset="0"/>
+                </a:rPr>
+                <a:t>Variability (process error)</a:t>
+              </a:r>
+            </a:p>
+          </p:txBody>
+        </p:sp>
+        <p:cxnSp>
+          <p:nvCxnSpPr>
+            <p:cNvPr id="10" name="Straight Arrow Connector 9">
+              <a:extLst>
+                <a:ext uri="{FF2B5EF4-FFF2-40B4-BE49-F238E27FC236}">
+                  <a16:creationId xmlns:a16="http://schemas.microsoft.com/office/drawing/2014/main" id="{774F1A90-7A73-438F-8AFF-F34F432FF68B}"/>
+                </a:ext>
+              </a:extLst>
+            </p:cNvPr>
+            <p:cNvCxnSpPr>
+              <a:cxnSpLocks/>
+              <a:stCxn id="8" idx="2"/>
+            </p:cNvCxnSpPr>
+            <p:nvPr/>
+          </p:nvCxnSpPr>
+          <p:spPr>
+            <a:xfrm>
+              <a:off x="900213" y="2010171"/>
+              <a:ext cx="600930" cy="304207"/>
+            </a:xfrm>
+            <a:prstGeom prst="straightConnector1">
+              <a:avLst/>
+            </a:prstGeom>
+            <a:ln>
+              <a:solidFill>
+                <a:schemeClr val="tx1"/>
+              </a:solidFill>
+              <a:tailEnd type="triangle"/>
+            </a:ln>
+          </p:spPr>
+          <p:style>
+            <a:lnRef idx="1">
+              <a:schemeClr val="accent1"/>
+            </a:lnRef>
+            <a:fillRef idx="0">
+              <a:schemeClr val="accent1"/>
+            </a:fillRef>
+            <a:effectRef idx="0">
+              <a:schemeClr val="accent1"/>
+            </a:effectRef>
+            <a:fontRef idx="minor">
+              <a:schemeClr val="tx1"/>
+            </a:fontRef>
+          </p:style>
+        </p:cxnSp>
+        <p:cxnSp>
+          <p:nvCxnSpPr>
+            <p:cNvPr id="11" name="Straight Arrow Connector 10">
+              <a:extLst>
+                <a:ext uri="{FF2B5EF4-FFF2-40B4-BE49-F238E27FC236}">
+                  <a16:creationId xmlns:a16="http://schemas.microsoft.com/office/drawing/2014/main" id="{F1CC3718-BDCC-439C-8CDB-10113DF6D593}"/>
+                </a:ext>
+              </a:extLst>
+            </p:cNvPr>
+            <p:cNvCxnSpPr>
+              <a:cxnSpLocks/>
+            </p:cNvCxnSpPr>
+            <p:nvPr/>
+          </p:nvCxnSpPr>
+          <p:spPr>
+            <a:xfrm>
+              <a:off x="2606941" y="1963445"/>
+              <a:ext cx="0" cy="359294"/>
+            </a:xfrm>
+            <a:prstGeom prst="straightConnector1">
+              <a:avLst/>
+            </a:prstGeom>
+            <a:ln>
+              <a:solidFill>
+                <a:schemeClr val="tx1"/>
+              </a:solidFill>
+              <a:tailEnd type="triangle"/>
+            </a:ln>
+          </p:spPr>
+          <p:style>
+            <a:lnRef idx="1">
+              <a:schemeClr val="accent1"/>
+            </a:lnRef>
+            <a:fillRef idx="0">
+              <a:schemeClr val="accent1"/>
+            </a:fillRef>
+            <a:effectRef idx="0">
+              <a:schemeClr val="accent1"/>
+            </a:effectRef>
+            <a:fontRef idx="minor">
+              <a:schemeClr val="tx1"/>
+            </a:fontRef>
+          </p:style>
+        </p:cxnSp>
+        <p:cxnSp>
+          <p:nvCxnSpPr>
+            <p:cNvPr id="12" name="Straight Arrow Connector 11">
+              <a:extLst>
+                <a:ext uri="{FF2B5EF4-FFF2-40B4-BE49-F238E27FC236}">
+                  <a16:creationId xmlns:a16="http://schemas.microsoft.com/office/drawing/2014/main" id="{14C7A8CF-CF5B-4D0B-9B50-16D538D12E6D}"/>
+                </a:ext>
+              </a:extLst>
+            </p:cNvPr>
+            <p:cNvCxnSpPr>
+              <a:cxnSpLocks/>
+            </p:cNvCxnSpPr>
+            <p:nvPr/>
+          </p:nvCxnSpPr>
+          <p:spPr>
+            <a:xfrm>
+              <a:off x="3436883" y="2918198"/>
+              <a:ext cx="580171" cy="0"/>
+            </a:xfrm>
+            <a:prstGeom prst="straightConnector1">
+              <a:avLst/>
+            </a:prstGeom>
+            <a:ln>
+              <a:solidFill>
+                <a:schemeClr val="tx1"/>
+              </a:solidFill>
+              <a:tailEnd type="triangle"/>
+            </a:ln>
+          </p:spPr>
+          <p:style>
+            <a:lnRef idx="1">
+              <a:schemeClr val="accent1"/>
+            </a:lnRef>
+            <a:fillRef idx="0">
+              <a:schemeClr val="accent1"/>
+            </a:fillRef>
+            <a:effectRef idx="0">
+              <a:schemeClr val="accent1"/>
+            </a:effectRef>
+            <a:fontRef idx="minor">
+              <a:schemeClr val="tx1"/>
+            </a:fontRef>
+          </p:style>
+        </p:cxnSp>
+        <p:sp>
+          <p:nvSpPr>
+            <p:cNvPr id="13" name="Rectangle 12">
+              <a:extLst>
+                <a:ext uri="{FF2B5EF4-FFF2-40B4-BE49-F238E27FC236}">
+                  <a16:creationId xmlns:a16="http://schemas.microsoft.com/office/drawing/2014/main" id="{D2D282BE-6B52-44F8-AA98-3FCA180FD6A0}"/>
+                </a:ext>
+              </a:extLst>
+            </p:cNvPr>
+            <p:cNvSpPr/>
+            <p:nvPr/>
+          </p:nvSpPr>
+          <p:spPr>
+            <a:xfrm>
+              <a:off x="4206240" y="2382169"/>
+              <a:ext cx="2106273" cy="1046831"/>
+            </a:xfrm>
+            <a:prstGeom prst="rect">
+              <a:avLst/>
+            </a:prstGeom>
+            <a:solidFill>
+              <a:schemeClr val="accent1">
+                <a:lumMod val="40000"/>
+                <a:lumOff val="60000"/>
+              </a:schemeClr>
+            </a:solidFill>
+          </p:spPr>
+          <p:style>
+            <a:lnRef idx="2">
+              <a:schemeClr val="accent1">
+                <a:shade val="50000"/>
+              </a:schemeClr>
+            </a:lnRef>
+            <a:fillRef idx="1">
+              <a:schemeClr val="accent1"/>
+            </a:fillRef>
+            <a:effectRef idx="0">
+              <a:schemeClr val="accent1"/>
+            </a:effectRef>
+            <a:fontRef idx="minor">
+              <a:schemeClr val="lt1"/>
+            </a:fontRef>
+          </p:style>
+          <p:txBody>
+            <a:bodyPr rtlCol="0" anchor="ctr"/>
+            <a:lstStyle/>
+            <a:p>
+              <a:pPr algn="ctr"/>
+              <a:r>
+                <a:rPr lang="en-US" dirty="0">
+                  <a:solidFill>
+                    <a:schemeClr val="tx1"/>
+                  </a:solidFill>
+                  <a:latin typeface="Helvetica" panose="020B0504020202030204" pitchFamily="34" charset="0"/>
+                </a:rPr>
+                <a:t>Observation model</a:t>
+              </a:r>
+            </a:p>
+            <a:p>
+              <a:pPr algn="ctr"/>
+              <a:r>
+                <a:rPr lang="en-US" dirty="0">
+                  <a:solidFill>
+                    <a:schemeClr val="tx1"/>
+                  </a:solidFill>
+                  <a:latin typeface="Helvetica" panose="020B0504020202030204" pitchFamily="34" charset="0"/>
+                </a:rPr>
+                <a:t>(Predicted data)</a:t>
+              </a:r>
+            </a:p>
+          </p:txBody>
+        </p:sp>
+        <p:sp>
+          <p:nvSpPr>
+            <p:cNvPr id="14" name="Oval 13">
+              <a:extLst>
+                <a:ext uri="{FF2B5EF4-FFF2-40B4-BE49-F238E27FC236}">
+                  <a16:creationId xmlns:a16="http://schemas.microsoft.com/office/drawing/2014/main" id="{FA1B5248-4E21-4FE5-84E7-0D3A8BDCFDEA}"/>
+                </a:ext>
+              </a:extLst>
+            </p:cNvPr>
+            <p:cNvSpPr/>
+            <p:nvPr/>
+          </p:nvSpPr>
+          <p:spPr>
+            <a:xfrm>
+              <a:off x="7234664" y="2234042"/>
+              <a:ext cx="1683757" cy="1310046"/>
+            </a:xfrm>
+            <a:prstGeom prst="ellipse">
+              <a:avLst/>
+            </a:prstGeom>
+            <a:solidFill>
+              <a:schemeClr val="bg2">
+                <a:lumMod val="90000"/>
+              </a:schemeClr>
+            </a:solidFill>
+          </p:spPr>
+          <p:style>
+            <a:lnRef idx="2">
+              <a:schemeClr val="accent3">
+                <a:shade val="50000"/>
+              </a:schemeClr>
+            </a:lnRef>
+            <a:fillRef idx="1">
+              <a:schemeClr val="accent3"/>
+            </a:fillRef>
+            <a:effectRef idx="0">
+              <a:schemeClr val="accent3"/>
+            </a:effectRef>
+            <a:fontRef idx="minor">
+              <a:schemeClr val="lt1"/>
+            </a:fontRef>
+          </p:style>
+          <p:txBody>
+            <a:bodyPr rtlCol="0" anchor="ctr"/>
+            <a:lstStyle/>
+            <a:p>
+              <a:pPr algn="ctr"/>
+              <a:r>
+                <a:rPr lang="en-US" dirty="0">
+                  <a:solidFill>
+                    <a:schemeClr val="tx1"/>
+                  </a:solidFill>
+                  <a:latin typeface="Helvetica" panose="020B0504020202030204" pitchFamily="34" charset="0"/>
+                </a:rPr>
+                <a:t>Statistical criterion</a:t>
+              </a:r>
+            </a:p>
+          </p:txBody>
+        </p:sp>
+        <p:cxnSp>
+          <p:nvCxnSpPr>
+            <p:cNvPr id="15" name="Straight Arrow Connector 14">
+              <a:extLst>
+                <a:ext uri="{FF2B5EF4-FFF2-40B4-BE49-F238E27FC236}">
+                  <a16:creationId xmlns:a16="http://schemas.microsoft.com/office/drawing/2014/main" id="{8871BE20-EE4D-42BF-A6A4-0674286E28CA}"/>
+                </a:ext>
+              </a:extLst>
+            </p:cNvPr>
+            <p:cNvCxnSpPr>
+              <a:cxnSpLocks/>
+            </p:cNvCxnSpPr>
+            <p:nvPr/>
+          </p:nvCxnSpPr>
+          <p:spPr>
+            <a:xfrm>
+              <a:off x="6527975" y="2894846"/>
+              <a:ext cx="580171" cy="0"/>
+            </a:xfrm>
+            <a:prstGeom prst="straightConnector1">
+              <a:avLst/>
+            </a:prstGeom>
+            <a:ln>
+              <a:solidFill>
+                <a:schemeClr val="tx1"/>
+              </a:solidFill>
+              <a:tailEnd type="triangle"/>
+            </a:ln>
+          </p:spPr>
+          <p:style>
+            <a:lnRef idx="1">
+              <a:schemeClr val="accent1"/>
+            </a:lnRef>
+            <a:fillRef idx="0">
+              <a:schemeClr val="accent1"/>
+            </a:fillRef>
+            <a:effectRef idx="0">
+              <a:schemeClr val="accent1"/>
+            </a:effectRef>
+            <a:fontRef idx="minor">
+              <a:schemeClr val="tx1"/>
+            </a:fontRef>
+          </p:style>
+        </p:cxnSp>
+        <p:sp>
+          <p:nvSpPr>
+            <p:cNvPr id="16" name="Rectangle 15">
+              <a:extLst>
+                <a:ext uri="{FF2B5EF4-FFF2-40B4-BE49-F238E27FC236}">
+                  <a16:creationId xmlns:a16="http://schemas.microsoft.com/office/drawing/2014/main" id="{E8C1FF47-0ECF-40B2-9C70-23D3F9851113}"/>
+                </a:ext>
+              </a:extLst>
+            </p:cNvPr>
+            <p:cNvSpPr/>
+            <p:nvPr/>
+          </p:nvSpPr>
+          <p:spPr>
+            <a:xfrm>
+              <a:off x="9840572" y="2394782"/>
+              <a:ext cx="2106273" cy="1046831"/>
+            </a:xfrm>
+            <a:prstGeom prst="rect">
+              <a:avLst/>
+            </a:prstGeom>
+            <a:solidFill>
+              <a:schemeClr val="accent2">
+                <a:lumMod val="40000"/>
+                <a:lumOff val="60000"/>
+              </a:schemeClr>
+            </a:solidFill>
+          </p:spPr>
+          <p:style>
+            <a:lnRef idx="2">
+              <a:schemeClr val="accent2">
+                <a:shade val="50000"/>
+              </a:schemeClr>
+            </a:lnRef>
+            <a:fillRef idx="1">
+              <a:schemeClr val="accent2"/>
+            </a:fillRef>
+            <a:effectRef idx="0">
+              <a:schemeClr val="accent2"/>
+            </a:effectRef>
+            <a:fontRef idx="minor">
+              <a:schemeClr val="lt1"/>
+            </a:fontRef>
+          </p:style>
+          <p:txBody>
+            <a:bodyPr rtlCol="0" anchor="ctr"/>
+            <a:lstStyle/>
+            <a:p>
+              <a:pPr algn="ctr"/>
+              <a:r>
+                <a:rPr lang="en-US" dirty="0">
+                  <a:solidFill>
+                    <a:schemeClr val="tx1"/>
+                  </a:solidFill>
+                  <a:latin typeface="Helvetica" panose="020B0504020202030204" pitchFamily="34" charset="0"/>
+                </a:rPr>
+                <a:t>Observations (Data)</a:t>
+              </a:r>
+            </a:p>
+          </p:txBody>
+        </p:sp>
+        <p:cxnSp>
+          <p:nvCxnSpPr>
+            <p:cNvPr id="17" name="Straight Arrow Connector 16">
+              <a:extLst>
+                <a:ext uri="{FF2B5EF4-FFF2-40B4-BE49-F238E27FC236}">
+                  <a16:creationId xmlns:a16="http://schemas.microsoft.com/office/drawing/2014/main" id="{6FC1D073-5CFA-4775-8A97-5B4B029E6F18}"/>
+                </a:ext>
+              </a:extLst>
+            </p:cNvPr>
+            <p:cNvCxnSpPr>
+              <a:cxnSpLocks/>
+            </p:cNvCxnSpPr>
+            <p:nvPr/>
+          </p:nvCxnSpPr>
+          <p:spPr>
+            <a:xfrm flipH="1">
+              <a:off x="9044939" y="2888541"/>
+              <a:ext cx="649801" cy="524"/>
+            </a:xfrm>
+            <a:prstGeom prst="straightConnector1">
+              <a:avLst/>
+            </a:prstGeom>
+            <a:ln>
+              <a:solidFill>
+                <a:schemeClr val="tx1"/>
+              </a:solidFill>
+              <a:tailEnd type="triangle"/>
+            </a:ln>
+          </p:spPr>
+          <p:style>
+            <a:lnRef idx="1">
+              <a:schemeClr val="accent1"/>
+            </a:lnRef>
+            <a:fillRef idx="0">
+              <a:schemeClr val="accent1"/>
+            </a:fillRef>
+            <a:effectRef idx="0">
+              <a:schemeClr val="accent1"/>
+            </a:effectRef>
+            <a:fontRef idx="minor">
+              <a:schemeClr val="tx1"/>
+            </a:fontRef>
+          </p:style>
+        </p:cxnSp>
+        <p:sp>
+          <p:nvSpPr>
+            <p:cNvPr id="18" name="TextBox 17">
+              <a:extLst>
+                <a:ext uri="{FF2B5EF4-FFF2-40B4-BE49-F238E27FC236}">
+                  <a16:creationId xmlns:a16="http://schemas.microsoft.com/office/drawing/2014/main" id="{00401C3C-FB99-4C33-8BFC-2767C72B5388}"/>
+                </a:ext>
+              </a:extLst>
+            </p:cNvPr>
+            <p:cNvSpPr txBox="1"/>
+            <p:nvPr/>
+          </p:nvSpPr>
+          <p:spPr>
+            <a:xfrm>
+              <a:off x="9703807" y="1390097"/>
+              <a:ext cx="2243038" cy="646331"/>
+            </a:xfrm>
+            <a:prstGeom prst="rect">
+              <a:avLst/>
+            </a:prstGeom>
+            <a:solidFill>
+              <a:srgbClr val="E3B9FF"/>
+            </a:solidFill>
+            <a:ln>
+              <a:solidFill>
+                <a:srgbClr val="9900FF"/>
+              </a:solidFill>
+            </a:ln>
+          </p:spPr>
+          <p:txBody>
+            <a:bodyPr wrap="square" rtlCol="0">
+              <a:spAutoFit/>
+            </a:bodyPr>
+            <a:lstStyle/>
+            <a:p>
+              <a:pPr algn="ctr"/>
+              <a:r>
+                <a:rPr lang="en-US" dirty="0">
+                  <a:latin typeface="Helvetica" panose="020B0504020202030204" pitchFamily="34" charset="0"/>
+                </a:rPr>
+                <a:t>Measurement error (observation error)</a:t>
+              </a:r>
+            </a:p>
+          </p:txBody>
+        </p:sp>
+        <p:cxnSp>
+          <p:nvCxnSpPr>
+            <p:cNvPr id="19" name="Straight Arrow Connector 18">
+              <a:extLst>
+                <a:ext uri="{FF2B5EF4-FFF2-40B4-BE49-F238E27FC236}">
+                  <a16:creationId xmlns:a16="http://schemas.microsoft.com/office/drawing/2014/main" id="{33BA8180-63B1-4B7C-90FE-7BFA920FA540}"/>
+                </a:ext>
+              </a:extLst>
+            </p:cNvPr>
+            <p:cNvCxnSpPr>
+              <a:cxnSpLocks/>
+              <a:stCxn id="18" idx="2"/>
+            </p:cNvCxnSpPr>
+            <p:nvPr/>
+          </p:nvCxnSpPr>
+          <p:spPr>
+            <a:xfrm>
+              <a:off x="10825326" y="2036428"/>
+              <a:ext cx="0" cy="277950"/>
+            </a:xfrm>
+            <a:prstGeom prst="straightConnector1">
+              <a:avLst/>
+            </a:prstGeom>
+            <a:ln>
+              <a:solidFill>
+                <a:schemeClr val="tx1"/>
+              </a:solidFill>
+              <a:tailEnd type="triangle"/>
+            </a:ln>
+          </p:spPr>
+          <p:style>
+            <a:lnRef idx="1">
+              <a:schemeClr val="accent1"/>
+            </a:lnRef>
+            <a:fillRef idx="0">
+              <a:schemeClr val="accent1"/>
+            </a:fillRef>
+            <a:effectRef idx="0">
+              <a:schemeClr val="accent1"/>
+            </a:effectRef>
+            <a:fontRef idx="minor">
+              <a:schemeClr val="tx1"/>
+            </a:fontRef>
+          </p:style>
+        </p:cxnSp>
+      </p:grpSp>
+      <p:sp>
+        <p:nvSpPr>
+          <p:cNvPr id="20" name="TextBox 19">
+            <a:extLst>
+              <a:ext uri="{FF2B5EF4-FFF2-40B4-BE49-F238E27FC236}">
+                <a16:creationId xmlns:a16="http://schemas.microsoft.com/office/drawing/2014/main" id="{E8C3852E-3478-473F-A923-C84A44003A85}"/>
+              </a:ext>
+            </a:extLst>
+          </p:cNvPr>
+          <p:cNvSpPr txBox="1"/>
+          <p:nvPr/>
+        </p:nvSpPr>
+        <p:spPr>
+          <a:xfrm>
+            <a:off x="4872474" y="4263496"/>
+            <a:ext cx="3450613" cy="1569660"/>
+          </a:xfrm>
+          <a:prstGeom prst="rect">
+            <a:avLst/>
+          </a:prstGeom>
+          <a:noFill/>
+        </p:spPr>
+        <p:txBody>
+          <a:bodyPr wrap="square" rtlCol="0">
+            <a:spAutoFit/>
+          </a:bodyPr>
+          <a:lstStyle/>
+          <a:p>
+            <a:r>
+              <a:rPr lang="en-US" sz="2400" dirty="0">
+                <a:solidFill>
+                  <a:schemeClr val="accent1"/>
+                </a:solidFill>
+                <a:latin typeface="Helvetica" panose="020B0504020202030204" pitchFamily="34" charset="0"/>
+              </a:rPr>
+              <a:t>Fitting to:</a:t>
+            </a:r>
+          </a:p>
+          <a:p>
+            <a:pPr marL="342900" indent="-342900">
+              <a:buFont typeface="Arial" panose="020B0604020202020204" pitchFamily="34" charset="0"/>
+              <a:buChar char="•"/>
+            </a:pPr>
+            <a:r>
+              <a:rPr lang="en-US" sz="2400" dirty="0">
+                <a:latin typeface="Helvetica" panose="020B0504020202030204" pitchFamily="34" charset="0"/>
+              </a:rPr>
+              <a:t>Catch, CPUE, and catch-at-age data</a:t>
+            </a:r>
+          </a:p>
+          <a:p>
+            <a:endParaRPr lang="en-US" sz="2400" dirty="0">
+              <a:latin typeface="Helvetica" panose="020B0504020202030204" pitchFamily="34" charset="0"/>
+            </a:endParaRPr>
+          </a:p>
+        </p:txBody>
+      </p:sp>
     </p:spTree>
     <p:extLst>
       <p:ext uri="{BB962C8B-B14F-4D97-AF65-F5344CB8AC3E}">
-        <p14:creationId xmlns:p14="http://schemas.microsoft.com/office/powerpoint/2010/main" val="2543969619"/>
+        <p14:creationId xmlns:p14="http://schemas.microsoft.com/office/powerpoint/2010/main" val="25322333"/>
       </p:ext>
     </p:extLst>
   </p:cSld>
@@ -4480,7 +4616,7 @@
           <p:cNvPr id="2" name="Title 1">
             <a:extLst>
               <a:ext uri="{FF2B5EF4-FFF2-40B4-BE49-F238E27FC236}">
-                <a16:creationId xmlns:a16="http://schemas.microsoft.com/office/drawing/2014/main" id="{EC98D9F9-3C97-4AF1-AE71-6B530B28C460}"/>
+                <a16:creationId xmlns:a16="http://schemas.microsoft.com/office/drawing/2014/main" id="{21DA5A2C-E7E0-4026-AF74-C5245CE8406C}"/>
               </a:ext>
             </a:extLst>
           </p:cNvPr>
@@ -4498,7 +4634,7 @@
           <a:p>
             <a:r>
               <a:rPr lang="en-US" dirty="0"/>
-              <a:t>Stochastic (statistical) model</a:t>
+              <a:t>SCA example 1: Data</a:t>
             </a:r>
           </a:p>
         </p:txBody>
@@ -4508,7 +4644,7 @@
           <p:cNvPr id="3" name="Content Placeholder 2">
             <a:extLst>
               <a:ext uri="{FF2B5EF4-FFF2-40B4-BE49-F238E27FC236}">
-                <a16:creationId xmlns:a16="http://schemas.microsoft.com/office/drawing/2014/main" id="{AEDC28F7-D042-4AAA-94B0-B678EA37E337}"/>
+                <a16:creationId xmlns:a16="http://schemas.microsoft.com/office/drawing/2014/main" id="{98D2A732-9B30-46EF-A4D0-557A2AD413DA}"/>
               </a:ext>
             </a:extLst>
           </p:cNvPr>
@@ -4521,85 +4657,50 @@
         </p:nvSpPr>
         <p:spPr/>
         <p:txBody>
-          <a:bodyPr>
-            <a:normAutofit/>
-          </a:bodyPr>
+          <a:bodyPr/>
           <a:lstStyle/>
           <a:p>
-            <a:pPr marL="0" indent="0">
-              <a:buNone/>
+            <a:pPr marL="514350" indent="-514350">
+              <a:buFont typeface="+mj-lt"/>
+              <a:buAutoNum type="arabicParenR"/>
             </a:pPr>
             <a:r>
               <a:rPr lang="en-US" dirty="0"/>
-              <a:t>Acknowledges observation noise</a:t>
-            </a:r>
-          </a:p>
-          <a:p>
-            <a:pPr lvl="1"/>
+              <a:t>Create new .TPL “AS1.tpl”</a:t>
+            </a:r>
+          </a:p>
+          <a:p>
+            <a:pPr marL="514350" indent="-514350">
+              <a:buFont typeface="+mj-lt"/>
+              <a:buAutoNum type="arabicParenR"/>
+            </a:pPr>
+            <a:endParaRPr lang="en-US" dirty="0"/>
+          </a:p>
+          <a:p>
+            <a:pPr marL="514350" indent="-514350">
+              <a:buFont typeface="+mj-lt"/>
+              <a:buAutoNum type="arabicParenR"/>
+            </a:pPr>
             <a:r>
               <a:rPr lang="en-US" dirty="0"/>
-              <a:t>Error structure part of the model description</a:t>
-            </a:r>
-          </a:p>
-          <a:p>
-            <a:pPr lvl="1"/>
+              <a:t>Fill in DATA_SECTION to match AS1.dat</a:t>
+            </a:r>
+          </a:p>
+          <a:p>
+            <a:pPr marL="514350" indent="-514350">
+              <a:buFont typeface="+mj-lt"/>
+              <a:buAutoNum type="arabicParenR"/>
+            </a:pPr>
+            <a:endParaRPr lang="en-US" dirty="0"/>
+          </a:p>
+          <a:p>
+            <a:pPr marL="514350" indent="-514350">
+              <a:buFont typeface="+mj-lt"/>
+              <a:buAutoNum type="arabicParenR"/>
+            </a:pPr>
             <a:r>
               <a:rPr lang="en-US" dirty="0"/>
-              <a:t>Likelihood of actual observations optimized with regard to model parameters</a:t>
-            </a:r>
-          </a:p>
-          <a:p>
-            <a:pPr marL="457200" lvl="1" indent="0">
-              <a:buNone/>
-            </a:pPr>
-            <a:r>
-              <a:rPr lang="en-US" dirty="0"/>
-              <a:t>+ Assumptions are transparent</a:t>
-            </a:r>
-          </a:p>
-          <a:p>
-            <a:pPr marL="457200" lvl="1" indent="0">
-              <a:buNone/>
-            </a:pPr>
-            <a:r>
-              <a:rPr lang="en-US" dirty="0"/>
-              <a:t>+ Can compare different model assumptions</a:t>
-            </a:r>
-          </a:p>
-          <a:p>
-            <a:pPr marL="457200" lvl="1" indent="0">
-              <a:buNone/>
-            </a:pPr>
-            <a:r>
-              <a:rPr lang="en-US" dirty="0"/>
-              <a:t>+ Can include different data sources</a:t>
-            </a:r>
-          </a:p>
-          <a:p>
-            <a:pPr marL="457200" lvl="1" indent="0">
-              <a:buNone/>
-            </a:pPr>
-            <a:r>
-              <a:rPr lang="en-US" dirty="0"/>
-              <a:t>+ Estimate uncertainties</a:t>
-            </a:r>
-          </a:p>
-          <a:p>
-            <a:pPr marL="457200" lvl="1" indent="0">
-              <a:buNone/>
-            </a:pPr>
-            <a:r>
-              <a:rPr lang="en-US" dirty="0"/>
-              <a:t>-- Tradeoff between number of model parameters and model flexibility</a:t>
-            </a:r>
-          </a:p>
-          <a:p>
-            <a:pPr marL="457200" lvl="1" indent="0">
-              <a:buNone/>
-            </a:pPr>
-            <a:r>
-              <a:rPr lang="en-US" dirty="0"/>
-              <a:t>-- More advanced software needed</a:t>
+              <a:t>Test that DATA_SECTION read in correctly</a:t>
             </a:r>
           </a:p>
         </p:txBody>
@@ -4607,7 +4708,7 @@
     </p:spTree>
     <p:extLst>
       <p:ext uri="{BB962C8B-B14F-4D97-AF65-F5344CB8AC3E}">
-        <p14:creationId xmlns:p14="http://schemas.microsoft.com/office/powerpoint/2010/main" val="859579978"/>
+        <p14:creationId xmlns:p14="http://schemas.microsoft.com/office/powerpoint/2010/main" val="2961233529"/>
       </p:ext>
     </p:extLst>
   </p:cSld>
@@ -4639,7 +4740,7 @@
           <p:cNvPr id="2" name="Title 1">
             <a:extLst>
               <a:ext uri="{FF2B5EF4-FFF2-40B4-BE49-F238E27FC236}">
-                <a16:creationId xmlns:a16="http://schemas.microsoft.com/office/drawing/2014/main" id="{D42F9C3A-5758-4DFC-9E89-31DE7CB7E0D4}"/>
+                <a16:creationId xmlns:a16="http://schemas.microsoft.com/office/drawing/2014/main" id="{21DA5A2C-E7E0-4026-AF74-C5245CE8406C}"/>
               </a:ext>
             </a:extLst>
           </p:cNvPr>
@@ -4657,216 +4758,179 @@
           <a:p>
             <a:r>
               <a:rPr lang="en-US" dirty="0"/>
-              <a:t>Statistical catch-at-age example</a:t>
+              <a:t>SCA example 1: Parameters</a:t>
             </a:r>
           </a:p>
         </p:txBody>
       </p:sp>
       <p:sp>
         <p:nvSpPr>
-          <p:cNvPr id="4" name="TextBox 3">
+          <p:cNvPr id="3" name="Content Placeholder 2">
             <a:extLst>
               <a:ext uri="{FF2B5EF4-FFF2-40B4-BE49-F238E27FC236}">
-                <a16:creationId xmlns:a16="http://schemas.microsoft.com/office/drawing/2014/main" id="{A7239F36-CAEE-4498-8579-BA56834E73CF}"/>
+                <a16:creationId xmlns:a16="http://schemas.microsoft.com/office/drawing/2014/main" id="{98D2A732-9B30-46EF-A4D0-557A2AD413DA}"/>
               </a:ext>
             </a:extLst>
           </p:cNvPr>
-          <p:cNvSpPr txBox="1"/>
-          <p:nvPr/>
+          <p:cNvSpPr>
+            <a:spLocks noGrp="1"/>
+          </p:cNvSpPr>
+          <p:nvPr>
+            <p:ph idx="1"/>
+          </p:nvPr>
         </p:nvSpPr>
-        <p:spPr>
-          <a:xfrm>
-            <a:off x="838200" y="1997078"/>
-            <a:ext cx="4859383" cy="3046988"/>
-          </a:xfrm>
-          <a:prstGeom prst="rect">
-            <a:avLst/>
-          </a:prstGeom>
-          <a:noFill/>
-        </p:spPr>
+        <p:spPr/>
         <p:txBody>
-          <a:bodyPr wrap="square" rtlCol="0">
-            <a:spAutoFit/>
+          <a:bodyPr>
+            <a:normAutofit fontScale="92500" lnSpcReduction="10000"/>
           </a:bodyPr>
           <a:lstStyle/>
           <a:p>
-            <a:r>
-              <a:rPr lang="en-US" sz="2400" dirty="0">
-                <a:latin typeface="Helvetica" panose="020B0504020202030204" pitchFamily="34" charset="0"/>
-              </a:rPr>
-              <a:t>Estimating:</a:t>
-            </a:r>
-          </a:p>
-          <a:p>
-            <a:pPr marL="342900" indent="-342900">
-              <a:buFont typeface="Arial" panose="020B0604020202020204" pitchFamily="34" charset="0"/>
-              <a:buChar char="•"/>
+            <a:pPr marL="514350" indent="-514350">
+              <a:buFont typeface="+mj-lt"/>
+              <a:buAutoNum type="arabicParenR"/>
             </a:pPr>
             <a:r>
-              <a:rPr lang="en-US" sz="2400" dirty="0">
-                <a:latin typeface="Helvetica" panose="020B0504020202030204" pitchFamily="34" charset="0"/>
-              </a:rPr>
-              <a:t>Numbers-at-age in the first year</a:t>
-            </a:r>
-          </a:p>
-          <a:p>
-            <a:pPr marL="342900" indent="-342900">
-              <a:buFont typeface="Arial" panose="020B0604020202020204" pitchFamily="34" charset="0"/>
-              <a:buChar char="•"/>
+              <a:rPr lang="en-US" dirty="0"/>
+              <a:t>Fill in PARAMETER_SECTION to match AS1.pin</a:t>
+            </a:r>
+          </a:p>
+          <a:p>
+            <a:pPr marL="514350" indent="-514350">
+              <a:buFont typeface="+mj-lt"/>
+              <a:buAutoNum type="arabicParenR"/>
             </a:pPr>
             <a:r>
-              <a:rPr lang="en-US" sz="2400" dirty="0">
-                <a:latin typeface="Helvetica" panose="020B0504020202030204" pitchFamily="34" charset="0"/>
-              </a:rPr>
-              <a:t>Recruits (numbers age-0)</a:t>
-            </a:r>
-          </a:p>
-          <a:p>
-            <a:pPr marL="342900" indent="-342900">
-              <a:buFont typeface="Arial" panose="020B0604020202020204" pitchFamily="34" charset="0"/>
-              <a:buChar char="•"/>
+              <a:rPr lang="en-US" dirty="0"/>
+              <a:t>Set up derived quantities:</a:t>
+            </a:r>
+          </a:p>
+          <a:p>
+            <a:pPr marL="971550" lvl="1" indent="-514350">
+              <a:buFont typeface="+mj-lt"/>
+              <a:buAutoNum type="arabicParenR"/>
             </a:pPr>
             <a:r>
-              <a:rPr lang="en-US" sz="2400" dirty="0">
-                <a:latin typeface="Helvetica" panose="020B0504020202030204" pitchFamily="34" charset="0"/>
-              </a:rPr>
-              <a:t>Fully-selected fishing mortality by year</a:t>
-            </a:r>
-          </a:p>
-          <a:p>
-            <a:pPr marL="342900" indent="-342900">
-              <a:buFont typeface="Arial" panose="020B0604020202020204" pitchFamily="34" charset="0"/>
-              <a:buChar char="•"/>
+              <a:rPr lang="en-US" dirty="0"/>
+              <a:t>N: abundance over time (rows) and ages (columns)</a:t>
+            </a:r>
+          </a:p>
+          <a:p>
+            <a:pPr marL="971550" lvl="1" indent="-514350">
+              <a:buFont typeface="+mj-lt"/>
+              <a:buAutoNum type="arabicParenR"/>
             </a:pPr>
             <a:r>
-              <a:rPr lang="en-US" sz="2400" dirty="0">
-                <a:latin typeface="Helvetica" panose="020B0504020202030204" pitchFamily="34" charset="0"/>
-              </a:rPr>
-              <a:t>Age at 50% and 95% selectivity</a:t>
-            </a:r>
-          </a:p>
-          <a:p>
-            <a:pPr marL="342900" indent="-342900">
-              <a:buFont typeface="Arial" panose="020B0604020202020204" pitchFamily="34" charset="0"/>
-              <a:buChar char="•"/>
+              <a:rPr lang="en-US" dirty="0"/>
+              <a:t>S: Selectivity-at-age</a:t>
+            </a:r>
+          </a:p>
+          <a:p>
+            <a:pPr marL="971550" lvl="1" indent="-514350">
+              <a:buFont typeface="+mj-lt"/>
+              <a:buAutoNum type="arabicParenR"/>
             </a:pPr>
             <a:r>
-              <a:rPr lang="en-US" sz="2400" dirty="0">
-                <a:latin typeface="Helvetica" panose="020B0504020202030204" pitchFamily="34" charset="0"/>
-              </a:rPr>
-              <a:t>Catchability</a:t>
-            </a:r>
-          </a:p>
-          <a:p>
-            <a:endParaRPr lang="en-US" sz="2400" dirty="0">
-              <a:latin typeface="Helvetica" panose="020B0504020202030204" pitchFamily="34" charset="0"/>
-            </a:endParaRPr>
-          </a:p>
-        </p:txBody>
-      </p:sp>
-      <p:sp>
-        <p:nvSpPr>
-          <p:cNvPr id="5" name="TextBox 4">
-            <a:extLst>
-              <a:ext uri="{FF2B5EF4-FFF2-40B4-BE49-F238E27FC236}">
-                <a16:creationId xmlns:a16="http://schemas.microsoft.com/office/drawing/2014/main" id="{E8D05586-2109-4678-9EDC-31C1A2CF5B6B}"/>
-              </a:ext>
-            </a:extLst>
-          </p:cNvPr>
-          <p:cNvSpPr txBox="1"/>
-          <p:nvPr/>
-        </p:nvSpPr>
-        <p:spPr>
-          <a:xfrm>
-            <a:off x="6096000" y="1997078"/>
-            <a:ext cx="4859383" cy="3416320"/>
-          </a:xfrm>
-          <a:prstGeom prst="rect">
-            <a:avLst/>
-          </a:prstGeom>
-          <a:noFill/>
-        </p:spPr>
-        <p:txBody>
-          <a:bodyPr wrap="square" rtlCol="0">
-            <a:spAutoFit/>
-          </a:bodyPr>
-          <a:lstStyle/>
-          <a:p>
-            <a:r>
-              <a:rPr lang="en-US" sz="2400" dirty="0">
-                <a:latin typeface="Helvetica" panose="020B0504020202030204" pitchFamily="34" charset="0"/>
-              </a:rPr>
-              <a:t>Specifying:</a:t>
-            </a:r>
-          </a:p>
-          <a:p>
-            <a:pPr marL="342900" indent="-342900">
-              <a:buFont typeface="Arial" panose="020B0604020202020204" pitchFamily="34" charset="0"/>
-              <a:buChar char="•"/>
+              <a:rPr lang="en-US" dirty="0"/>
+              <a:t>F: Fishing mortality over time (rows) and ages (columns)</a:t>
+            </a:r>
+          </a:p>
+          <a:p>
+            <a:pPr marL="971550" lvl="1" indent="-514350">
+              <a:buFont typeface="+mj-lt"/>
+              <a:buAutoNum type="arabicParenR"/>
             </a:pPr>
             <a:r>
-              <a:rPr lang="en-US" sz="2400" dirty="0">
-                <a:latin typeface="Helvetica" panose="020B0504020202030204" pitchFamily="34" charset="0"/>
-              </a:rPr>
-              <a:t>Catch, CPUE, and proportions catch-at-age data</a:t>
-            </a:r>
-          </a:p>
-          <a:p>
-            <a:pPr marL="342900" indent="-342900">
-              <a:buFont typeface="Arial" panose="020B0604020202020204" pitchFamily="34" charset="0"/>
-              <a:buChar char="•"/>
+              <a:rPr lang="en-US" dirty="0"/>
+              <a:t>Z: Total mortality over time (rows) and ages (columns)</a:t>
+            </a:r>
+          </a:p>
+          <a:p>
+            <a:pPr marL="971550" lvl="1" indent="-514350">
+              <a:buFont typeface="+mj-lt"/>
+              <a:buAutoNum type="arabicParenR"/>
             </a:pPr>
             <a:r>
-              <a:rPr lang="en-US" sz="2400" dirty="0">
-                <a:latin typeface="Helvetica" panose="020B0504020202030204" pitchFamily="34" charset="0"/>
-              </a:rPr>
-              <a:t>Natural mortality</a:t>
-            </a:r>
-          </a:p>
-          <a:p>
-            <a:pPr marL="342900" indent="-342900">
-              <a:buFont typeface="Arial" panose="020B0604020202020204" pitchFamily="34" charset="0"/>
-              <a:buChar char="•"/>
+              <a:rPr lang="en-US" dirty="0" err="1"/>
+              <a:t>Catch_pred</a:t>
+            </a:r>
+            <a:r>
+              <a:rPr lang="en-US" dirty="0"/>
+              <a:t>: predicted catch over time</a:t>
+            </a:r>
+          </a:p>
+          <a:p>
+            <a:pPr marL="971550" lvl="1" indent="-514350">
+              <a:buFont typeface="+mj-lt"/>
+              <a:buAutoNum type="arabicParenR"/>
             </a:pPr>
             <a:r>
-              <a:rPr lang="en-US" sz="2400" dirty="0">
-                <a:latin typeface="Helvetica" panose="020B0504020202030204" pitchFamily="34" charset="0"/>
-              </a:rPr>
-              <a:t>Weight-at-age</a:t>
-            </a:r>
-          </a:p>
-          <a:p>
-            <a:pPr marL="342900" indent="-342900">
-              <a:buFont typeface="Arial" panose="020B0604020202020204" pitchFamily="34" charset="0"/>
-              <a:buChar char="•"/>
+              <a:rPr lang="en-US" dirty="0" err="1"/>
+              <a:t>CPUE_pred</a:t>
+            </a:r>
+            <a:r>
+              <a:rPr lang="en-US" dirty="0"/>
+              <a:t>: predicted CPUE over time</a:t>
+            </a:r>
+          </a:p>
+          <a:p>
+            <a:pPr marL="971550" lvl="1" indent="-514350">
+              <a:buFont typeface="+mj-lt"/>
+              <a:buAutoNum type="arabicParenR"/>
             </a:pPr>
             <a:r>
-              <a:rPr lang="en-US" sz="2400" dirty="0">
-                <a:latin typeface="Helvetica" panose="020B0504020202030204" pitchFamily="34" charset="0"/>
-              </a:rPr>
-              <a:t>Weights for the catch, CPUE, and catch-at-age data</a:t>
-            </a:r>
-          </a:p>
-          <a:p>
-            <a:pPr marL="342900" indent="-342900">
-              <a:buFont typeface="Arial" panose="020B0604020202020204" pitchFamily="34" charset="0"/>
-              <a:buChar char="•"/>
+              <a:rPr lang="en-US" dirty="0" err="1"/>
+              <a:t>Propn_pred</a:t>
+            </a:r>
+            <a:r>
+              <a:rPr lang="en-US" dirty="0"/>
+              <a:t>: predicted catch-at-age over time and age</a:t>
+            </a:r>
+          </a:p>
+          <a:p>
+            <a:pPr marL="971550" lvl="1" indent="-514350">
+              <a:buFont typeface="+mj-lt"/>
+              <a:buAutoNum type="arabicParenR"/>
             </a:pPr>
-            <a:endParaRPr lang="en-US" sz="2400" dirty="0">
-              <a:latin typeface="Helvetica" panose="020B0504020202030204" pitchFamily="34" charset="0"/>
-            </a:endParaRPr>
-          </a:p>
-          <a:p>
-            <a:endParaRPr lang="en-US" sz="2400" dirty="0">
-              <a:latin typeface="Helvetica" panose="020B0504020202030204" pitchFamily="34" charset="0"/>
-            </a:endParaRPr>
+            <a:r>
+              <a:rPr lang="en-US" dirty="0"/>
+              <a:t>Bio: Vulnerable biomass over time</a:t>
+            </a:r>
+          </a:p>
+          <a:p>
+            <a:pPr marL="971550" lvl="1" indent="-514350">
+              <a:buFont typeface="+mj-lt"/>
+              <a:buAutoNum type="arabicParenR"/>
+            </a:pPr>
+            <a:r>
+              <a:rPr lang="en-US" dirty="0"/>
+              <a:t>Like1, Like2, and Like3 – for each of the </a:t>
+            </a:r>
+            <a:r>
+              <a:rPr lang="en-US" dirty="0" err="1"/>
+              <a:t>objn</a:t>
+            </a:r>
+            <a:r>
+              <a:rPr lang="en-US" dirty="0"/>
+              <a:t> components</a:t>
+            </a:r>
+          </a:p>
+          <a:p>
+            <a:pPr marL="514350" indent="-514350">
+              <a:buFont typeface="+mj-lt"/>
+              <a:buAutoNum type="arabicParenR"/>
+            </a:pPr>
+            <a:r>
+              <a:rPr lang="en-US" dirty="0"/>
+              <a:t>Test that PARAMETER_SECTION read in correctly</a:t>
+            </a:r>
           </a:p>
         </p:txBody>
       </p:sp>
     </p:spTree>
     <p:extLst>
       <p:ext uri="{BB962C8B-B14F-4D97-AF65-F5344CB8AC3E}">
-        <p14:creationId xmlns:p14="http://schemas.microsoft.com/office/powerpoint/2010/main" val="25322333"/>
+        <p14:creationId xmlns:p14="http://schemas.microsoft.com/office/powerpoint/2010/main" val="1184937818"/>
       </p:ext>
     </p:extLst>
   </p:cSld>
@@ -4898,7 +4962,7 @@
           <p:cNvPr id="2" name="Title 1">
             <a:extLst>
               <a:ext uri="{FF2B5EF4-FFF2-40B4-BE49-F238E27FC236}">
-                <a16:creationId xmlns:a16="http://schemas.microsoft.com/office/drawing/2014/main" id="{0C86DBD7-0556-4F09-A010-A06BFC55CAE5}"/>
+                <a16:creationId xmlns:a16="http://schemas.microsoft.com/office/drawing/2014/main" id="{684F160C-718A-4C63-8FCF-FC9F152B3651}"/>
               </a:ext>
             </a:extLst>
           </p:cNvPr>
@@ -4916,7 +4980,7 @@
           <a:p>
             <a:r>
               <a:rPr lang="en-US" dirty="0"/>
-              <a:t>Statistical catch-at-age example</a:t>
+              <a:t>SCA example 1: Population dynamics</a:t>
             </a:r>
           </a:p>
         </p:txBody>
@@ -4926,7 +4990,7 @@
           <p:cNvPr id="3" name="Content Placeholder 2">
             <a:extLst>
               <a:ext uri="{FF2B5EF4-FFF2-40B4-BE49-F238E27FC236}">
-                <a16:creationId xmlns:a16="http://schemas.microsoft.com/office/drawing/2014/main" id="{40BD36F7-8D28-4C97-A730-C5E2571F4AFB}"/>
+                <a16:creationId xmlns:a16="http://schemas.microsoft.com/office/drawing/2014/main" id="{BB83428D-AA06-494A-9901-CA74204D5E0D}"/>
               </a:ext>
             </a:extLst>
           </p:cNvPr>
@@ -4947,8 +5011,60 @@
             </a:pPr>
             <a:r>
               <a:rPr lang="en-US" dirty="0"/>
-              <a:t>Population dynamics			 Predicted catch</a:t>
-            </a:r>
+              <a:t>FUNCTIONS</a:t>
+            </a:r>
+          </a:p>
+          <a:p>
+            <a:pPr marL="514350" indent="-514350">
+              <a:buAutoNum type="arabicParenR"/>
+            </a:pPr>
+            <a:r>
+              <a:rPr lang="en-US" dirty="0"/>
+              <a:t>Selectivity</a:t>
+            </a:r>
+          </a:p>
+          <a:p>
+            <a:pPr marL="514350" indent="-514350">
+              <a:buAutoNum type="arabicParenR"/>
+            </a:pPr>
+            <a:endParaRPr lang="en-US" dirty="0"/>
+          </a:p>
+          <a:p>
+            <a:pPr marL="514350" indent="-514350">
+              <a:buAutoNum type="arabicParenR"/>
+            </a:pPr>
+            <a:r>
+              <a:rPr lang="en-US" dirty="0"/>
+              <a:t>Numbers</a:t>
+            </a:r>
+          </a:p>
+          <a:p>
+            <a:pPr marL="514350" indent="-514350">
+              <a:buAutoNum type="arabicParenR"/>
+            </a:pPr>
+            <a:endParaRPr lang="en-US" dirty="0"/>
+          </a:p>
+          <a:p>
+            <a:pPr marL="514350" indent="-514350">
+              <a:buAutoNum type="arabicParenR"/>
+            </a:pPr>
+            <a:endParaRPr lang="en-US" dirty="0"/>
+          </a:p>
+          <a:p>
+            <a:pPr marL="514350" indent="-514350">
+              <a:buAutoNum type="arabicParenR"/>
+            </a:pPr>
+            <a:r>
+              <a:rPr lang="en-US" dirty="0" err="1"/>
+              <a:t>Predict_Observations</a:t>
+            </a:r>
+            <a:endParaRPr lang="en-US" dirty="0"/>
+          </a:p>
+          <a:p>
+            <a:pPr marL="514350" indent="-514350">
+              <a:buAutoNum type="arabicParenR"/>
+            </a:pPr>
+            <a:endParaRPr lang="en-US" dirty="0"/>
           </a:p>
           <a:p>
             <a:pPr marL="0" indent="0">
@@ -4956,483 +5072,1483 @@
             </a:pPr>
             <a:endParaRPr lang="en-US" dirty="0"/>
           </a:p>
-          <a:p>
-            <a:pPr marL="0" indent="0">
-              <a:buNone/>
-            </a:pPr>
-            <a:endParaRPr lang="en-US" dirty="0"/>
-          </a:p>
-          <a:p>
-            <a:pPr marL="0" indent="0">
-              <a:buNone/>
-            </a:pPr>
-            <a:endParaRPr lang="en-US" dirty="0"/>
-          </a:p>
-          <a:p>
-            <a:pPr marL="0" indent="0">
-              <a:buNone/>
-            </a:pPr>
-            <a:endParaRPr lang="en-US" dirty="0"/>
-          </a:p>
-          <a:p>
-            <a:pPr marL="0" indent="0">
-              <a:buNone/>
-            </a:pPr>
-            <a:r>
-              <a:rPr lang="en-US" dirty="0"/>
-              <a:t>Logistic selectivity</a:t>
-            </a:r>
-          </a:p>
         </p:txBody>
       </p:sp>
-      <p:graphicFrame>
-        <p:nvGraphicFramePr>
-          <p:cNvPr id="4" name="Object 5">
-            <a:extLst>
-              <a:ext uri="{FF2B5EF4-FFF2-40B4-BE49-F238E27FC236}">
-                <a16:creationId xmlns:a16="http://schemas.microsoft.com/office/drawing/2014/main" id="{189A425E-9EDE-4662-ABD6-F370980E4F5B}"/>
-              </a:ext>
-            </a:extLst>
-          </p:cNvPr>
-          <p:cNvGraphicFramePr>
-            <a:graphicFrameLocks noChangeAspect="1"/>
-          </p:cNvGraphicFramePr>
-          <p:nvPr>
-            <p:extLst>
-              <p:ext uri="{D42A27DB-BD31-4B8C-83A1-F6EECF244321}">
-                <p14:modId xmlns:p14="http://schemas.microsoft.com/office/powerpoint/2010/main" val="2364033638"/>
-              </p:ext>
-            </p:extLst>
-          </p:nvPr>
-        </p:nvGraphicFramePr>
-        <p:xfrm>
-          <a:off x="997132" y="2564402"/>
-          <a:ext cx="2578100" cy="1227138"/>
-        </p:xfrm>
-        <a:graphic>
-          <a:graphicData uri="http://schemas.openxmlformats.org/presentationml/2006/ole">
-            <mc:AlternateContent xmlns:mc="http://schemas.openxmlformats.org/markup-compatibility/2006">
-              <mc:Choice xmlns:v="urn:schemas-microsoft-com:vml" Requires="v">
-                <p:oleObj spid="_x0000_s2146" name="Equation" r:id="rId3" imgW="1574800" imgH="749300" progId="Equation.DSMT4">
-                  <p:embed/>
-                </p:oleObj>
-              </mc:Choice>
-              <mc:Fallback>
-                <p:oleObj name="Equation" r:id="rId3" imgW="1574800" imgH="749300" progId="Equation.DSMT4">
-                  <p:embed/>
-                  <p:pic>
-                    <p:nvPicPr>
-                      <p:cNvPr id="9219" name="Object 5">
-                        <a:extLst>
-                          <a:ext uri="{FF2B5EF4-FFF2-40B4-BE49-F238E27FC236}">
-                            <a16:creationId xmlns:a16="http://schemas.microsoft.com/office/drawing/2014/main" id="{2478C0B6-1244-4105-BC35-D769C5A9CAE2}"/>
-                          </a:ext>
-                        </a:extLst>
-                      </p:cNvPr>
-                      <p:cNvPicPr>
-                        <a:picLocks noChangeAspect="1" noChangeArrowheads="1"/>
-                      </p:cNvPicPr>
-                      <p:nvPr/>
-                    </p:nvPicPr>
-                    <p:blipFill>
-                      <a:blip r:embed="rId4">
-                        <a:extLst>
-                          <a:ext uri="{28A0092B-C50C-407E-A947-70E740481C1C}">
-                            <a14:useLocalDpi xmlns:a14="http://schemas.microsoft.com/office/drawing/2010/main" val="0"/>
-                          </a:ext>
-                        </a:extLst>
-                      </a:blip>
-                      <a:srcRect/>
-                      <a:stretch>
-                        <a:fillRect/>
-                      </a:stretch>
-                    </p:blipFill>
-                    <p:spPr bwMode="auto">
-                      <a:xfrm>
-                        <a:off x="997132" y="2564402"/>
-                        <a:ext cx="2578100" cy="1227138"/>
-                      </a:xfrm>
-                      <a:prstGeom prst="rect">
-                        <a:avLst/>
-                      </a:prstGeom>
-                      <a:noFill/>
-                      <a:ln>
-                        <a:noFill/>
-                      </a:ln>
-                      <a:effectLst/>
-                      <a:extLst>
-                        <a:ext uri="{909E8E84-426E-40DD-AFC4-6F175D3DCCD1}">
-                          <a14:hiddenFill xmlns:a14="http://schemas.microsoft.com/office/drawing/2010/main">
-                            <a:solidFill>
-                              <a:srgbClr val="FFFFFF"/>
-                            </a:solidFill>
-                          </a14:hiddenFill>
-                        </a:ext>
-                        <a:ext uri="{91240B29-F687-4F45-9708-019B960494DF}">
-                          <a14:hiddenLine xmlns:a14="http://schemas.microsoft.com/office/drawing/2010/main" w="9525">
-                            <a:solidFill>
-                              <a:srgbClr val="000000"/>
-                            </a:solidFill>
-                            <a:miter lim="800000"/>
-                            <a:headEnd/>
-                            <a:tailEnd/>
-                          </a14:hiddenLine>
-                        </a:ext>
-                        <a:ext uri="{AF507438-7753-43E0-B8FC-AC1667EBCBE1}">
-                          <a14:hiddenEffects xmlns:a14="http://schemas.microsoft.com/office/drawing/2010/main">
-                            <a:effectLst>
-                              <a:outerShdw dist="35921" dir="2700000" algn="ctr" rotWithShape="0">
-                                <a:srgbClr val="808080"/>
-                              </a:outerShdw>
-                            </a:effectLst>
-                          </a14:hiddenEffects>
-                        </a:ext>
-                      </a:extLst>
-                    </p:spPr>
-                  </p:pic>
-                </p:oleObj>
-              </mc:Fallback>
-            </mc:AlternateContent>
-          </a:graphicData>
-        </a:graphic>
-      </p:graphicFrame>
-      <p:graphicFrame>
-        <p:nvGraphicFramePr>
-          <p:cNvPr id="5" name="Object 7">
-            <a:extLst>
-              <a:ext uri="{FF2B5EF4-FFF2-40B4-BE49-F238E27FC236}">
-                <a16:creationId xmlns:a16="http://schemas.microsoft.com/office/drawing/2014/main" id="{1DA2462B-FEB7-4E35-9668-514371B88480}"/>
-              </a:ext>
-            </a:extLst>
-          </p:cNvPr>
-          <p:cNvGraphicFramePr>
-            <a:graphicFrameLocks noChangeAspect="1"/>
-          </p:cNvGraphicFramePr>
-          <p:nvPr>
-            <p:extLst>
-              <p:ext uri="{D42A27DB-BD31-4B8C-83A1-F6EECF244321}">
-                <p14:modId xmlns:p14="http://schemas.microsoft.com/office/powerpoint/2010/main" val="36843759"/>
-              </p:ext>
-            </p:extLst>
-          </p:nvPr>
-        </p:nvGraphicFramePr>
-        <p:xfrm>
-          <a:off x="4197532" y="2592977"/>
-          <a:ext cx="1219200" cy="1219200"/>
-        </p:xfrm>
-        <a:graphic>
-          <a:graphicData uri="http://schemas.openxmlformats.org/presentationml/2006/ole">
-            <mc:AlternateContent xmlns:mc="http://schemas.openxmlformats.org/markup-compatibility/2006">
-              <mc:Choice xmlns:v="urn:schemas-microsoft-com:vml" Requires="v">
-                <p:oleObj spid="_x0000_s2147" name="Equation" r:id="rId5" imgW="545863" imgH="545863" progId="Equation.DSMT4">
-                  <p:embed/>
-                </p:oleObj>
-              </mc:Choice>
-              <mc:Fallback>
-                <p:oleObj name="Equation" r:id="rId5" imgW="545863" imgH="545863" progId="Equation.DSMT4">
-                  <p:embed/>
-                  <p:pic>
-                    <p:nvPicPr>
-                      <p:cNvPr id="9220" name="Object 7">
-                        <a:extLst>
-                          <a:ext uri="{FF2B5EF4-FFF2-40B4-BE49-F238E27FC236}">
-                            <a16:creationId xmlns:a16="http://schemas.microsoft.com/office/drawing/2014/main" id="{5C8E498D-FA78-4DAF-8C65-657BD8FC7A93}"/>
-                          </a:ext>
-                        </a:extLst>
-                      </p:cNvPr>
-                      <p:cNvPicPr>
-                        <a:picLocks noChangeAspect="1" noChangeArrowheads="1"/>
-                      </p:cNvPicPr>
-                      <p:nvPr/>
-                    </p:nvPicPr>
-                    <p:blipFill>
-                      <a:blip r:embed="rId6">
-                        <a:extLst>
-                          <a:ext uri="{28A0092B-C50C-407E-A947-70E740481C1C}">
-                            <a14:useLocalDpi xmlns:a14="http://schemas.microsoft.com/office/drawing/2010/main" val="0"/>
-                          </a:ext>
-                        </a:extLst>
-                      </a:blip>
-                      <a:srcRect/>
-                      <a:stretch>
-                        <a:fillRect/>
-                      </a:stretch>
-                    </p:blipFill>
-                    <p:spPr bwMode="auto">
-                      <a:xfrm>
-                        <a:off x="4197532" y="2592977"/>
-                        <a:ext cx="1219200" cy="1219200"/>
-                      </a:xfrm>
-                      <a:prstGeom prst="rect">
-                        <a:avLst/>
-                      </a:prstGeom>
-                      <a:noFill/>
-                      <a:ln>
-                        <a:noFill/>
-                      </a:ln>
-                      <a:effectLst/>
-                      <a:extLst>
-                        <a:ext uri="{909E8E84-426E-40DD-AFC4-6F175D3DCCD1}">
-                          <a14:hiddenFill xmlns:a14="http://schemas.microsoft.com/office/drawing/2010/main">
-                            <a:solidFill>
-                              <a:srgbClr val="FFFFFF"/>
-                            </a:solidFill>
-                          </a14:hiddenFill>
-                        </a:ext>
-                        <a:ext uri="{91240B29-F687-4F45-9708-019B960494DF}">
-                          <a14:hiddenLine xmlns:a14="http://schemas.microsoft.com/office/drawing/2010/main" w="9525">
-                            <a:solidFill>
-                              <a:srgbClr val="000000"/>
-                            </a:solidFill>
-                            <a:miter lim="800000"/>
-                            <a:headEnd/>
-                            <a:tailEnd/>
-                          </a14:hiddenLine>
-                        </a:ext>
-                        <a:ext uri="{AF507438-7753-43E0-B8FC-AC1667EBCBE1}">
-                          <a14:hiddenEffects xmlns:a14="http://schemas.microsoft.com/office/drawing/2010/main">
-                            <a:effectLst>
-                              <a:outerShdw dist="35921" dir="2700000" algn="ctr" rotWithShape="0">
-                                <a:srgbClr val="808080"/>
-                              </a:outerShdw>
-                            </a:effectLst>
-                          </a14:hiddenEffects>
-                        </a:ext>
-                      </a:extLst>
-                    </p:spPr>
-                  </p:pic>
-                </p:oleObj>
-              </mc:Fallback>
-            </mc:AlternateContent>
-          </a:graphicData>
-        </a:graphic>
-      </p:graphicFrame>
-      <p:graphicFrame>
-        <p:nvGraphicFramePr>
-          <p:cNvPr id="6" name="Object 9">
-            <a:extLst>
-              <a:ext uri="{FF2B5EF4-FFF2-40B4-BE49-F238E27FC236}">
-                <a16:creationId xmlns:a16="http://schemas.microsoft.com/office/drawing/2014/main" id="{C01C348F-8035-42FE-B15B-730A9A7EE7E9}"/>
-              </a:ext>
-            </a:extLst>
-          </p:cNvPr>
-          <p:cNvGraphicFramePr>
-            <a:graphicFrameLocks noChangeAspect="1"/>
-          </p:cNvGraphicFramePr>
-          <p:nvPr>
-            <p:extLst>
-              <p:ext uri="{D42A27DB-BD31-4B8C-83A1-F6EECF244321}">
-                <p14:modId xmlns:p14="http://schemas.microsoft.com/office/powerpoint/2010/main" val="1738943753"/>
-              </p:ext>
-            </p:extLst>
-          </p:nvPr>
-        </p:nvGraphicFramePr>
-        <p:xfrm>
-          <a:off x="997132" y="4824548"/>
-          <a:ext cx="3505200" cy="881063"/>
-        </p:xfrm>
-        <a:graphic>
-          <a:graphicData uri="http://schemas.openxmlformats.org/presentationml/2006/ole">
-            <mc:AlternateContent xmlns:mc="http://schemas.openxmlformats.org/markup-compatibility/2006">
-              <mc:Choice xmlns:v="urn:schemas-microsoft-com:vml" Requires="v">
-                <p:oleObj spid="_x0000_s2148" name="Equation" r:id="rId7" imgW="1866900" imgH="469900" progId="Equation.DSMT4">
-                  <p:embed/>
-                </p:oleObj>
-              </mc:Choice>
-              <mc:Fallback>
-                <p:oleObj name="Equation" r:id="rId7" imgW="1866900" imgH="469900" progId="Equation.DSMT4">
-                  <p:embed/>
-                  <p:pic>
-                    <p:nvPicPr>
-                      <p:cNvPr id="9221" name="Object 9">
-                        <a:extLst>
-                          <a:ext uri="{FF2B5EF4-FFF2-40B4-BE49-F238E27FC236}">
-                            <a16:creationId xmlns:a16="http://schemas.microsoft.com/office/drawing/2014/main" id="{813071E1-61D8-4916-A0C7-3F937C6F2DB9}"/>
-                          </a:ext>
-                        </a:extLst>
-                      </p:cNvPr>
-                      <p:cNvPicPr>
-                        <a:picLocks noChangeAspect="1" noChangeArrowheads="1"/>
-                      </p:cNvPicPr>
-                      <p:nvPr/>
-                    </p:nvPicPr>
-                    <p:blipFill>
-                      <a:blip r:embed="rId8">
-                        <a:extLst>
-                          <a:ext uri="{28A0092B-C50C-407E-A947-70E740481C1C}">
-                            <a14:useLocalDpi xmlns:a14="http://schemas.microsoft.com/office/drawing/2010/main" val="0"/>
-                          </a:ext>
-                        </a:extLst>
-                      </a:blip>
-                      <a:srcRect/>
-                      <a:stretch>
-                        <a:fillRect/>
-                      </a:stretch>
-                    </p:blipFill>
-                    <p:spPr bwMode="auto">
-                      <a:xfrm>
-                        <a:off x="997132" y="4824548"/>
-                        <a:ext cx="3505200" cy="881063"/>
-                      </a:xfrm>
-                      <a:prstGeom prst="rect">
-                        <a:avLst/>
-                      </a:prstGeom>
-                      <a:noFill/>
-                      <a:ln>
-                        <a:noFill/>
-                      </a:ln>
-                      <a:effectLst/>
-                      <a:extLst>
-                        <a:ext uri="{909E8E84-426E-40DD-AFC4-6F175D3DCCD1}">
-                          <a14:hiddenFill xmlns:a14="http://schemas.microsoft.com/office/drawing/2010/main">
-                            <a:solidFill>
-                              <a:srgbClr val="FFFFFF"/>
-                            </a:solidFill>
-                          </a14:hiddenFill>
-                        </a:ext>
-                        <a:ext uri="{91240B29-F687-4F45-9708-019B960494DF}">
-                          <a14:hiddenLine xmlns:a14="http://schemas.microsoft.com/office/drawing/2010/main" w="9525">
-                            <a:solidFill>
-                              <a:srgbClr val="000000"/>
-                            </a:solidFill>
-                            <a:miter lim="800000"/>
-                            <a:headEnd/>
-                            <a:tailEnd/>
-                          </a14:hiddenLine>
-                        </a:ext>
-                        <a:ext uri="{AF507438-7753-43E0-B8FC-AC1667EBCBE1}">
-                          <a14:hiddenEffects xmlns:a14="http://schemas.microsoft.com/office/drawing/2010/main">
-                            <a:effectLst>
-                              <a:outerShdw dist="35921" dir="2700000" algn="ctr" rotWithShape="0">
-                                <a:srgbClr val="808080"/>
-                              </a:outerShdw>
-                            </a:effectLst>
-                          </a14:hiddenEffects>
-                        </a:ext>
-                      </a:extLst>
-                    </p:spPr>
-                  </p:pic>
-                </p:oleObj>
-              </mc:Fallback>
-            </mc:AlternateContent>
-          </a:graphicData>
-        </a:graphic>
-      </p:graphicFrame>
-      <p:graphicFrame>
-        <p:nvGraphicFramePr>
-          <p:cNvPr id="8" name="Object 13">
-            <a:extLst>
-              <a:ext uri="{FF2B5EF4-FFF2-40B4-BE49-F238E27FC236}">
-                <a16:creationId xmlns:a16="http://schemas.microsoft.com/office/drawing/2014/main" id="{7DD27870-9141-4F37-853A-AED7A49DED8A}"/>
-              </a:ext>
-            </a:extLst>
-          </p:cNvPr>
-          <p:cNvGraphicFramePr>
-            <a:graphicFrameLocks noChangeAspect="1"/>
-          </p:cNvGraphicFramePr>
-          <p:nvPr>
-            <p:extLst>
-              <p:ext uri="{D42A27DB-BD31-4B8C-83A1-F6EECF244321}">
-                <p14:modId xmlns:p14="http://schemas.microsoft.com/office/powerpoint/2010/main" val="3460043566"/>
-              </p:ext>
-            </p:extLst>
-          </p:nvPr>
-        </p:nvGraphicFramePr>
-        <p:xfrm>
-          <a:off x="6642464" y="2336528"/>
-          <a:ext cx="4267200" cy="863600"/>
-        </p:xfrm>
-        <a:graphic>
-          <a:graphicData uri="http://schemas.openxmlformats.org/presentationml/2006/ole">
-            <mc:AlternateContent xmlns:mc="http://schemas.openxmlformats.org/markup-compatibility/2006">
-              <mc:Choice xmlns:v="urn:schemas-microsoft-com:vml" Requires="v">
-                <p:oleObj spid="_x0000_s2149" name="Equation" r:id="rId9" imgW="2005729" imgH="406224" progId="Equation.DSMT4">
-                  <p:embed/>
-                </p:oleObj>
-              </mc:Choice>
-              <mc:Fallback>
-                <p:oleObj name="Equation" r:id="rId9" imgW="2005729" imgH="406224" progId="Equation.DSMT4">
-                  <p:embed/>
-                  <p:pic>
-                    <p:nvPicPr>
-                      <p:cNvPr id="9224" name="Object 13">
-                        <a:extLst>
-                          <a:ext uri="{FF2B5EF4-FFF2-40B4-BE49-F238E27FC236}">
-                            <a16:creationId xmlns:a16="http://schemas.microsoft.com/office/drawing/2014/main" id="{8E0B9F23-CA69-4256-B100-34DFFDB01CC9}"/>
-                          </a:ext>
-                        </a:extLst>
-                      </p:cNvPr>
-                      <p:cNvPicPr>
-                        <a:picLocks noChangeAspect="1" noChangeArrowheads="1"/>
-                      </p:cNvPicPr>
-                      <p:nvPr/>
-                    </p:nvPicPr>
-                    <p:blipFill>
-                      <a:blip r:embed="rId10">
-                        <a:extLst>
-                          <a:ext uri="{28A0092B-C50C-407E-A947-70E740481C1C}">
-                            <a14:useLocalDpi xmlns:a14="http://schemas.microsoft.com/office/drawing/2010/main" val="0"/>
-                          </a:ext>
-                        </a:extLst>
-                      </a:blip>
-                      <a:srcRect/>
-                      <a:stretch>
-                        <a:fillRect/>
-                      </a:stretch>
-                    </p:blipFill>
-                    <p:spPr bwMode="auto">
-                      <a:xfrm>
-                        <a:off x="6642464" y="2336528"/>
-                        <a:ext cx="4267200" cy="863600"/>
-                      </a:xfrm>
-                      <a:prstGeom prst="rect">
-                        <a:avLst/>
-                      </a:prstGeom>
-                      <a:noFill/>
-                      <a:ln>
-                        <a:noFill/>
-                      </a:ln>
-                      <a:effectLst/>
-                      <a:extLst>
-                        <a:ext uri="{909E8E84-426E-40DD-AFC4-6F175D3DCCD1}">
-                          <a14:hiddenFill xmlns:a14="http://schemas.microsoft.com/office/drawing/2010/main">
-                            <a:solidFill>
-                              <a:srgbClr val="FFFFFF"/>
-                            </a:solidFill>
-                          </a14:hiddenFill>
-                        </a:ext>
-                        <a:ext uri="{91240B29-F687-4F45-9708-019B960494DF}">
-                          <a14:hiddenLine xmlns:a14="http://schemas.microsoft.com/office/drawing/2010/main" w="9525">
-                            <a:solidFill>
-                              <a:srgbClr val="000000"/>
-                            </a:solidFill>
-                            <a:miter lim="800000"/>
-                            <a:headEnd/>
-                            <a:tailEnd/>
-                          </a14:hiddenLine>
-                        </a:ext>
-                        <a:ext uri="{AF507438-7753-43E0-B8FC-AC1667EBCBE1}">
-                          <a14:hiddenEffects xmlns:a14="http://schemas.microsoft.com/office/drawing/2010/main">
-                            <a:effectLst>
-                              <a:outerShdw dist="35921" dir="2700000" algn="ctr" rotWithShape="0">
-                                <a:srgbClr val="808080"/>
-                              </a:outerShdw>
-                            </a:effectLst>
-                          </a14:hiddenEffects>
-                        </a:ext>
-                      </a:extLst>
-                    </p:spPr>
-                  </p:pic>
-                </p:oleObj>
-              </mc:Fallback>
-            </mc:AlternateContent>
-          </a:graphicData>
-        </a:graphic>
-      </p:graphicFrame>
+      <mc:AlternateContent xmlns:mc="http://schemas.openxmlformats.org/markup-compatibility/2006">
+        <mc:Choice xmlns:a14="http://schemas.microsoft.com/office/drawing/2010/main" Requires="a14">
+          <p:sp>
+            <p:nvSpPr>
+              <p:cNvPr id="5" name="TextBox 4">
+                <a:extLst>
+                  <a:ext uri="{FF2B5EF4-FFF2-40B4-BE49-F238E27FC236}">
+                    <a16:creationId xmlns:a16="http://schemas.microsoft.com/office/drawing/2014/main" id="{96F8B35C-4A63-482B-B468-680DC964027D}"/>
+                  </a:ext>
+                </a:extLst>
+              </p:cNvPr>
+              <p:cNvSpPr txBox="1"/>
+              <p:nvPr/>
+            </p:nvSpPr>
+            <p:spPr>
+              <a:xfrm>
+                <a:off x="3548743" y="2151990"/>
+                <a:ext cx="5400325" cy="829843"/>
+              </a:xfrm>
+              <a:prstGeom prst="rect">
+                <a:avLst/>
+              </a:prstGeom>
+              <a:noFill/>
+            </p:spPr>
+            <p:txBody>
+              <a:bodyPr wrap="none" lIns="0" tIns="0" rIns="0" bIns="0" rtlCol="0">
+                <a:spAutoFit/>
+              </a:bodyPr>
+              <a:lstStyle/>
+              <a:p>
+                <a14:m>
+                  <m:oMathPara xmlns:m="http://schemas.openxmlformats.org/officeDocument/2006/math">
+                    <m:oMathParaPr>
+                      <m:jc m:val="centerGroup"/>
+                    </m:oMathParaPr>
+                    <m:oMath xmlns:m="http://schemas.openxmlformats.org/officeDocument/2006/math">
+                      <m:sSub>
+                        <m:sSubPr>
+                          <m:ctrlPr>
+                            <a:rPr lang="en-US" sz="2400" i="1" smtClean="0">
+                              <a:latin typeface="Cambria Math" panose="02040503050406030204" pitchFamily="18" charset="0"/>
+                            </a:rPr>
+                          </m:ctrlPr>
+                        </m:sSubPr>
+                        <m:e>
+                          <m:r>
+                            <a:rPr lang="en-US" sz="2400" b="0" i="1" smtClean="0">
+                              <a:latin typeface="Cambria Math" panose="02040503050406030204" pitchFamily="18" charset="0"/>
+                            </a:rPr>
+                            <m:t>𝑆</m:t>
+                          </m:r>
+                        </m:e>
+                        <m:sub>
+                          <m:r>
+                            <a:rPr lang="en-US" sz="2400" b="0" i="1" smtClean="0">
+                              <a:latin typeface="Cambria Math" panose="02040503050406030204" pitchFamily="18" charset="0"/>
+                            </a:rPr>
+                            <m:t>𝑎</m:t>
+                          </m:r>
+                        </m:sub>
+                      </m:sSub>
+                      <m:r>
+                        <a:rPr lang="en-US" sz="2400" b="0" i="1" smtClean="0">
+                          <a:latin typeface="Cambria Math" panose="02040503050406030204" pitchFamily="18" charset="0"/>
+                        </a:rPr>
+                        <m:t>=1/(1+</m:t>
+                      </m:r>
+                      <m:func>
+                        <m:funcPr>
+                          <m:ctrlPr>
+                            <a:rPr lang="en-US" sz="2400" b="0" i="1" smtClean="0">
+                              <a:latin typeface="Cambria Math" panose="02040503050406030204" pitchFamily="18" charset="0"/>
+                            </a:rPr>
+                          </m:ctrlPr>
+                        </m:funcPr>
+                        <m:fName>
+                          <m:r>
+                            <m:rPr>
+                              <m:sty m:val="p"/>
+                            </m:rPr>
+                            <a:rPr lang="en-US" sz="2400" b="0" i="0" smtClean="0">
+                              <a:latin typeface="Cambria Math" panose="02040503050406030204" pitchFamily="18" charset="0"/>
+                            </a:rPr>
+                            <m:t>exp</m:t>
+                          </m:r>
+                        </m:fName>
+                        <m:e>
+                          <m:d>
+                            <m:dPr>
+                              <m:ctrlPr>
+                                <a:rPr lang="en-US" sz="2400" b="0" i="1" smtClean="0">
+                                  <a:latin typeface="Cambria Math" panose="02040503050406030204" pitchFamily="18" charset="0"/>
+                                </a:rPr>
+                              </m:ctrlPr>
+                            </m:dPr>
+                            <m:e>
+                              <m:r>
+                                <a:rPr lang="en-US" sz="2400" b="0" i="1" smtClean="0">
+                                  <a:latin typeface="Cambria Math" panose="02040503050406030204" pitchFamily="18" charset="0"/>
+                                </a:rPr>
+                                <m:t>−</m:t>
+                              </m:r>
+                              <m:func>
+                                <m:funcPr>
+                                  <m:ctrlPr>
+                                    <a:rPr lang="en-US" sz="2400" b="0" i="1" smtClean="0">
+                                      <a:latin typeface="Cambria Math" panose="02040503050406030204" pitchFamily="18" charset="0"/>
+                                    </a:rPr>
+                                  </m:ctrlPr>
+                                </m:funcPr>
+                                <m:fName>
+                                  <m:r>
+                                    <m:rPr>
+                                      <m:sty m:val="p"/>
+                                    </m:rPr>
+                                    <a:rPr lang="en-US" sz="2400" b="0" i="0" smtClean="0">
+                                      <a:latin typeface="Cambria Math" panose="02040503050406030204" pitchFamily="18" charset="0"/>
+                                    </a:rPr>
+                                    <m:t>log</m:t>
+                                  </m:r>
+                                </m:fName>
+                                <m:e>
+                                  <m:d>
+                                    <m:dPr>
+                                      <m:ctrlPr>
+                                        <a:rPr lang="en-US" sz="2400" b="0" i="1" smtClean="0">
+                                          <a:latin typeface="Cambria Math" panose="02040503050406030204" pitchFamily="18" charset="0"/>
+                                        </a:rPr>
+                                      </m:ctrlPr>
+                                    </m:dPr>
+                                    <m:e>
+                                      <m:r>
+                                        <a:rPr lang="en-US" sz="2400" b="0" i="1" smtClean="0">
+                                          <a:latin typeface="Cambria Math" panose="02040503050406030204" pitchFamily="18" charset="0"/>
+                                        </a:rPr>
+                                        <m:t>19</m:t>
+                                      </m:r>
+                                    </m:e>
+                                  </m:d>
+                                </m:e>
+                              </m:func>
+                              <m:f>
+                                <m:fPr>
+                                  <m:ctrlPr>
+                                    <a:rPr lang="en-US" sz="2400" b="0" i="1" smtClean="0">
+                                      <a:latin typeface="Cambria Math" panose="02040503050406030204" pitchFamily="18" charset="0"/>
+                                    </a:rPr>
+                                  </m:ctrlPr>
+                                </m:fPr>
+                                <m:num>
+                                  <m:r>
+                                    <a:rPr lang="en-US" sz="2400" b="0" i="1" smtClean="0">
+                                      <a:latin typeface="Cambria Math" panose="02040503050406030204" pitchFamily="18" charset="0"/>
+                                    </a:rPr>
+                                    <m:t>𝑎</m:t>
+                                  </m:r>
+                                  <m:r>
+                                    <a:rPr lang="en-US" sz="2400" b="0" i="1" smtClean="0">
+                                      <a:latin typeface="Cambria Math" panose="02040503050406030204" pitchFamily="18" charset="0"/>
+                                    </a:rPr>
+                                    <m:t>−</m:t>
+                                  </m:r>
+                                  <m:sSub>
+                                    <m:sSubPr>
+                                      <m:ctrlPr>
+                                        <a:rPr lang="en-US" sz="2400" b="1" i="1" smtClean="0">
+                                          <a:solidFill>
+                                            <a:schemeClr val="accent6"/>
+                                          </a:solidFill>
+                                          <a:latin typeface="Cambria Math" panose="02040503050406030204" pitchFamily="18" charset="0"/>
+                                        </a:rPr>
+                                      </m:ctrlPr>
+                                    </m:sSubPr>
+                                    <m:e>
+                                      <m:r>
+                                        <a:rPr lang="en-US" sz="2400" b="1" i="1" smtClean="0">
+                                          <a:solidFill>
+                                            <a:schemeClr val="accent6"/>
+                                          </a:solidFill>
+                                          <a:latin typeface="Cambria Math" panose="02040503050406030204" pitchFamily="18" charset="0"/>
+                                        </a:rPr>
+                                        <m:t>𝒂</m:t>
+                                      </m:r>
+                                    </m:e>
+                                    <m:sub>
+                                      <m:r>
+                                        <a:rPr lang="en-US" sz="2400" b="1" i="1" smtClean="0">
+                                          <a:solidFill>
+                                            <a:schemeClr val="accent6"/>
+                                          </a:solidFill>
+                                          <a:latin typeface="Cambria Math" panose="02040503050406030204" pitchFamily="18" charset="0"/>
+                                        </a:rPr>
+                                        <m:t>𝟓𝟎</m:t>
+                                      </m:r>
+                                    </m:sub>
+                                  </m:sSub>
+                                </m:num>
+                                <m:den>
+                                  <m:sSub>
+                                    <m:sSubPr>
+                                      <m:ctrlPr>
+                                        <a:rPr lang="en-US" sz="2400" b="1" i="1" smtClean="0">
+                                          <a:solidFill>
+                                            <a:schemeClr val="accent6"/>
+                                          </a:solidFill>
+                                          <a:latin typeface="Cambria Math" panose="02040503050406030204" pitchFamily="18" charset="0"/>
+                                        </a:rPr>
+                                      </m:ctrlPr>
+                                    </m:sSubPr>
+                                    <m:e>
+                                      <m:r>
+                                        <a:rPr lang="en-US" sz="2400" b="1" i="1" smtClean="0">
+                                          <a:solidFill>
+                                            <a:schemeClr val="accent6"/>
+                                          </a:solidFill>
+                                          <a:latin typeface="Cambria Math" panose="02040503050406030204" pitchFamily="18" charset="0"/>
+                                        </a:rPr>
+                                        <m:t>𝒂</m:t>
+                                      </m:r>
+                                    </m:e>
+                                    <m:sub>
+                                      <m:r>
+                                        <a:rPr lang="en-US" sz="2400" b="1" i="1" smtClean="0">
+                                          <a:solidFill>
+                                            <a:schemeClr val="accent6"/>
+                                          </a:solidFill>
+                                          <a:latin typeface="Cambria Math" panose="02040503050406030204" pitchFamily="18" charset="0"/>
+                                        </a:rPr>
+                                        <m:t>𝟗𝟓</m:t>
+                                      </m:r>
+                                    </m:sub>
+                                  </m:sSub>
+                                  <m:r>
+                                    <a:rPr lang="en-US" sz="2400" b="0" i="1" smtClean="0">
+                                      <a:latin typeface="Cambria Math" panose="02040503050406030204" pitchFamily="18" charset="0"/>
+                                    </a:rPr>
+                                    <m:t>−</m:t>
+                                  </m:r>
+                                  <m:sSub>
+                                    <m:sSubPr>
+                                      <m:ctrlPr>
+                                        <a:rPr lang="en-US" sz="2400" b="1" i="1" smtClean="0">
+                                          <a:solidFill>
+                                            <a:schemeClr val="accent6"/>
+                                          </a:solidFill>
+                                          <a:latin typeface="Cambria Math" panose="02040503050406030204" pitchFamily="18" charset="0"/>
+                                        </a:rPr>
+                                      </m:ctrlPr>
+                                    </m:sSubPr>
+                                    <m:e>
+                                      <m:r>
+                                        <a:rPr lang="en-US" sz="2400" b="1" i="1" smtClean="0">
+                                          <a:solidFill>
+                                            <a:schemeClr val="accent6"/>
+                                          </a:solidFill>
+                                          <a:latin typeface="Cambria Math" panose="02040503050406030204" pitchFamily="18" charset="0"/>
+                                        </a:rPr>
+                                        <m:t>𝒂</m:t>
+                                      </m:r>
+                                    </m:e>
+                                    <m:sub>
+                                      <m:r>
+                                        <a:rPr lang="en-US" sz="2400" b="1" i="1" smtClean="0">
+                                          <a:solidFill>
+                                            <a:schemeClr val="accent6"/>
+                                          </a:solidFill>
+                                          <a:latin typeface="Cambria Math" panose="02040503050406030204" pitchFamily="18" charset="0"/>
+                                        </a:rPr>
+                                        <m:t>𝟓𝟎</m:t>
+                                      </m:r>
+                                    </m:sub>
+                                  </m:sSub>
+                                </m:den>
+                              </m:f>
+                            </m:e>
+                          </m:d>
+                        </m:e>
+                      </m:func>
+                      <m:r>
+                        <a:rPr lang="en-US" sz="2400" b="0" i="1" smtClean="0">
+                          <a:latin typeface="Cambria Math" panose="02040503050406030204" pitchFamily="18" charset="0"/>
+                        </a:rPr>
+                        <m:t>)</m:t>
+                      </m:r>
+                    </m:oMath>
+                  </m:oMathPara>
+                </a14:m>
+                <a:endParaRPr lang="en-US" sz="2400" dirty="0"/>
+              </a:p>
+            </p:txBody>
+          </p:sp>
+        </mc:Choice>
+        <mc:Fallback>
+          <p:sp>
+            <p:nvSpPr>
+              <p:cNvPr id="5" name="TextBox 4">
+                <a:extLst>
+                  <a:ext uri="{FF2B5EF4-FFF2-40B4-BE49-F238E27FC236}">
+                    <a16:creationId xmlns:a16="http://schemas.microsoft.com/office/drawing/2014/main" id="{96F8B35C-4A63-482B-B468-680DC964027D}"/>
+                  </a:ext>
+                </a:extLst>
+              </p:cNvPr>
+              <p:cNvSpPr txBox="1">
+                <a:spLocks noRot="1" noChangeAspect="1" noMove="1" noResize="1" noEditPoints="1" noAdjustHandles="1" noChangeArrowheads="1" noChangeShapeType="1" noTextEdit="1"/>
+              </p:cNvSpPr>
+              <p:nvPr/>
+            </p:nvSpPr>
+            <p:spPr>
+              <a:xfrm>
+                <a:off x="3548743" y="2151990"/>
+                <a:ext cx="5400325" cy="829843"/>
+              </a:xfrm>
+              <a:prstGeom prst="rect">
+                <a:avLst/>
+              </a:prstGeom>
+              <a:blipFill>
+                <a:blip r:embed="rId2"/>
+                <a:stretch>
+                  <a:fillRect/>
+                </a:stretch>
+              </a:blipFill>
+            </p:spPr>
+            <p:txBody>
+              <a:bodyPr/>
+              <a:lstStyle/>
+              <a:p>
+                <a:r>
+                  <a:rPr lang="en-US">
+                    <a:noFill/>
+                  </a:rPr>
+                  <a:t> </a:t>
+                </a:r>
+              </a:p>
+            </p:txBody>
+          </p:sp>
+        </mc:Fallback>
+      </mc:AlternateContent>
+      <mc:AlternateContent xmlns:mc="http://schemas.openxmlformats.org/markup-compatibility/2006">
+        <mc:Choice xmlns:a14="http://schemas.microsoft.com/office/drawing/2010/main" Requires="a14">
+          <p:sp>
+            <p:nvSpPr>
+              <p:cNvPr id="7" name="TextBox 6">
+                <a:extLst>
+                  <a:ext uri="{FF2B5EF4-FFF2-40B4-BE49-F238E27FC236}">
+                    <a16:creationId xmlns:a16="http://schemas.microsoft.com/office/drawing/2014/main" id="{BE10076D-B8E3-445F-BB09-B42D80E5CD37}"/>
+                  </a:ext>
+                </a:extLst>
+              </p:cNvPr>
+              <p:cNvSpPr txBox="1"/>
+              <p:nvPr/>
+            </p:nvSpPr>
+            <p:spPr>
+              <a:xfrm>
+                <a:off x="3548743" y="3090406"/>
+                <a:ext cx="5684826" cy="1367554"/>
+              </a:xfrm>
+              <a:prstGeom prst="rect">
+                <a:avLst/>
+              </a:prstGeom>
+              <a:noFill/>
+            </p:spPr>
+            <p:txBody>
+              <a:bodyPr wrap="none" lIns="0" tIns="0" rIns="0" bIns="0" rtlCol="0">
+                <a:spAutoFit/>
+              </a:bodyPr>
+              <a:lstStyle/>
+              <a:p>
+                <a14:m>
+                  <m:oMathPara xmlns:m="http://schemas.openxmlformats.org/officeDocument/2006/math">
+                    <m:oMathParaPr>
+                      <m:jc m:val="centerGroup"/>
+                    </m:oMathParaPr>
+                    <m:oMath xmlns:m="http://schemas.openxmlformats.org/officeDocument/2006/math">
+                      <m:sSub>
+                        <m:sSubPr>
+                          <m:ctrlPr>
+                            <a:rPr lang="en-US" sz="2400" i="1" smtClean="0">
+                              <a:latin typeface="Cambria Math" panose="02040503050406030204" pitchFamily="18" charset="0"/>
+                            </a:rPr>
+                          </m:ctrlPr>
+                        </m:sSubPr>
+                        <m:e>
+                          <m:r>
+                            <a:rPr lang="en-US" sz="2400" b="0" i="1" smtClean="0">
+                              <a:latin typeface="Cambria Math" panose="02040503050406030204" pitchFamily="18" charset="0"/>
+                            </a:rPr>
+                            <m:t>𝑁</m:t>
+                          </m:r>
+                        </m:e>
+                        <m:sub>
+                          <m:r>
+                            <a:rPr lang="en-US" sz="2400" b="0" i="1" smtClean="0">
+                              <a:latin typeface="Cambria Math" panose="02040503050406030204" pitchFamily="18" charset="0"/>
+                            </a:rPr>
+                            <m:t>𝑦</m:t>
+                          </m:r>
+                          <m:r>
+                            <a:rPr lang="en-US" sz="2400" b="0" i="1" smtClean="0">
+                              <a:latin typeface="Cambria Math" panose="02040503050406030204" pitchFamily="18" charset="0"/>
+                            </a:rPr>
+                            <m:t>,</m:t>
+                          </m:r>
+                          <m:r>
+                            <a:rPr lang="en-US" sz="2400" b="0" i="1" smtClean="0">
+                              <a:latin typeface="Cambria Math" panose="02040503050406030204" pitchFamily="18" charset="0"/>
+                            </a:rPr>
+                            <m:t>𝑎</m:t>
+                          </m:r>
+                        </m:sub>
+                      </m:sSub>
+                      <m:r>
+                        <a:rPr lang="en-US" sz="2400" b="0" i="1" smtClean="0">
+                          <a:latin typeface="Cambria Math" panose="02040503050406030204" pitchFamily="18" charset="0"/>
+                        </a:rPr>
+                        <m:t>=</m:t>
+                      </m:r>
+                      <m:d>
+                        <m:dPr>
+                          <m:begChr m:val="{"/>
+                          <m:endChr m:val=""/>
+                          <m:ctrlPr>
+                            <a:rPr lang="en-US" sz="2400" b="0" i="1" smtClean="0">
+                              <a:latin typeface="Cambria Math" panose="02040503050406030204" pitchFamily="18" charset="0"/>
+                            </a:rPr>
+                          </m:ctrlPr>
+                        </m:dPr>
+                        <m:e>
+                          <m:m>
+                            <m:mPr>
+                              <m:mcs>
+                                <m:mc>
+                                  <m:mcPr>
+                                    <m:count m:val="1"/>
+                                    <m:mcJc m:val="center"/>
+                                  </m:mcPr>
+                                </m:mc>
+                              </m:mcs>
+                              <m:ctrlPr>
+                                <a:rPr lang="en-US" sz="2400" b="0" i="1" smtClean="0">
+                                  <a:latin typeface="Cambria Math" panose="02040503050406030204" pitchFamily="18" charset="0"/>
+                                </a:rPr>
+                              </m:ctrlPr>
+                            </m:mPr>
+                            <m:mr>
+                              <m:e>
+                                <m:sSub>
+                                  <m:sSubPr>
+                                    <m:ctrlPr>
+                                      <a:rPr lang="en-US" sz="2400" b="1" i="1" smtClean="0">
+                                        <a:solidFill>
+                                          <a:schemeClr val="accent6"/>
+                                        </a:solidFill>
+                                        <a:latin typeface="Cambria Math" panose="02040503050406030204" pitchFamily="18" charset="0"/>
+                                      </a:rPr>
+                                    </m:ctrlPr>
+                                  </m:sSubPr>
+                                  <m:e>
+                                    <m:r>
+                                      <a:rPr lang="en-US" sz="2400" b="1" i="1" smtClean="0">
+                                        <a:solidFill>
+                                          <a:schemeClr val="accent6"/>
+                                        </a:solidFill>
+                                        <a:latin typeface="Cambria Math" panose="02040503050406030204" pitchFamily="18" charset="0"/>
+                                      </a:rPr>
+                                      <m:t>𝑵</m:t>
+                                    </m:r>
+                                  </m:e>
+                                  <m:sub>
+                                    <m:r>
+                                      <a:rPr lang="en-US" sz="2400" b="1" i="1" smtClean="0">
+                                        <a:solidFill>
+                                          <a:schemeClr val="accent6"/>
+                                        </a:solidFill>
+                                        <a:latin typeface="Cambria Math" panose="02040503050406030204" pitchFamily="18" charset="0"/>
+                                      </a:rPr>
+                                      <m:t>𝒚</m:t>
+                                    </m:r>
+                                    <m:r>
+                                      <a:rPr lang="en-US" sz="2400" b="1" i="1" smtClean="0">
+                                        <a:solidFill>
+                                          <a:schemeClr val="accent6"/>
+                                        </a:solidFill>
+                                        <a:latin typeface="Cambria Math" panose="02040503050406030204" pitchFamily="18" charset="0"/>
+                                      </a:rPr>
+                                      <m:t>𝟏</m:t>
+                                    </m:r>
+                                    <m:r>
+                                      <a:rPr lang="en-US" sz="2400" b="1" i="1" smtClean="0">
+                                        <a:solidFill>
+                                          <a:schemeClr val="accent6"/>
+                                        </a:solidFill>
+                                        <a:latin typeface="Cambria Math" panose="02040503050406030204" pitchFamily="18" charset="0"/>
+                                      </a:rPr>
+                                      <m:t>,</m:t>
+                                    </m:r>
+                                    <m:r>
+                                      <a:rPr lang="en-US" sz="2400" b="1" i="1" smtClean="0">
+                                        <a:solidFill>
+                                          <a:schemeClr val="accent6"/>
+                                        </a:solidFill>
+                                        <a:latin typeface="Cambria Math" panose="02040503050406030204" pitchFamily="18" charset="0"/>
+                                      </a:rPr>
+                                      <m:t>𝒂</m:t>
+                                    </m:r>
+                                  </m:sub>
+                                </m:sSub>
+                              </m:e>
+                            </m:mr>
+                            <m:mr>
+                              <m:e>
+                                <m:sSub>
+                                  <m:sSubPr>
+                                    <m:ctrlPr>
+                                      <a:rPr lang="en-US" sz="2400" b="1" i="1" smtClean="0">
+                                        <a:solidFill>
+                                          <a:schemeClr val="accent6"/>
+                                        </a:solidFill>
+                                        <a:latin typeface="Cambria Math" panose="02040503050406030204" pitchFamily="18" charset="0"/>
+                                      </a:rPr>
+                                    </m:ctrlPr>
+                                  </m:sSubPr>
+                                  <m:e>
+                                    <m:r>
+                                      <a:rPr lang="en-US" sz="2400" b="1" i="1" smtClean="0">
+                                        <a:solidFill>
+                                          <a:schemeClr val="accent6"/>
+                                        </a:solidFill>
+                                        <a:latin typeface="Cambria Math" panose="02040503050406030204" pitchFamily="18" charset="0"/>
+                                      </a:rPr>
+                                      <m:t>𝑵</m:t>
+                                    </m:r>
+                                  </m:e>
+                                  <m:sub>
+                                    <m:r>
+                                      <a:rPr lang="en-US" sz="2400" b="1" i="1" smtClean="0">
+                                        <a:solidFill>
+                                          <a:schemeClr val="accent6"/>
+                                        </a:solidFill>
+                                        <a:latin typeface="Cambria Math" panose="02040503050406030204" pitchFamily="18" charset="0"/>
+                                      </a:rPr>
+                                      <m:t>𝒚</m:t>
+                                    </m:r>
+                                    <m:r>
+                                      <a:rPr lang="en-US" sz="2400" b="1" i="1" smtClean="0">
+                                        <a:solidFill>
+                                          <a:schemeClr val="accent6"/>
+                                        </a:solidFill>
+                                        <a:latin typeface="Cambria Math" panose="02040503050406030204" pitchFamily="18" charset="0"/>
+                                      </a:rPr>
+                                      <m:t>,</m:t>
+                                    </m:r>
+                                    <m:r>
+                                      <a:rPr lang="en-US" sz="2400" b="1" i="1" smtClean="0">
+                                        <a:solidFill>
+                                          <a:schemeClr val="accent6"/>
+                                        </a:solidFill>
+                                        <a:latin typeface="Cambria Math" panose="02040503050406030204" pitchFamily="18" charset="0"/>
+                                      </a:rPr>
+                                      <m:t>𝟎</m:t>
+                                    </m:r>
+                                  </m:sub>
+                                </m:sSub>
+                              </m:e>
+                            </m:mr>
+                            <m:mr>
+                              <m:e>
+                                <m:sSub>
+                                  <m:sSubPr>
+                                    <m:ctrlPr>
+                                      <a:rPr lang="en-US" sz="2400" b="0" i="1" smtClean="0">
+                                        <a:latin typeface="Cambria Math" panose="02040503050406030204" pitchFamily="18" charset="0"/>
+                                      </a:rPr>
+                                    </m:ctrlPr>
+                                  </m:sSubPr>
+                                  <m:e>
+                                    <m:r>
+                                      <a:rPr lang="en-US" sz="2400" b="0" i="1" smtClean="0">
+                                        <a:latin typeface="Cambria Math" panose="02040503050406030204" pitchFamily="18" charset="0"/>
+                                      </a:rPr>
+                                      <m:t>𝑁</m:t>
+                                    </m:r>
+                                  </m:e>
+                                  <m:sub>
+                                    <m:r>
+                                      <a:rPr lang="en-US" sz="2400" b="0" i="1" smtClean="0">
+                                        <a:latin typeface="Cambria Math" panose="02040503050406030204" pitchFamily="18" charset="0"/>
+                                      </a:rPr>
+                                      <m:t>𝑦</m:t>
+                                    </m:r>
+                                    <m:r>
+                                      <a:rPr lang="en-US" sz="2400" b="0" i="1" smtClean="0">
+                                        <a:latin typeface="Cambria Math" panose="02040503050406030204" pitchFamily="18" charset="0"/>
+                                      </a:rPr>
+                                      <m:t>−1,</m:t>
+                                    </m:r>
+                                    <m:r>
+                                      <a:rPr lang="en-US" sz="2400" b="0" i="1" smtClean="0">
+                                        <a:latin typeface="Cambria Math" panose="02040503050406030204" pitchFamily="18" charset="0"/>
+                                      </a:rPr>
+                                      <m:t>𝑎</m:t>
+                                    </m:r>
+                                    <m:r>
+                                      <a:rPr lang="en-US" sz="2400" b="0" i="1" smtClean="0">
+                                        <a:latin typeface="Cambria Math" panose="02040503050406030204" pitchFamily="18" charset="0"/>
+                                      </a:rPr>
+                                      <m:t>−1</m:t>
+                                    </m:r>
+                                  </m:sub>
+                                </m:sSub>
+                                <m:sSup>
+                                  <m:sSupPr>
+                                    <m:ctrlPr>
+                                      <a:rPr lang="en-US" sz="2400" b="0" i="1" smtClean="0">
+                                        <a:latin typeface="Cambria Math" panose="02040503050406030204" pitchFamily="18" charset="0"/>
+                                      </a:rPr>
+                                    </m:ctrlPr>
+                                  </m:sSupPr>
+                                  <m:e>
+                                    <m:r>
+                                      <a:rPr lang="en-US" sz="2400" b="0" i="1" smtClean="0">
+                                        <a:latin typeface="Cambria Math" panose="02040503050406030204" pitchFamily="18" charset="0"/>
+                                      </a:rPr>
+                                      <m:t>𝑒</m:t>
+                                    </m:r>
+                                  </m:e>
+                                  <m:sup>
+                                    <m:r>
+                                      <a:rPr lang="en-US" sz="2400" b="0" i="1" smtClean="0">
+                                        <a:latin typeface="Cambria Math" panose="02040503050406030204" pitchFamily="18" charset="0"/>
+                                      </a:rPr>
+                                      <m:t>−(</m:t>
+                                    </m:r>
+                                    <m:r>
+                                      <a:rPr lang="en-US" sz="2400" b="0" i="1" smtClean="0">
+                                        <a:latin typeface="Cambria Math" panose="02040503050406030204" pitchFamily="18" charset="0"/>
+                                      </a:rPr>
+                                      <m:t>𝑀</m:t>
+                                    </m:r>
+                                    <m:r>
+                                      <a:rPr lang="en-US" sz="2400" b="0" i="1" smtClean="0">
+                                        <a:latin typeface="Cambria Math" panose="02040503050406030204" pitchFamily="18" charset="0"/>
+                                      </a:rPr>
+                                      <m:t>+</m:t>
+                                    </m:r>
+                                    <m:sSub>
+                                      <m:sSubPr>
+                                        <m:ctrlPr>
+                                          <a:rPr lang="en-US" sz="2400" b="0" i="1" smtClean="0">
+                                            <a:latin typeface="Cambria Math" panose="02040503050406030204" pitchFamily="18" charset="0"/>
+                                          </a:rPr>
+                                        </m:ctrlPr>
+                                      </m:sSubPr>
+                                      <m:e>
+                                        <m:r>
+                                          <a:rPr lang="en-US" sz="2400" b="0" i="1" smtClean="0">
+                                            <a:latin typeface="Cambria Math" panose="02040503050406030204" pitchFamily="18" charset="0"/>
+                                          </a:rPr>
+                                          <m:t>𝑆</m:t>
+                                        </m:r>
+                                      </m:e>
+                                      <m:sub>
+                                        <m:r>
+                                          <a:rPr lang="en-US" sz="2400" b="0" i="1" smtClean="0">
+                                            <a:latin typeface="Cambria Math" panose="02040503050406030204" pitchFamily="18" charset="0"/>
+                                          </a:rPr>
+                                          <m:t>𝑎</m:t>
+                                        </m:r>
+                                        <m:r>
+                                          <a:rPr lang="en-US" sz="2400" b="0" i="1" smtClean="0">
+                                            <a:latin typeface="Cambria Math" panose="02040503050406030204" pitchFamily="18" charset="0"/>
+                                          </a:rPr>
+                                          <m:t>−1</m:t>
+                                        </m:r>
+                                      </m:sub>
+                                    </m:sSub>
+                                    <m:sSub>
+                                      <m:sSubPr>
+                                        <m:ctrlPr>
+                                          <a:rPr lang="en-US" sz="2400" b="0" i="1" smtClean="0">
+                                            <a:latin typeface="Cambria Math" panose="02040503050406030204" pitchFamily="18" charset="0"/>
+                                          </a:rPr>
+                                        </m:ctrlPr>
+                                      </m:sSubPr>
+                                      <m:e>
+                                        <m:r>
+                                          <a:rPr lang="en-US" sz="2400" b="0" i="1" smtClean="0">
+                                            <a:latin typeface="Cambria Math" panose="02040503050406030204" pitchFamily="18" charset="0"/>
+                                          </a:rPr>
+                                          <m:t>𝐹</m:t>
+                                        </m:r>
+                                      </m:e>
+                                      <m:sub>
+                                        <m:r>
+                                          <a:rPr lang="en-US" sz="2400" b="0" i="1" smtClean="0">
+                                            <a:latin typeface="Cambria Math" panose="02040503050406030204" pitchFamily="18" charset="0"/>
+                                          </a:rPr>
+                                          <m:t>𝑦</m:t>
+                                        </m:r>
+                                        <m:r>
+                                          <a:rPr lang="en-US" sz="2400" b="0" i="1" smtClean="0">
+                                            <a:latin typeface="Cambria Math" panose="02040503050406030204" pitchFamily="18" charset="0"/>
+                                          </a:rPr>
+                                          <m:t>−1</m:t>
+                                        </m:r>
+                                      </m:sub>
+                                    </m:sSub>
+                                    <m:r>
+                                      <a:rPr lang="en-US" sz="2400" b="0" i="1" smtClean="0">
+                                        <a:latin typeface="Cambria Math" panose="02040503050406030204" pitchFamily="18" charset="0"/>
+                                      </a:rPr>
+                                      <m:t>)</m:t>
+                                    </m:r>
+                                  </m:sup>
+                                </m:sSup>
+                              </m:e>
+                            </m:mr>
+                          </m:m>
+                        </m:e>
+                      </m:d>
+                      <m:m>
+                        <m:mPr>
+                          <m:mcs>
+                            <m:mc>
+                              <m:mcPr>
+                                <m:count m:val="1"/>
+                                <m:mcJc m:val="center"/>
+                              </m:mcPr>
+                            </m:mc>
+                          </m:mcs>
+                          <m:ctrlPr>
+                            <a:rPr lang="en-US" sz="2400" b="0" i="1" smtClean="0">
+                              <a:latin typeface="Cambria Math" panose="02040503050406030204" pitchFamily="18" charset="0"/>
+                            </a:rPr>
+                          </m:ctrlPr>
+                        </m:mPr>
+                        <m:mr>
+                          <m:e>
+                            <m:r>
+                              <m:rPr>
+                                <m:brk m:alnAt="7"/>
+                              </m:rPr>
+                              <a:rPr lang="en-US" sz="2400" b="0" i="1" smtClean="0">
+                                <a:latin typeface="Cambria Math" panose="02040503050406030204" pitchFamily="18" charset="0"/>
+                              </a:rPr>
+                              <m:t>𝑦</m:t>
+                            </m:r>
+                            <m:r>
+                              <a:rPr lang="en-US" sz="2400" b="0" i="1" smtClean="0">
+                                <a:latin typeface="Cambria Math" panose="02040503050406030204" pitchFamily="18" charset="0"/>
+                              </a:rPr>
+                              <m:t>=1</m:t>
+                            </m:r>
+                          </m:e>
+                        </m:mr>
+                        <m:mr>
+                          <m:e>
+                            <m:r>
+                              <a:rPr lang="en-US" sz="2400" b="0" i="1" smtClean="0">
+                                <a:latin typeface="Cambria Math" panose="02040503050406030204" pitchFamily="18" charset="0"/>
+                              </a:rPr>
+                              <m:t>𝑎</m:t>
+                            </m:r>
+                            <m:r>
+                              <a:rPr lang="en-US" sz="2400" b="0" i="1" smtClean="0">
+                                <a:latin typeface="Cambria Math" panose="02040503050406030204" pitchFamily="18" charset="0"/>
+                              </a:rPr>
+                              <m:t>=0</m:t>
+                            </m:r>
+                          </m:e>
+                        </m:mr>
+                        <m:mr>
+                          <m:e>
+                            <m:r>
+                              <a:rPr lang="en-US" sz="2400" b="0" i="1" smtClean="0">
+                                <a:latin typeface="Cambria Math" panose="02040503050406030204" pitchFamily="18" charset="0"/>
+                              </a:rPr>
+                              <m:t>𝑜𝑡h𝑒𝑟𝑤𝑖𝑠𝑒</m:t>
+                            </m:r>
+                          </m:e>
+                        </m:mr>
+                      </m:m>
+                    </m:oMath>
+                  </m:oMathPara>
+                </a14:m>
+                <a:endParaRPr lang="en-US" sz="2400" dirty="0"/>
+              </a:p>
+            </p:txBody>
+          </p:sp>
+        </mc:Choice>
+        <mc:Fallback>
+          <p:sp>
+            <p:nvSpPr>
+              <p:cNvPr id="7" name="TextBox 6">
+                <a:extLst>
+                  <a:ext uri="{FF2B5EF4-FFF2-40B4-BE49-F238E27FC236}">
+                    <a16:creationId xmlns:a16="http://schemas.microsoft.com/office/drawing/2014/main" id="{BE10076D-B8E3-445F-BB09-B42D80E5CD37}"/>
+                  </a:ext>
+                </a:extLst>
+              </p:cNvPr>
+              <p:cNvSpPr txBox="1">
+                <a:spLocks noRot="1" noChangeAspect="1" noMove="1" noResize="1" noEditPoints="1" noAdjustHandles="1" noChangeArrowheads="1" noChangeShapeType="1" noTextEdit="1"/>
+              </p:cNvSpPr>
+              <p:nvPr/>
+            </p:nvSpPr>
+            <p:spPr>
+              <a:xfrm>
+                <a:off x="3548743" y="3090406"/>
+                <a:ext cx="5684826" cy="1367554"/>
+              </a:xfrm>
+              <a:prstGeom prst="rect">
+                <a:avLst/>
+              </a:prstGeom>
+              <a:blipFill>
+                <a:blip r:embed="rId3"/>
+                <a:stretch>
+                  <a:fillRect/>
+                </a:stretch>
+              </a:blipFill>
+            </p:spPr>
+            <p:txBody>
+              <a:bodyPr/>
+              <a:lstStyle/>
+              <a:p>
+                <a:r>
+                  <a:rPr lang="en-US">
+                    <a:noFill/>
+                  </a:rPr>
+                  <a:t> </a:t>
+                </a:r>
+              </a:p>
+            </p:txBody>
+          </p:sp>
+        </mc:Fallback>
+      </mc:AlternateContent>
+      <mc:AlternateContent xmlns:mc="http://schemas.openxmlformats.org/markup-compatibility/2006">
+        <mc:Choice xmlns:a14="http://schemas.microsoft.com/office/drawing/2010/main" Requires="a14">
+          <p:sp>
+            <p:nvSpPr>
+              <p:cNvPr id="9" name="TextBox 8">
+                <a:extLst>
+                  <a:ext uri="{FF2B5EF4-FFF2-40B4-BE49-F238E27FC236}">
+                    <a16:creationId xmlns:a16="http://schemas.microsoft.com/office/drawing/2014/main" id="{81091F09-6800-4090-BE47-C2F6F9C65B3F}"/>
+                  </a:ext>
+                </a:extLst>
+              </p:cNvPr>
+              <p:cNvSpPr txBox="1"/>
+              <p:nvPr/>
+            </p:nvSpPr>
+            <p:spPr>
+              <a:xfrm>
+                <a:off x="5039584" y="4666506"/>
+                <a:ext cx="6125721" cy="2109808"/>
+              </a:xfrm>
+              <a:prstGeom prst="rect">
+                <a:avLst/>
+              </a:prstGeom>
+              <a:noFill/>
+            </p:spPr>
+            <p:txBody>
+              <a:bodyPr wrap="square" lIns="0" tIns="0" rIns="0" bIns="0" rtlCol="0">
+                <a:spAutoFit/>
+              </a:bodyPr>
+              <a:lstStyle/>
+              <a:p>
+                <a14:m>
+                  <m:oMathPara xmlns:m="http://schemas.openxmlformats.org/officeDocument/2006/math">
+                    <m:oMathParaPr>
+                      <m:jc m:val="centerGroup"/>
+                    </m:oMathParaPr>
+                    <m:oMath xmlns:m="http://schemas.openxmlformats.org/officeDocument/2006/math">
+                      <m:sSub>
+                        <m:sSubPr>
+                          <m:ctrlPr>
+                            <a:rPr lang="en-US" sz="2400" i="1" smtClean="0">
+                              <a:latin typeface="Cambria Math" panose="02040503050406030204" pitchFamily="18" charset="0"/>
+                            </a:rPr>
+                          </m:ctrlPr>
+                        </m:sSubPr>
+                        <m:e>
+                          <m:r>
+                            <a:rPr lang="en-US" sz="2400" b="0" i="1" smtClean="0">
+                              <a:latin typeface="Cambria Math" panose="02040503050406030204" pitchFamily="18" charset="0"/>
+                            </a:rPr>
+                            <m:t>𝑃</m:t>
+                          </m:r>
+                        </m:e>
+                        <m:sub>
+                          <m:r>
+                            <a:rPr lang="en-US" sz="2400" b="0" i="1" smtClean="0">
+                              <a:latin typeface="Cambria Math" panose="02040503050406030204" pitchFamily="18" charset="0"/>
+                            </a:rPr>
+                            <m:t>𝑦</m:t>
+                          </m:r>
+                          <m:r>
+                            <a:rPr lang="en-US" sz="2400" b="0" i="1" smtClean="0">
+                              <a:latin typeface="Cambria Math" panose="02040503050406030204" pitchFamily="18" charset="0"/>
+                            </a:rPr>
+                            <m:t>,</m:t>
+                          </m:r>
+                          <m:r>
+                            <a:rPr lang="en-US" sz="2400" b="0" i="1" smtClean="0">
+                              <a:latin typeface="Cambria Math" panose="02040503050406030204" pitchFamily="18" charset="0"/>
+                            </a:rPr>
+                            <m:t>𝑎</m:t>
+                          </m:r>
+                        </m:sub>
+                      </m:sSub>
+                      <m:r>
+                        <a:rPr lang="en-US" sz="2400" b="0" i="1" smtClean="0">
+                          <a:latin typeface="Cambria Math" panose="02040503050406030204" pitchFamily="18" charset="0"/>
+                        </a:rPr>
+                        <m:t>=</m:t>
+                      </m:r>
+                      <m:f>
+                        <m:fPr>
+                          <m:ctrlPr>
+                            <a:rPr lang="en-US" sz="2400" b="0" i="1" smtClean="0">
+                              <a:latin typeface="Cambria Math" panose="02040503050406030204" pitchFamily="18" charset="0"/>
+                            </a:rPr>
+                          </m:ctrlPr>
+                        </m:fPr>
+                        <m:num>
+                          <m:sSub>
+                            <m:sSubPr>
+                              <m:ctrlPr>
+                                <a:rPr lang="en-US" sz="2400" b="1" i="1" smtClean="0">
+                                  <a:solidFill>
+                                    <a:schemeClr val="accent6"/>
+                                  </a:solidFill>
+                                  <a:latin typeface="Cambria Math" panose="02040503050406030204" pitchFamily="18" charset="0"/>
+                                </a:rPr>
+                              </m:ctrlPr>
+                            </m:sSubPr>
+                            <m:e>
+                              <m:r>
+                                <a:rPr lang="en-US" sz="2400" b="1" i="1" smtClean="0">
+                                  <a:solidFill>
+                                    <a:schemeClr val="accent6"/>
+                                  </a:solidFill>
+                                  <a:latin typeface="Cambria Math" panose="02040503050406030204" pitchFamily="18" charset="0"/>
+                                </a:rPr>
+                                <m:t>𝑭</m:t>
+                              </m:r>
+                            </m:e>
+                            <m:sub>
+                              <m:r>
+                                <a:rPr lang="en-US" sz="2400" b="1" i="1" smtClean="0">
+                                  <a:solidFill>
+                                    <a:schemeClr val="accent6"/>
+                                  </a:solidFill>
+                                  <a:latin typeface="Cambria Math" panose="02040503050406030204" pitchFamily="18" charset="0"/>
+                                </a:rPr>
+                                <m:t>𝒚</m:t>
+                              </m:r>
+                            </m:sub>
+                          </m:sSub>
+                          <m:sSub>
+                            <m:sSubPr>
+                              <m:ctrlPr>
+                                <a:rPr lang="en-US" sz="2400" b="0" i="1" smtClean="0">
+                                  <a:latin typeface="Cambria Math" panose="02040503050406030204" pitchFamily="18" charset="0"/>
+                                </a:rPr>
+                              </m:ctrlPr>
+                            </m:sSubPr>
+                            <m:e>
+                              <m:r>
+                                <a:rPr lang="en-US" sz="2400" b="0" i="1" smtClean="0">
+                                  <a:latin typeface="Cambria Math" panose="02040503050406030204" pitchFamily="18" charset="0"/>
+                                </a:rPr>
+                                <m:t>𝑆</m:t>
+                              </m:r>
+                            </m:e>
+                            <m:sub>
+                              <m:r>
+                                <a:rPr lang="en-US" sz="2400" b="0" i="1" smtClean="0">
+                                  <a:latin typeface="Cambria Math" panose="02040503050406030204" pitchFamily="18" charset="0"/>
+                                </a:rPr>
+                                <m:t>𝑎</m:t>
+                              </m:r>
+                            </m:sub>
+                          </m:sSub>
+                        </m:num>
+                        <m:den>
+                          <m:r>
+                            <a:rPr lang="en-US" sz="2400" b="0" i="1" smtClean="0">
+                              <a:latin typeface="Cambria Math" panose="02040503050406030204" pitchFamily="18" charset="0"/>
+                            </a:rPr>
+                            <m:t>𝑀</m:t>
+                          </m:r>
+                          <m:r>
+                            <a:rPr lang="en-US" sz="2400" b="0" i="1" smtClean="0">
+                              <a:latin typeface="Cambria Math" panose="02040503050406030204" pitchFamily="18" charset="0"/>
+                            </a:rPr>
+                            <m:t>+</m:t>
+                          </m:r>
+                          <m:sSub>
+                            <m:sSubPr>
+                              <m:ctrlPr>
+                                <a:rPr lang="en-US" sz="2400" b="1" i="1" smtClean="0">
+                                  <a:solidFill>
+                                    <a:schemeClr val="accent6"/>
+                                  </a:solidFill>
+                                  <a:latin typeface="Cambria Math" panose="02040503050406030204" pitchFamily="18" charset="0"/>
+                                </a:rPr>
+                              </m:ctrlPr>
+                            </m:sSubPr>
+                            <m:e>
+                              <m:r>
+                                <a:rPr lang="en-US" sz="2400" b="1" i="1">
+                                  <a:solidFill>
+                                    <a:schemeClr val="accent6"/>
+                                  </a:solidFill>
+                                  <a:latin typeface="Cambria Math" panose="02040503050406030204" pitchFamily="18" charset="0"/>
+                                </a:rPr>
+                                <m:t>𝑭</m:t>
+                              </m:r>
+                            </m:e>
+                            <m:sub>
+                              <m:r>
+                                <a:rPr lang="en-US" sz="2400" b="1" i="1">
+                                  <a:solidFill>
+                                    <a:schemeClr val="accent6"/>
+                                  </a:solidFill>
+                                  <a:latin typeface="Cambria Math" panose="02040503050406030204" pitchFamily="18" charset="0"/>
+                                </a:rPr>
+                                <m:t>𝒚</m:t>
+                              </m:r>
+                            </m:sub>
+                          </m:sSub>
+                          <m:sSub>
+                            <m:sSubPr>
+                              <m:ctrlPr>
+                                <a:rPr lang="en-US" sz="2400" i="1">
+                                  <a:latin typeface="Cambria Math" panose="02040503050406030204" pitchFamily="18" charset="0"/>
+                                </a:rPr>
+                              </m:ctrlPr>
+                            </m:sSubPr>
+                            <m:e>
+                              <m:r>
+                                <a:rPr lang="en-US" sz="2400" i="1">
+                                  <a:latin typeface="Cambria Math" panose="02040503050406030204" pitchFamily="18" charset="0"/>
+                                </a:rPr>
+                                <m:t>𝑆</m:t>
+                              </m:r>
+                            </m:e>
+                            <m:sub>
+                              <m:r>
+                                <a:rPr lang="en-US" sz="2400" i="1">
+                                  <a:latin typeface="Cambria Math" panose="02040503050406030204" pitchFamily="18" charset="0"/>
+                                </a:rPr>
+                                <m:t>𝑎</m:t>
+                              </m:r>
+                            </m:sub>
+                          </m:sSub>
+                        </m:den>
+                      </m:f>
+                      <m:sSub>
+                        <m:sSubPr>
+                          <m:ctrlPr>
+                            <a:rPr lang="en-US" sz="2400" b="0" i="1" smtClean="0">
+                              <a:latin typeface="Cambria Math" panose="02040503050406030204" pitchFamily="18" charset="0"/>
+                            </a:rPr>
+                          </m:ctrlPr>
+                        </m:sSubPr>
+                        <m:e>
+                          <m:r>
+                            <a:rPr lang="en-US" sz="2400" b="0" i="1" smtClean="0">
+                              <a:latin typeface="Cambria Math" panose="02040503050406030204" pitchFamily="18" charset="0"/>
+                            </a:rPr>
+                            <m:t>𝑁</m:t>
+                          </m:r>
+                        </m:e>
+                        <m:sub>
+                          <m:r>
+                            <a:rPr lang="en-US" sz="2400" b="0" i="1" smtClean="0">
+                              <a:latin typeface="Cambria Math" panose="02040503050406030204" pitchFamily="18" charset="0"/>
+                            </a:rPr>
+                            <m:t>𝑦</m:t>
+                          </m:r>
+                          <m:r>
+                            <a:rPr lang="en-US" sz="2400" b="0" i="1" smtClean="0">
+                              <a:latin typeface="Cambria Math" panose="02040503050406030204" pitchFamily="18" charset="0"/>
+                            </a:rPr>
+                            <m:t>,</m:t>
+                          </m:r>
+                          <m:r>
+                            <a:rPr lang="en-US" sz="2400" b="0" i="1" smtClean="0">
+                              <a:latin typeface="Cambria Math" panose="02040503050406030204" pitchFamily="18" charset="0"/>
+                            </a:rPr>
+                            <m:t>𝑎</m:t>
+                          </m:r>
+                        </m:sub>
+                      </m:sSub>
+                      <m:d>
+                        <m:dPr>
+                          <m:ctrlPr>
+                            <a:rPr lang="en-US" sz="2400" b="0" i="1" smtClean="0">
+                              <a:latin typeface="Cambria Math" panose="02040503050406030204" pitchFamily="18" charset="0"/>
+                            </a:rPr>
+                          </m:ctrlPr>
+                        </m:dPr>
+                        <m:e>
+                          <m:r>
+                            <a:rPr lang="en-US" sz="2400" b="0" i="1" smtClean="0">
+                              <a:latin typeface="Cambria Math" panose="02040503050406030204" pitchFamily="18" charset="0"/>
+                            </a:rPr>
+                            <m:t>1−</m:t>
+                          </m:r>
+                          <m:func>
+                            <m:funcPr>
+                              <m:ctrlPr>
+                                <a:rPr lang="en-US" sz="2400" b="0" i="1" smtClean="0">
+                                  <a:latin typeface="Cambria Math" panose="02040503050406030204" pitchFamily="18" charset="0"/>
+                                </a:rPr>
+                              </m:ctrlPr>
+                            </m:funcPr>
+                            <m:fName>
+                              <m:r>
+                                <m:rPr>
+                                  <m:sty m:val="p"/>
+                                </m:rPr>
+                                <a:rPr lang="en-US" sz="2400" b="0" i="0" smtClean="0">
+                                  <a:latin typeface="Cambria Math" panose="02040503050406030204" pitchFamily="18" charset="0"/>
+                                </a:rPr>
+                                <m:t>exp</m:t>
+                              </m:r>
+                            </m:fName>
+                            <m:e>
+                              <m:d>
+                                <m:dPr>
+                                  <m:ctrlPr>
+                                    <a:rPr lang="en-US" sz="2400" b="0" i="1" smtClean="0">
+                                      <a:latin typeface="Cambria Math" panose="02040503050406030204" pitchFamily="18" charset="0"/>
+                                    </a:rPr>
+                                  </m:ctrlPr>
+                                </m:dPr>
+                                <m:e>
+                                  <m:r>
+                                    <a:rPr lang="en-US" sz="2400" b="0" i="1" smtClean="0">
+                                      <a:latin typeface="Cambria Math" panose="02040503050406030204" pitchFamily="18" charset="0"/>
+                                    </a:rPr>
+                                    <m:t>−</m:t>
+                                  </m:r>
+                                  <m:r>
+                                    <a:rPr lang="en-US" sz="2400" b="0" i="1" smtClean="0">
+                                      <a:latin typeface="Cambria Math" panose="02040503050406030204" pitchFamily="18" charset="0"/>
+                                    </a:rPr>
+                                    <m:t>𝑀</m:t>
+                                  </m:r>
+                                  <m:r>
+                                    <a:rPr lang="en-US" sz="2400" b="0" i="1" smtClean="0">
+                                      <a:latin typeface="Cambria Math" panose="02040503050406030204" pitchFamily="18" charset="0"/>
+                                    </a:rPr>
+                                    <m:t>−</m:t>
+                                  </m:r>
+                                  <m:sSub>
+                                    <m:sSubPr>
+                                      <m:ctrlPr>
+                                        <a:rPr lang="en-US" sz="2400" b="1" i="1" smtClean="0">
+                                          <a:solidFill>
+                                            <a:schemeClr val="accent6"/>
+                                          </a:solidFill>
+                                          <a:latin typeface="Cambria Math" panose="02040503050406030204" pitchFamily="18" charset="0"/>
+                                        </a:rPr>
+                                      </m:ctrlPr>
+                                    </m:sSubPr>
+                                    <m:e>
+                                      <m:r>
+                                        <a:rPr lang="en-US" sz="2400" b="1" i="1" smtClean="0">
+                                          <a:solidFill>
+                                            <a:schemeClr val="accent6"/>
+                                          </a:solidFill>
+                                          <a:latin typeface="Cambria Math" panose="02040503050406030204" pitchFamily="18" charset="0"/>
+                                        </a:rPr>
+                                        <m:t>𝑭</m:t>
+                                      </m:r>
+                                    </m:e>
+                                    <m:sub>
+                                      <m:r>
+                                        <a:rPr lang="en-US" sz="2400" b="1" i="1" smtClean="0">
+                                          <a:solidFill>
+                                            <a:schemeClr val="accent6"/>
+                                          </a:solidFill>
+                                          <a:latin typeface="Cambria Math" panose="02040503050406030204" pitchFamily="18" charset="0"/>
+                                        </a:rPr>
+                                        <m:t>𝒚</m:t>
+                                      </m:r>
+                                    </m:sub>
+                                  </m:sSub>
+                                  <m:sSub>
+                                    <m:sSubPr>
+                                      <m:ctrlPr>
+                                        <a:rPr lang="en-US" sz="2400" b="0" i="1" smtClean="0">
+                                          <a:latin typeface="Cambria Math" panose="02040503050406030204" pitchFamily="18" charset="0"/>
+                                        </a:rPr>
+                                      </m:ctrlPr>
+                                    </m:sSubPr>
+                                    <m:e>
+                                      <m:r>
+                                        <a:rPr lang="en-US" sz="2400" b="0" i="1" smtClean="0">
+                                          <a:latin typeface="Cambria Math" panose="02040503050406030204" pitchFamily="18" charset="0"/>
+                                        </a:rPr>
+                                        <m:t>𝑆</m:t>
+                                      </m:r>
+                                    </m:e>
+                                    <m:sub>
+                                      <m:r>
+                                        <a:rPr lang="en-US" sz="2400" b="0" i="1" smtClean="0">
+                                          <a:latin typeface="Cambria Math" panose="02040503050406030204" pitchFamily="18" charset="0"/>
+                                        </a:rPr>
+                                        <m:t>𝑎</m:t>
+                                      </m:r>
+                                    </m:sub>
+                                  </m:sSub>
+                                </m:e>
+                              </m:d>
+                            </m:e>
+                          </m:func>
+                        </m:e>
+                      </m:d>
+                    </m:oMath>
+                  </m:oMathPara>
+                </a14:m>
+                <a:endParaRPr lang="en-US" sz="2400" b="0" dirty="0"/>
+              </a:p>
+              <a:p>
+                <a14:m>
+                  <m:oMathPara xmlns:m="http://schemas.openxmlformats.org/officeDocument/2006/math">
+                    <m:oMathParaPr>
+                      <m:jc m:val="centerGroup"/>
+                    </m:oMathParaPr>
+                    <m:oMath xmlns:m="http://schemas.openxmlformats.org/officeDocument/2006/math">
+                      <m:sSub>
+                        <m:sSubPr>
+                          <m:ctrlPr>
+                            <a:rPr lang="en-US" sz="2400" i="1" smtClean="0">
+                              <a:latin typeface="Cambria Math" panose="02040503050406030204" pitchFamily="18" charset="0"/>
+                            </a:rPr>
+                          </m:ctrlPr>
+                        </m:sSubPr>
+                        <m:e>
+                          <m:r>
+                            <a:rPr lang="en-US" sz="2400" b="0" i="1" smtClean="0">
+                              <a:latin typeface="Cambria Math" panose="02040503050406030204" pitchFamily="18" charset="0"/>
+                            </a:rPr>
+                            <m:t>𝐶</m:t>
+                          </m:r>
+                        </m:e>
+                        <m:sub>
+                          <m:r>
+                            <a:rPr lang="en-US" sz="2400" b="0" i="1" smtClean="0">
+                              <a:latin typeface="Cambria Math" panose="02040503050406030204" pitchFamily="18" charset="0"/>
+                            </a:rPr>
+                            <m:t>𝑦</m:t>
+                          </m:r>
+                        </m:sub>
+                      </m:sSub>
+                      <m:r>
+                        <a:rPr lang="en-US" sz="2400" b="0" i="1" smtClean="0">
+                          <a:latin typeface="Cambria Math" panose="02040503050406030204" pitchFamily="18" charset="0"/>
+                        </a:rPr>
+                        <m:t>=</m:t>
+                      </m:r>
+                      <m:nary>
+                        <m:naryPr>
+                          <m:chr m:val="∑"/>
+                          <m:subHide m:val="on"/>
+                          <m:supHide m:val="on"/>
+                          <m:ctrlPr>
+                            <a:rPr lang="en-US" sz="2400" b="0" i="1" smtClean="0">
+                              <a:latin typeface="Cambria Math" panose="02040503050406030204" pitchFamily="18" charset="0"/>
+                            </a:rPr>
+                          </m:ctrlPr>
+                        </m:naryPr>
+                        <m:sub/>
+                        <m:sup/>
+                        <m:e>
+                          <m:sSub>
+                            <m:sSubPr>
+                              <m:ctrlPr>
+                                <a:rPr lang="en-US" sz="2400" b="0" i="1" smtClean="0">
+                                  <a:latin typeface="Cambria Math" panose="02040503050406030204" pitchFamily="18" charset="0"/>
+                                </a:rPr>
+                              </m:ctrlPr>
+                            </m:sSubPr>
+                            <m:e>
+                              <m:r>
+                                <a:rPr lang="en-US" sz="2400" b="0" i="1" smtClean="0">
+                                  <a:latin typeface="Cambria Math" panose="02040503050406030204" pitchFamily="18" charset="0"/>
+                                </a:rPr>
+                                <m:t>𝑊</m:t>
+                              </m:r>
+                            </m:e>
+                            <m:sub>
+                              <m:r>
+                                <a:rPr lang="en-US" sz="2400" b="0" i="1" smtClean="0">
+                                  <a:latin typeface="Cambria Math" panose="02040503050406030204" pitchFamily="18" charset="0"/>
+                                </a:rPr>
+                                <m:t>𝑎</m:t>
+                              </m:r>
+                            </m:sub>
+                          </m:sSub>
+                          <m:sSub>
+                            <m:sSubPr>
+                              <m:ctrlPr>
+                                <a:rPr lang="en-US" sz="2400" b="0" i="1" smtClean="0">
+                                  <a:latin typeface="Cambria Math" panose="02040503050406030204" pitchFamily="18" charset="0"/>
+                                </a:rPr>
+                              </m:ctrlPr>
+                            </m:sSubPr>
+                            <m:e>
+                              <m:r>
+                                <a:rPr lang="en-US" sz="2400" b="0" i="1" smtClean="0">
+                                  <a:latin typeface="Cambria Math" panose="02040503050406030204" pitchFamily="18" charset="0"/>
+                                </a:rPr>
+                                <m:t>𝑃</m:t>
+                              </m:r>
+                            </m:e>
+                            <m:sub>
+                              <m:r>
+                                <a:rPr lang="en-US" sz="2400" b="0" i="1" smtClean="0">
+                                  <a:latin typeface="Cambria Math" panose="02040503050406030204" pitchFamily="18" charset="0"/>
+                                </a:rPr>
+                                <m:t>𝑦</m:t>
+                              </m:r>
+                              <m:r>
+                                <a:rPr lang="en-US" sz="2400" b="0" i="1" smtClean="0">
+                                  <a:latin typeface="Cambria Math" panose="02040503050406030204" pitchFamily="18" charset="0"/>
+                                </a:rPr>
+                                <m:t>,</m:t>
+                              </m:r>
+                              <m:r>
+                                <a:rPr lang="en-US" sz="2400" b="0" i="1" smtClean="0">
+                                  <a:latin typeface="Cambria Math" panose="02040503050406030204" pitchFamily="18" charset="0"/>
+                                </a:rPr>
+                                <m:t>𝑎</m:t>
+                              </m:r>
+                            </m:sub>
+                          </m:sSub>
+                        </m:e>
+                      </m:nary>
+                    </m:oMath>
+                  </m:oMathPara>
+                </a14:m>
+                <a:endParaRPr lang="en-US" sz="2400" b="0" dirty="0"/>
+              </a:p>
+              <a:p>
+                <a14:m>
+                  <m:oMathPara xmlns:m="http://schemas.openxmlformats.org/officeDocument/2006/math">
+                    <m:oMathParaPr>
+                      <m:jc m:val="centerGroup"/>
+                    </m:oMathParaPr>
+                    <m:oMath xmlns:m="http://schemas.openxmlformats.org/officeDocument/2006/math">
+                      <m:sSub>
+                        <m:sSubPr>
+                          <m:ctrlPr>
+                            <a:rPr lang="en-US" sz="2400" i="1" smtClean="0">
+                              <a:latin typeface="Cambria Math" panose="02040503050406030204" pitchFamily="18" charset="0"/>
+                            </a:rPr>
+                          </m:ctrlPr>
+                        </m:sSubPr>
+                        <m:e>
+                          <m:r>
+                            <a:rPr lang="en-US" sz="2400" b="0" i="1" smtClean="0">
+                              <a:latin typeface="Cambria Math" panose="02040503050406030204" pitchFamily="18" charset="0"/>
+                            </a:rPr>
+                            <m:t>𝐶𝑃𝑈𝐸</m:t>
+                          </m:r>
+                        </m:e>
+                        <m:sub>
+                          <m:r>
+                            <a:rPr lang="en-US" sz="2400" b="0" i="1" smtClean="0">
+                              <a:latin typeface="Cambria Math" panose="02040503050406030204" pitchFamily="18" charset="0"/>
+                            </a:rPr>
+                            <m:t>𝑦</m:t>
+                          </m:r>
+                        </m:sub>
+                      </m:sSub>
+                      <m:r>
+                        <a:rPr lang="en-US" sz="2400" b="0" i="1" smtClean="0">
+                          <a:latin typeface="Cambria Math" panose="02040503050406030204" pitchFamily="18" charset="0"/>
+                        </a:rPr>
+                        <m:t>=</m:t>
+                      </m:r>
+                      <m:r>
+                        <a:rPr lang="en-US" sz="2400" b="1" i="1" smtClean="0">
+                          <a:solidFill>
+                            <a:schemeClr val="accent6"/>
+                          </a:solidFill>
+                          <a:latin typeface="Cambria Math" panose="02040503050406030204" pitchFamily="18" charset="0"/>
+                        </a:rPr>
+                        <m:t>𝒒</m:t>
+                      </m:r>
+                      <m:sSub>
+                        <m:sSubPr>
+                          <m:ctrlPr>
+                            <a:rPr lang="en-US" sz="2400" b="0" i="1" smtClean="0">
+                              <a:latin typeface="Cambria Math" panose="02040503050406030204" pitchFamily="18" charset="0"/>
+                            </a:rPr>
+                          </m:ctrlPr>
+                        </m:sSubPr>
+                        <m:e>
+                          <m:r>
+                            <a:rPr lang="en-US" sz="2400" b="0" i="1" smtClean="0">
+                              <a:latin typeface="Cambria Math" panose="02040503050406030204" pitchFamily="18" charset="0"/>
+                            </a:rPr>
+                            <m:t>𝐵</m:t>
+                          </m:r>
+                        </m:e>
+                        <m:sub>
+                          <m:r>
+                            <a:rPr lang="en-US" sz="2400" b="0" i="1" smtClean="0">
+                              <a:latin typeface="Cambria Math" panose="02040503050406030204" pitchFamily="18" charset="0"/>
+                            </a:rPr>
+                            <m:t>𝑦</m:t>
+                          </m:r>
+                        </m:sub>
+                      </m:sSub>
+                    </m:oMath>
+                  </m:oMathPara>
+                </a14:m>
+                <a:endParaRPr lang="en-US" sz="2400" dirty="0"/>
+              </a:p>
+            </p:txBody>
+          </p:sp>
+        </mc:Choice>
+        <mc:Fallback>
+          <p:sp>
+            <p:nvSpPr>
+              <p:cNvPr id="9" name="TextBox 8">
+                <a:extLst>
+                  <a:ext uri="{FF2B5EF4-FFF2-40B4-BE49-F238E27FC236}">
+                    <a16:creationId xmlns:a16="http://schemas.microsoft.com/office/drawing/2014/main" id="{81091F09-6800-4090-BE47-C2F6F9C65B3F}"/>
+                  </a:ext>
+                </a:extLst>
+              </p:cNvPr>
+              <p:cNvSpPr txBox="1">
+                <a:spLocks noRot="1" noChangeAspect="1" noMove="1" noResize="1" noEditPoints="1" noAdjustHandles="1" noChangeArrowheads="1" noChangeShapeType="1" noTextEdit="1"/>
+              </p:cNvSpPr>
+              <p:nvPr/>
+            </p:nvSpPr>
+            <p:spPr>
+              <a:xfrm>
+                <a:off x="5039584" y="4666506"/>
+                <a:ext cx="6125721" cy="2109808"/>
+              </a:xfrm>
+              <a:prstGeom prst="rect">
+                <a:avLst/>
+              </a:prstGeom>
+              <a:blipFill>
+                <a:blip r:embed="rId4"/>
+                <a:stretch>
+                  <a:fillRect b="-2890"/>
+                </a:stretch>
+              </a:blipFill>
+            </p:spPr>
+            <p:txBody>
+              <a:bodyPr/>
+              <a:lstStyle/>
+              <a:p>
+                <a:r>
+                  <a:rPr lang="en-US">
+                    <a:noFill/>
+                  </a:rPr>
+                  <a:t> </a:t>
+                </a:r>
+              </a:p>
+            </p:txBody>
+          </p:sp>
+        </mc:Fallback>
+      </mc:AlternateContent>
     </p:spTree>
     <p:extLst>
       <p:ext uri="{BB962C8B-B14F-4D97-AF65-F5344CB8AC3E}">
-        <p14:creationId xmlns:p14="http://schemas.microsoft.com/office/powerpoint/2010/main" val="3022565805"/>
+        <p14:creationId xmlns:p14="http://schemas.microsoft.com/office/powerpoint/2010/main" val="1422583379"/>
       </p:ext>
     </p:extLst>
   </p:cSld>
@@ -5464,7 +6580,7 @@
           <p:cNvPr id="2" name="Title 1">
             <a:extLst>
               <a:ext uri="{FF2B5EF4-FFF2-40B4-BE49-F238E27FC236}">
-                <a16:creationId xmlns:a16="http://schemas.microsoft.com/office/drawing/2014/main" id="{4A2513D6-A847-4081-B568-39368AFC2F66}"/>
+                <a16:creationId xmlns:a16="http://schemas.microsoft.com/office/drawing/2014/main" id="{684F160C-718A-4C63-8FCF-FC9F152B3651}"/>
               </a:ext>
             </a:extLst>
           </p:cNvPr>
@@ -5482,7 +6598,7 @@
           <a:p>
             <a:r>
               <a:rPr lang="en-US" dirty="0"/>
-              <a:t>Statistical catch-at-age example</a:t>
+              <a:t>SCA example 1: Likelihood</a:t>
             </a:r>
           </a:p>
         </p:txBody>
@@ -5492,7 +6608,7 @@
           <p:cNvPr id="3" name="Content Placeholder 2">
             <a:extLst>
               <a:ext uri="{FF2B5EF4-FFF2-40B4-BE49-F238E27FC236}">
-                <a16:creationId xmlns:a16="http://schemas.microsoft.com/office/drawing/2014/main" id="{7BC9F1E3-679E-4897-91F3-4D8BE8F85ED4}"/>
+                <a16:creationId xmlns:a16="http://schemas.microsoft.com/office/drawing/2014/main" id="{BB83428D-AA06-494A-9901-CA74204D5E0D}"/>
               </a:ext>
             </a:extLst>
           </p:cNvPr>
@@ -5503,12 +6619,7 @@
             <p:ph idx="1"/>
           </p:nvPr>
         </p:nvSpPr>
-        <p:spPr>
-          <a:xfrm>
-            <a:off x="883920" y="1713499"/>
-            <a:ext cx="10515600" cy="4351338"/>
-          </a:xfrm>
-        </p:spPr>
+        <p:spPr/>
         <p:txBody>
           <a:bodyPr/>
           <a:lstStyle/>
@@ -5517,10 +6628,27 @@
               <a:buNone/>
             </a:pPr>
             <a:r>
-              <a:rPr lang="en-US" sz="3200" dirty="0"/>
-              <a:t>Likelihoods</a:t>
-            </a:r>
-            <a:endParaRPr lang="en-US" dirty="0"/>
+              <a:rPr lang="en-US" dirty="0"/>
+              <a:t>FUNCTIONS</a:t>
+            </a:r>
+          </a:p>
+          <a:p>
+            <a:pPr marL="0" indent="0">
+              <a:buNone/>
+            </a:pPr>
+            <a:r>
+              <a:rPr lang="en-US" dirty="0"/>
+              <a:t>4) Likelihood</a:t>
+            </a:r>
+          </a:p>
+          <a:p>
+            <a:pPr marL="0" indent="0">
+              <a:buNone/>
+            </a:pPr>
+            <a:r>
+              <a:rPr lang="en-US" dirty="0"/>
+              <a:t>Catch (Normal)				Catch-at-age (Multinomial)</a:t>
+            </a:r>
           </a:p>
           <a:p>
             <a:pPr marL="0" indent="0">
@@ -5532,10 +6660,7 @@
             <a:pPr marL="0" indent="0">
               <a:buNone/>
             </a:pPr>
-            <a:r>
-              <a:rPr lang="en-US" dirty="0"/>
-              <a:t>Catch			CPUE		Catch-at-age</a:t>
-            </a:r>
+            <a:endParaRPr lang="en-US" dirty="0"/>
           </a:p>
           <a:p>
             <a:pPr marL="0" indent="0">
@@ -5543,345 +6668,974 @@
             </a:pPr>
             <a:endParaRPr lang="en-US" dirty="0"/>
           </a:p>
+          <a:p>
+            <a:pPr marL="0" indent="0">
+              <a:buNone/>
+            </a:pPr>
+            <a:r>
+              <a:rPr lang="en-US" dirty="0"/>
+              <a:t>CPUE (Lognormal)</a:t>
+            </a:r>
+          </a:p>
+          <a:p>
+            <a:pPr marL="0" indent="0">
+              <a:buNone/>
+            </a:pPr>
+            <a:endParaRPr lang="en-US" dirty="0"/>
+          </a:p>
+          <a:p>
+            <a:pPr marL="0" indent="0">
+              <a:buNone/>
+            </a:pPr>
+            <a:endParaRPr lang="en-US" dirty="0"/>
+          </a:p>
+          <a:p>
+            <a:pPr marL="0" indent="0">
+              <a:buNone/>
+            </a:pPr>
+            <a:endParaRPr lang="en-US" dirty="0"/>
+          </a:p>
         </p:txBody>
       </p:sp>
-      <p:graphicFrame>
-        <p:nvGraphicFramePr>
-          <p:cNvPr id="4" name="Object 5">
-            <a:extLst>
-              <a:ext uri="{FF2B5EF4-FFF2-40B4-BE49-F238E27FC236}">
-                <a16:creationId xmlns:a16="http://schemas.microsoft.com/office/drawing/2014/main" id="{A688E68B-D7AC-4AB2-8923-2F3AB6393E0D}"/>
-              </a:ext>
-            </a:extLst>
-          </p:cNvPr>
-          <p:cNvGraphicFramePr>
-            <a:graphicFrameLocks noChangeAspect="1"/>
-          </p:cNvGraphicFramePr>
-          <p:nvPr>
-            <p:extLst>
-              <p:ext uri="{D42A27DB-BD31-4B8C-83A1-F6EECF244321}">
-                <p14:modId xmlns:p14="http://schemas.microsoft.com/office/powerpoint/2010/main" val="532898316"/>
-              </p:ext>
-            </p:extLst>
-          </p:nvPr>
-        </p:nvGraphicFramePr>
-        <p:xfrm>
-          <a:off x="489858" y="3198223"/>
-          <a:ext cx="2239963" cy="914400"/>
-        </p:xfrm>
-        <a:graphic>
-          <a:graphicData uri="http://schemas.openxmlformats.org/presentationml/2006/ole">
-            <mc:AlternateContent xmlns:mc="http://schemas.openxmlformats.org/markup-compatibility/2006">
-              <mc:Choice xmlns:v="urn:schemas-microsoft-com:vml" Requires="v">
-                <p:oleObj spid="_x0000_s1107" name="Equation" r:id="rId3" imgW="1244600" imgH="508000" progId="Equation.DSMT4">
-                  <p:embed/>
-                </p:oleObj>
-              </mc:Choice>
-              <mc:Fallback>
-                <p:oleObj name="Equation" r:id="rId3" imgW="1244600" imgH="508000" progId="Equation.DSMT4">
-                  <p:embed/>
-                  <p:pic>
-                    <p:nvPicPr>
-                      <p:cNvPr id="11268" name="Object 5">
-                        <a:extLst>
-                          <a:ext uri="{FF2B5EF4-FFF2-40B4-BE49-F238E27FC236}">
-                            <a16:creationId xmlns:a16="http://schemas.microsoft.com/office/drawing/2014/main" id="{2B5F033F-AAB0-4DEF-92BE-86C95296DD8D}"/>
-                          </a:ext>
-                        </a:extLst>
-                      </p:cNvPr>
-                      <p:cNvPicPr>
-                        <a:picLocks noChangeAspect="1" noChangeArrowheads="1"/>
-                      </p:cNvPicPr>
-                      <p:nvPr/>
-                    </p:nvPicPr>
-                    <p:blipFill>
-                      <a:blip r:embed="rId4">
-                        <a:extLst>
-                          <a:ext uri="{28A0092B-C50C-407E-A947-70E740481C1C}">
-                            <a14:useLocalDpi xmlns:a14="http://schemas.microsoft.com/office/drawing/2010/main" val="0"/>
-                          </a:ext>
-                        </a:extLst>
-                      </a:blip>
-                      <a:srcRect/>
-                      <a:stretch>
-                        <a:fillRect/>
-                      </a:stretch>
-                    </p:blipFill>
-                    <p:spPr bwMode="auto">
-                      <a:xfrm>
-                        <a:off x="489858" y="3198223"/>
-                        <a:ext cx="2239963" cy="914400"/>
-                      </a:xfrm>
-                      <a:prstGeom prst="rect">
-                        <a:avLst/>
-                      </a:prstGeom>
-                      <a:noFill/>
-                      <a:ln>
-                        <a:noFill/>
-                      </a:ln>
-                      <a:effectLst/>
-                      <a:extLst>
-                        <a:ext uri="{909E8E84-426E-40DD-AFC4-6F175D3DCCD1}">
-                          <a14:hiddenFill xmlns:a14="http://schemas.microsoft.com/office/drawing/2010/main">
-                            <a:solidFill>
-                              <a:srgbClr val="FFFFFF"/>
-                            </a:solidFill>
-                          </a14:hiddenFill>
-                        </a:ext>
-                        <a:ext uri="{91240B29-F687-4F45-9708-019B960494DF}">
-                          <a14:hiddenLine xmlns:a14="http://schemas.microsoft.com/office/drawing/2010/main" w="9525">
-                            <a:solidFill>
-                              <a:srgbClr val="000000"/>
-                            </a:solidFill>
-                            <a:miter lim="800000"/>
-                            <a:headEnd/>
-                            <a:tailEnd/>
-                          </a14:hiddenLine>
-                        </a:ext>
-                        <a:ext uri="{AF507438-7753-43E0-B8FC-AC1667EBCBE1}">
-                          <a14:hiddenEffects xmlns:a14="http://schemas.microsoft.com/office/drawing/2010/main">
-                            <a:effectLst>
-                              <a:outerShdw dist="35921" dir="2700000" algn="ctr" rotWithShape="0">
-                                <a:srgbClr val="808080"/>
-                              </a:outerShdw>
-                            </a:effectLst>
-                          </a14:hiddenEffects>
-                        </a:ext>
-                      </a:extLst>
-                    </p:spPr>
-                  </p:pic>
-                </p:oleObj>
-              </mc:Fallback>
-            </mc:AlternateContent>
-          </a:graphicData>
-        </a:graphic>
-      </p:graphicFrame>
-      <p:graphicFrame>
-        <p:nvGraphicFramePr>
-          <p:cNvPr id="5" name="Object 13">
-            <a:extLst>
-              <a:ext uri="{FF2B5EF4-FFF2-40B4-BE49-F238E27FC236}">
-                <a16:creationId xmlns:a16="http://schemas.microsoft.com/office/drawing/2014/main" id="{8D44599D-6E2F-4818-9574-43F4C0760005}"/>
-              </a:ext>
-            </a:extLst>
-          </p:cNvPr>
-          <p:cNvGraphicFramePr>
-            <a:graphicFrameLocks noChangeAspect="1"/>
-          </p:cNvGraphicFramePr>
-          <p:nvPr>
-            <p:extLst>
-              <p:ext uri="{D42A27DB-BD31-4B8C-83A1-F6EECF244321}">
-                <p14:modId xmlns:p14="http://schemas.microsoft.com/office/powerpoint/2010/main" val="2342228579"/>
-              </p:ext>
-            </p:extLst>
-          </p:nvPr>
-        </p:nvGraphicFramePr>
-        <p:xfrm>
-          <a:off x="3538493" y="3275214"/>
-          <a:ext cx="3016250" cy="760413"/>
-        </p:xfrm>
-        <a:graphic>
-          <a:graphicData uri="http://schemas.openxmlformats.org/presentationml/2006/ole">
-            <mc:AlternateContent xmlns:mc="http://schemas.openxmlformats.org/markup-compatibility/2006">
-              <mc:Choice xmlns:v="urn:schemas-microsoft-com:vml" Requires="v">
-                <p:oleObj spid="_x0000_s1108" name="Equation" r:id="rId5" imgW="1663700" imgH="419100" progId="Equation.DSMT4">
-                  <p:embed/>
-                </p:oleObj>
-              </mc:Choice>
-              <mc:Fallback>
-                <p:oleObj name="Equation" r:id="rId5" imgW="1663700" imgH="419100" progId="Equation.DSMT4">
-                  <p:embed/>
-                  <p:pic>
-                    <p:nvPicPr>
-                      <p:cNvPr id="11272" name="Object 13">
-                        <a:extLst>
-                          <a:ext uri="{FF2B5EF4-FFF2-40B4-BE49-F238E27FC236}">
-                            <a16:creationId xmlns:a16="http://schemas.microsoft.com/office/drawing/2014/main" id="{6442B5DC-6659-4A08-92D0-01C0FE419D97}"/>
-                          </a:ext>
-                        </a:extLst>
-                      </p:cNvPr>
-                      <p:cNvPicPr>
-                        <a:picLocks noChangeAspect="1" noChangeArrowheads="1"/>
-                      </p:cNvPicPr>
-                      <p:nvPr/>
-                    </p:nvPicPr>
-                    <p:blipFill>
-                      <a:blip r:embed="rId6">
-                        <a:extLst>
-                          <a:ext uri="{28A0092B-C50C-407E-A947-70E740481C1C}">
-                            <a14:useLocalDpi xmlns:a14="http://schemas.microsoft.com/office/drawing/2010/main" val="0"/>
-                          </a:ext>
-                        </a:extLst>
-                      </a:blip>
-                      <a:srcRect/>
-                      <a:stretch>
-                        <a:fillRect/>
-                      </a:stretch>
-                    </p:blipFill>
-                    <p:spPr bwMode="auto">
-                      <a:xfrm>
-                        <a:off x="3538493" y="3275214"/>
-                        <a:ext cx="3016250" cy="760413"/>
-                      </a:xfrm>
-                      <a:prstGeom prst="rect">
-                        <a:avLst/>
-                      </a:prstGeom>
-                      <a:noFill/>
-                      <a:ln>
-                        <a:noFill/>
-                      </a:ln>
-                      <a:effectLst/>
-                      <a:extLst>
-                        <a:ext uri="{909E8E84-426E-40DD-AFC4-6F175D3DCCD1}">
-                          <a14:hiddenFill xmlns:a14="http://schemas.microsoft.com/office/drawing/2010/main">
-                            <a:solidFill>
-                              <a:srgbClr val="FFFFFF"/>
-                            </a:solidFill>
-                          </a14:hiddenFill>
-                        </a:ext>
-                        <a:ext uri="{91240B29-F687-4F45-9708-019B960494DF}">
-                          <a14:hiddenLine xmlns:a14="http://schemas.microsoft.com/office/drawing/2010/main" w="9525">
-                            <a:solidFill>
-                              <a:srgbClr val="000000"/>
-                            </a:solidFill>
-                            <a:miter lim="800000"/>
-                            <a:headEnd/>
-                            <a:tailEnd/>
-                          </a14:hiddenLine>
-                        </a:ext>
-                        <a:ext uri="{AF507438-7753-43E0-B8FC-AC1667EBCBE1}">
-                          <a14:hiddenEffects xmlns:a14="http://schemas.microsoft.com/office/drawing/2010/main">
-                            <a:effectLst>
-                              <a:outerShdw dist="35921" dir="2700000" algn="ctr" rotWithShape="0">
-                                <a:srgbClr val="808080"/>
-                              </a:outerShdw>
-                            </a:effectLst>
-                          </a14:hiddenEffects>
-                        </a:ext>
-                      </a:extLst>
-                    </p:spPr>
-                  </p:pic>
-                </p:oleObj>
-              </mc:Fallback>
-            </mc:AlternateContent>
-          </a:graphicData>
-        </a:graphic>
-      </p:graphicFrame>
-      <p:graphicFrame>
-        <p:nvGraphicFramePr>
-          <p:cNvPr id="7" name="Object 7">
-            <a:extLst>
-              <a:ext uri="{FF2B5EF4-FFF2-40B4-BE49-F238E27FC236}">
-                <a16:creationId xmlns:a16="http://schemas.microsoft.com/office/drawing/2014/main" id="{86F4844D-E387-4AD5-A019-F7534236DA2F}"/>
-              </a:ext>
-            </a:extLst>
-          </p:cNvPr>
-          <p:cNvGraphicFramePr>
-            <a:graphicFrameLocks noChangeAspect="1"/>
-          </p:cNvGraphicFramePr>
-          <p:nvPr>
-            <p:extLst>
-              <p:ext uri="{D42A27DB-BD31-4B8C-83A1-F6EECF244321}">
-                <p14:modId xmlns:p14="http://schemas.microsoft.com/office/powerpoint/2010/main" val="2770925752"/>
-              </p:ext>
-            </p:extLst>
-          </p:nvPr>
-        </p:nvGraphicFramePr>
-        <p:xfrm>
-          <a:off x="7471955" y="3345859"/>
-          <a:ext cx="3181350" cy="619125"/>
-        </p:xfrm>
-        <a:graphic>
-          <a:graphicData uri="http://schemas.openxmlformats.org/presentationml/2006/ole">
-            <mc:AlternateContent xmlns:mc="http://schemas.openxmlformats.org/markup-compatibility/2006">
-              <mc:Choice xmlns:v="urn:schemas-microsoft-com:vml" Requires="v">
-                <p:oleObj spid="_x0000_s1109" name="Equation" r:id="rId7" imgW="1828800" imgH="355600" progId="Equation.DSMT4">
-                  <p:embed/>
-                </p:oleObj>
-              </mc:Choice>
-              <mc:Fallback>
-                <p:oleObj name="Equation" r:id="rId7" imgW="1828800" imgH="355600" progId="Equation.DSMT4">
-                  <p:embed/>
-                  <p:pic>
-                    <p:nvPicPr>
-                      <p:cNvPr id="11269" name="Object 7">
-                        <a:extLst>
-                          <a:ext uri="{FF2B5EF4-FFF2-40B4-BE49-F238E27FC236}">
-                            <a16:creationId xmlns:a16="http://schemas.microsoft.com/office/drawing/2014/main" id="{219562D8-D001-48B9-AA50-2699A498AB66}"/>
-                          </a:ext>
-                        </a:extLst>
-                      </p:cNvPr>
-                      <p:cNvPicPr>
-                        <a:picLocks noChangeAspect="1" noChangeArrowheads="1"/>
-                      </p:cNvPicPr>
-                      <p:nvPr/>
-                    </p:nvPicPr>
-                    <p:blipFill>
-                      <a:blip r:embed="rId8">
-                        <a:extLst>
-                          <a:ext uri="{28A0092B-C50C-407E-A947-70E740481C1C}">
-                            <a14:useLocalDpi xmlns:a14="http://schemas.microsoft.com/office/drawing/2010/main" val="0"/>
-                          </a:ext>
-                        </a:extLst>
-                      </a:blip>
-                      <a:srcRect/>
-                      <a:stretch>
-                        <a:fillRect/>
-                      </a:stretch>
-                    </p:blipFill>
-                    <p:spPr bwMode="auto">
-                      <a:xfrm>
-                        <a:off x="7471955" y="3345859"/>
-                        <a:ext cx="3181350" cy="619125"/>
-                      </a:xfrm>
-                      <a:prstGeom prst="rect">
-                        <a:avLst/>
-                      </a:prstGeom>
-                      <a:noFill/>
-                      <a:ln>
-                        <a:noFill/>
-                      </a:ln>
-                      <a:effectLst/>
-                      <a:extLst>
-                        <a:ext uri="{909E8E84-426E-40DD-AFC4-6F175D3DCCD1}">
-                          <a14:hiddenFill xmlns:a14="http://schemas.microsoft.com/office/drawing/2010/main">
-                            <a:solidFill>
-                              <a:srgbClr val="FFFFFF"/>
-                            </a:solidFill>
-                          </a14:hiddenFill>
-                        </a:ext>
-                        <a:ext uri="{91240B29-F687-4F45-9708-019B960494DF}">
-                          <a14:hiddenLine xmlns:a14="http://schemas.microsoft.com/office/drawing/2010/main" w="9525">
-                            <a:solidFill>
-                              <a:srgbClr val="000000"/>
-                            </a:solidFill>
-                            <a:miter lim="800000"/>
-                            <a:headEnd/>
-                            <a:tailEnd/>
-                          </a14:hiddenLine>
-                        </a:ext>
-                        <a:ext uri="{AF507438-7753-43E0-B8FC-AC1667EBCBE1}">
-                          <a14:hiddenEffects xmlns:a14="http://schemas.microsoft.com/office/drawing/2010/main">
-                            <a:effectLst>
-                              <a:outerShdw dist="35921" dir="2700000" algn="ctr" rotWithShape="0">
-                                <a:srgbClr val="808080"/>
-                              </a:outerShdw>
-                            </a:effectLst>
-                          </a14:hiddenEffects>
-                        </a:ext>
-                      </a:extLst>
-                    </p:spPr>
-                  </p:pic>
-                </p:oleObj>
-              </mc:Fallback>
-            </mc:AlternateContent>
-          </a:graphicData>
-        </a:graphic>
-      </p:graphicFrame>
+      <mc:AlternateContent xmlns:mc="http://schemas.openxmlformats.org/markup-compatibility/2006">
+        <mc:Choice xmlns:a14="http://schemas.microsoft.com/office/drawing/2010/main" Requires="a14">
+          <p:sp>
+            <p:nvSpPr>
+              <p:cNvPr id="4" name="TextBox 3">
+                <a:extLst>
+                  <a:ext uri="{FF2B5EF4-FFF2-40B4-BE49-F238E27FC236}">
+                    <a16:creationId xmlns:a16="http://schemas.microsoft.com/office/drawing/2014/main" id="{61C9633C-EE68-4794-B6DB-52D671BBE3F0}"/>
+                  </a:ext>
+                </a:extLst>
+              </p:cNvPr>
+              <p:cNvSpPr txBox="1"/>
+              <p:nvPr/>
+            </p:nvSpPr>
+            <p:spPr>
+              <a:xfrm>
+                <a:off x="838200" y="3429000"/>
+                <a:ext cx="2696507" cy="704039"/>
+              </a:xfrm>
+              <a:prstGeom prst="rect">
+                <a:avLst/>
+              </a:prstGeom>
+              <a:noFill/>
+            </p:spPr>
+            <p:txBody>
+              <a:bodyPr wrap="none" lIns="0" tIns="0" rIns="0" bIns="0" rtlCol="0">
+                <a:spAutoFit/>
+              </a:bodyPr>
+              <a:lstStyle/>
+              <a:p>
+                <a:r>
+                  <a:rPr lang="en-US" sz="2400" b="0" dirty="0"/>
+                  <a:t>NLL1</a:t>
+                </a:r>
+                <a14:m>
+                  <m:oMath xmlns:m="http://schemas.openxmlformats.org/officeDocument/2006/math">
+                    <m:r>
+                      <a:rPr lang="en-US" sz="2400" b="0" i="1" smtClean="0">
+                        <a:latin typeface="Cambria Math" panose="02040503050406030204" pitchFamily="18" charset="0"/>
+                      </a:rPr>
+                      <m:t>=</m:t>
+                    </m:r>
+                    <m:f>
+                      <m:fPr>
+                        <m:ctrlPr>
+                          <a:rPr lang="en-US" sz="2400" b="0" i="1" smtClean="0">
+                            <a:latin typeface="Cambria Math" panose="02040503050406030204" pitchFamily="18" charset="0"/>
+                          </a:rPr>
+                        </m:ctrlPr>
+                      </m:fPr>
+                      <m:num>
+                        <m:r>
+                          <a:rPr lang="en-US" sz="2400" b="0" i="1" smtClean="0">
+                            <a:latin typeface="Cambria Math" panose="02040503050406030204" pitchFamily="18" charset="0"/>
+                          </a:rPr>
+                          <m:t>1</m:t>
+                        </m:r>
+                      </m:num>
+                      <m:den>
+                        <m:r>
+                          <a:rPr lang="en-US" sz="2400" b="0" i="1" smtClean="0">
+                            <a:latin typeface="Cambria Math" panose="02040503050406030204" pitchFamily="18" charset="0"/>
+                          </a:rPr>
+                          <m:t>2</m:t>
+                        </m:r>
+                        <m:sSubSup>
+                          <m:sSubSupPr>
+                            <m:ctrlPr>
+                              <a:rPr lang="en-US" sz="2400" b="0" i="1" smtClean="0">
+                                <a:latin typeface="Cambria Math" panose="02040503050406030204" pitchFamily="18" charset="0"/>
+                              </a:rPr>
+                            </m:ctrlPr>
+                          </m:sSubSupPr>
+                          <m:e>
+                            <m:r>
+                              <a:rPr lang="en-US" sz="2400" b="0" i="1" smtClean="0">
+                                <a:latin typeface="Cambria Math" panose="02040503050406030204" pitchFamily="18" charset="0"/>
+                                <a:ea typeface="Cambria Math" panose="02040503050406030204" pitchFamily="18" charset="0"/>
+                              </a:rPr>
+                              <m:t>𝜎</m:t>
+                            </m:r>
+                          </m:e>
+                          <m:sub>
+                            <m:r>
+                              <a:rPr lang="en-US" sz="2400" b="0" i="1" smtClean="0">
+                                <a:latin typeface="Cambria Math" panose="02040503050406030204" pitchFamily="18" charset="0"/>
+                              </a:rPr>
+                              <m:t>𝐶</m:t>
+                            </m:r>
+                          </m:sub>
+                          <m:sup>
+                            <m:r>
+                              <a:rPr lang="en-US" sz="2400" b="0" i="1" smtClean="0">
+                                <a:latin typeface="Cambria Math" panose="02040503050406030204" pitchFamily="18" charset="0"/>
+                              </a:rPr>
+                              <m:t>2</m:t>
+                            </m:r>
+                          </m:sup>
+                        </m:sSubSup>
+                      </m:den>
+                    </m:f>
+                    <m:sSup>
+                      <m:sSupPr>
+                        <m:ctrlPr>
+                          <a:rPr lang="en-US" sz="2400" b="0" i="1" smtClean="0">
+                            <a:latin typeface="Cambria Math" panose="02040503050406030204" pitchFamily="18" charset="0"/>
+                          </a:rPr>
+                        </m:ctrlPr>
+                      </m:sSupPr>
+                      <m:e>
+                        <m:r>
+                          <a:rPr lang="en-US" sz="2400" b="0" i="1" smtClean="0">
+                            <a:latin typeface="Cambria Math" panose="02040503050406030204" pitchFamily="18" charset="0"/>
+                          </a:rPr>
+                          <m:t>(</m:t>
+                        </m:r>
+                        <m:f>
+                          <m:fPr>
+                            <m:ctrlPr>
+                              <a:rPr lang="en-US" sz="2400" i="1">
+                                <a:latin typeface="Cambria Math" panose="02040503050406030204" pitchFamily="18" charset="0"/>
+                              </a:rPr>
+                            </m:ctrlPr>
+                          </m:fPr>
+                          <m:num>
+                            <m:sSubSup>
+                              <m:sSubSupPr>
+                                <m:ctrlPr>
+                                  <a:rPr lang="en-US" sz="2400" i="1">
+                                    <a:latin typeface="Cambria Math" panose="02040503050406030204" pitchFamily="18" charset="0"/>
+                                  </a:rPr>
+                                </m:ctrlPr>
+                              </m:sSubSupPr>
+                              <m:e>
+                                <m:r>
+                                  <a:rPr lang="en-US" sz="2400" i="1">
+                                    <a:latin typeface="Cambria Math" panose="02040503050406030204" pitchFamily="18" charset="0"/>
+                                  </a:rPr>
+                                  <m:t>𝐶</m:t>
+                                </m:r>
+                              </m:e>
+                              <m:sub>
+                                <m:r>
+                                  <a:rPr lang="en-US" sz="2400" i="1">
+                                    <a:latin typeface="Cambria Math" panose="02040503050406030204" pitchFamily="18" charset="0"/>
+                                  </a:rPr>
+                                  <m:t>𝑦</m:t>
+                                </m:r>
+                              </m:sub>
+                              <m:sup>
+                                <m:r>
+                                  <a:rPr lang="en-US" sz="2400" i="1">
+                                    <a:latin typeface="Cambria Math" panose="02040503050406030204" pitchFamily="18" charset="0"/>
+                                  </a:rPr>
+                                  <m:t>𝑜𝑏𝑠</m:t>
+                                </m:r>
+                              </m:sup>
+                            </m:sSubSup>
+                            <m:r>
+                              <a:rPr lang="en-US" sz="2400" i="1">
+                                <a:latin typeface="Cambria Math" panose="02040503050406030204" pitchFamily="18" charset="0"/>
+                              </a:rPr>
+                              <m:t>−</m:t>
+                            </m:r>
+                            <m:sSub>
+                              <m:sSubPr>
+                                <m:ctrlPr>
+                                  <a:rPr lang="en-US" sz="2400" i="1">
+                                    <a:latin typeface="Cambria Math" panose="02040503050406030204" pitchFamily="18" charset="0"/>
+                                  </a:rPr>
+                                </m:ctrlPr>
+                              </m:sSubPr>
+                              <m:e>
+                                <m:r>
+                                  <a:rPr lang="en-US" sz="2400" i="1">
+                                    <a:latin typeface="Cambria Math" panose="02040503050406030204" pitchFamily="18" charset="0"/>
+                                  </a:rPr>
+                                  <m:t>𝐶</m:t>
+                                </m:r>
+                              </m:e>
+                              <m:sub>
+                                <m:r>
+                                  <a:rPr lang="en-US" sz="2400" i="1">
+                                    <a:latin typeface="Cambria Math" panose="02040503050406030204" pitchFamily="18" charset="0"/>
+                                  </a:rPr>
+                                  <m:t>𝑦</m:t>
+                                </m:r>
+                              </m:sub>
+                            </m:sSub>
+                          </m:num>
+                          <m:den>
+                            <m:sSub>
+                              <m:sSubPr>
+                                <m:ctrlPr>
+                                  <a:rPr lang="en-US" sz="2400" i="1">
+                                    <a:latin typeface="Cambria Math" panose="02040503050406030204" pitchFamily="18" charset="0"/>
+                                  </a:rPr>
+                                </m:ctrlPr>
+                              </m:sSubPr>
+                              <m:e>
+                                <m:r>
+                                  <a:rPr lang="en-US" sz="2400" i="1">
+                                    <a:latin typeface="Cambria Math" panose="02040503050406030204" pitchFamily="18" charset="0"/>
+                                  </a:rPr>
+                                  <m:t>𝐶</m:t>
+                                </m:r>
+                              </m:e>
+                              <m:sub>
+                                <m:r>
+                                  <a:rPr lang="en-US" sz="2400" i="1">
+                                    <a:latin typeface="Cambria Math" panose="02040503050406030204" pitchFamily="18" charset="0"/>
+                                  </a:rPr>
+                                  <m:t>𝑦</m:t>
+                                </m:r>
+                              </m:sub>
+                            </m:sSub>
+                          </m:den>
+                        </m:f>
+                        <m:r>
+                          <a:rPr lang="en-US" sz="2400" b="0" i="1" smtClean="0">
+                            <a:latin typeface="Cambria Math" panose="02040503050406030204" pitchFamily="18" charset="0"/>
+                          </a:rPr>
+                          <m:t>)</m:t>
+                        </m:r>
+                      </m:e>
+                      <m:sup>
+                        <m:r>
+                          <a:rPr lang="en-US" sz="2400" b="0" i="1" smtClean="0">
+                            <a:latin typeface="Cambria Math" panose="02040503050406030204" pitchFamily="18" charset="0"/>
+                          </a:rPr>
+                          <m:t>2</m:t>
+                        </m:r>
+                      </m:sup>
+                    </m:sSup>
+                  </m:oMath>
+                </a14:m>
+                <a:endParaRPr lang="en-US" sz="2400" dirty="0"/>
+              </a:p>
+            </p:txBody>
+          </p:sp>
+        </mc:Choice>
+        <mc:Fallback>
+          <p:sp>
+            <p:nvSpPr>
+              <p:cNvPr id="4" name="TextBox 3">
+                <a:extLst>
+                  <a:ext uri="{FF2B5EF4-FFF2-40B4-BE49-F238E27FC236}">
+                    <a16:creationId xmlns:a16="http://schemas.microsoft.com/office/drawing/2014/main" id="{61C9633C-EE68-4794-B6DB-52D671BBE3F0}"/>
+                  </a:ext>
+                </a:extLst>
+              </p:cNvPr>
+              <p:cNvSpPr txBox="1">
+                <a:spLocks noRot="1" noChangeAspect="1" noMove="1" noResize="1" noEditPoints="1" noAdjustHandles="1" noChangeArrowheads="1" noChangeShapeType="1" noTextEdit="1"/>
+              </p:cNvSpPr>
+              <p:nvPr/>
+            </p:nvSpPr>
+            <p:spPr>
+              <a:xfrm>
+                <a:off x="838200" y="3429000"/>
+                <a:ext cx="2696507" cy="704039"/>
+              </a:xfrm>
+              <a:prstGeom prst="rect">
+                <a:avLst/>
+              </a:prstGeom>
+              <a:blipFill>
+                <a:blip r:embed="rId2"/>
+                <a:stretch>
+                  <a:fillRect l="-7014" b="-2609"/>
+                </a:stretch>
+              </a:blipFill>
+            </p:spPr>
+            <p:txBody>
+              <a:bodyPr/>
+              <a:lstStyle/>
+              <a:p>
+                <a:r>
+                  <a:rPr lang="en-US">
+                    <a:noFill/>
+                  </a:rPr>
+                  <a:t> </a:t>
+                </a:r>
+              </a:p>
+            </p:txBody>
+          </p:sp>
+        </mc:Fallback>
+      </mc:AlternateContent>
+      <mc:AlternateContent xmlns:mc="http://schemas.openxmlformats.org/markup-compatibility/2006">
+        <mc:Choice xmlns:a14="http://schemas.microsoft.com/office/drawing/2010/main" Requires="a14">
+          <p:sp>
+            <p:nvSpPr>
+              <p:cNvPr id="12" name="TextBox 11">
+                <a:extLst>
+                  <a:ext uri="{FF2B5EF4-FFF2-40B4-BE49-F238E27FC236}">
+                    <a16:creationId xmlns:a16="http://schemas.microsoft.com/office/drawing/2014/main" id="{EC7C914E-4CED-40CC-A5DC-86358625D07F}"/>
+                  </a:ext>
+                </a:extLst>
+              </p:cNvPr>
+              <p:cNvSpPr txBox="1"/>
+              <p:nvPr/>
+            </p:nvSpPr>
+            <p:spPr>
+              <a:xfrm>
+                <a:off x="208548" y="5416132"/>
+                <a:ext cx="6721642" cy="612988"/>
+              </a:xfrm>
+              <a:prstGeom prst="rect">
+                <a:avLst/>
+              </a:prstGeom>
+              <a:noFill/>
+            </p:spPr>
+            <p:txBody>
+              <a:bodyPr wrap="square" lIns="0" tIns="0" rIns="0" bIns="0" rtlCol="0">
+                <a:spAutoFit/>
+              </a:bodyPr>
+              <a:lstStyle/>
+              <a:p>
+                <a:r>
+                  <a:rPr lang="en-US" sz="2400" b="0" dirty="0"/>
+                  <a:t>NLL2</a:t>
+                </a:r>
+                <a14:m>
+                  <m:oMath xmlns:m="http://schemas.openxmlformats.org/officeDocument/2006/math">
+                    <m:r>
+                      <a:rPr lang="en-US" sz="2400" b="0" i="1" smtClean="0">
+                        <a:latin typeface="Cambria Math" panose="02040503050406030204" pitchFamily="18" charset="0"/>
+                      </a:rPr>
+                      <m:t>=</m:t>
+                    </m:r>
+                    <m:f>
+                      <m:fPr>
+                        <m:ctrlPr>
+                          <a:rPr lang="en-US" sz="2400" b="0" i="1" smtClean="0">
+                            <a:latin typeface="Cambria Math" panose="02040503050406030204" pitchFamily="18" charset="0"/>
+                          </a:rPr>
+                        </m:ctrlPr>
+                      </m:fPr>
+                      <m:num>
+                        <m:r>
+                          <a:rPr lang="en-US" sz="2400" b="0" i="1" smtClean="0">
+                            <a:latin typeface="Cambria Math" panose="02040503050406030204" pitchFamily="18" charset="0"/>
+                          </a:rPr>
+                          <m:t>1</m:t>
+                        </m:r>
+                      </m:num>
+                      <m:den>
+                        <m:r>
+                          <a:rPr lang="en-US" sz="2400" b="0" i="1" smtClean="0">
+                            <a:latin typeface="Cambria Math" panose="02040503050406030204" pitchFamily="18" charset="0"/>
+                          </a:rPr>
+                          <m:t>2</m:t>
+                        </m:r>
+                        <m:sSubSup>
+                          <m:sSubSupPr>
+                            <m:ctrlPr>
+                              <a:rPr lang="en-US" sz="2400" b="0" i="1" smtClean="0">
+                                <a:latin typeface="Cambria Math" panose="02040503050406030204" pitchFamily="18" charset="0"/>
+                              </a:rPr>
+                            </m:ctrlPr>
+                          </m:sSubSupPr>
+                          <m:e>
+                            <m:r>
+                              <a:rPr lang="en-US" sz="2400" b="0" i="1" smtClean="0">
+                                <a:latin typeface="Cambria Math" panose="02040503050406030204" pitchFamily="18" charset="0"/>
+                                <a:ea typeface="Cambria Math" panose="02040503050406030204" pitchFamily="18" charset="0"/>
+                              </a:rPr>
+                              <m:t>𝜎</m:t>
+                            </m:r>
+                          </m:e>
+                          <m:sub>
+                            <m:r>
+                              <a:rPr lang="en-US" sz="2400" b="0" i="1" smtClean="0">
+                                <a:latin typeface="Cambria Math" panose="02040503050406030204" pitchFamily="18" charset="0"/>
+                              </a:rPr>
+                              <m:t>𝑞</m:t>
+                            </m:r>
+                          </m:sub>
+                          <m:sup>
+                            <m:r>
+                              <a:rPr lang="en-US" sz="2400" b="0" i="1" smtClean="0">
+                                <a:latin typeface="Cambria Math" panose="02040503050406030204" pitchFamily="18" charset="0"/>
+                              </a:rPr>
+                              <m:t>2</m:t>
+                            </m:r>
+                          </m:sup>
+                        </m:sSubSup>
+                      </m:den>
+                    </m:f>
+                    <m:nary>
+                      <m:naryPr>
+                        <m:chr m:val="∑"/>
+                        <m:supHide m:val="on"/>
+                        <m:ctrlPr>
+                          <a:rPr lang="en-US" sz="2400" b="0" i="1" smtClean="0">
+                            <a:latin typeface="Cambria Math" panose="02040503050406030204" pitchFamily="18" charset="0"/>
+                          </a:rPr>
+                        </m:ctrlPr>
+                      </m:naryPr>
+                      <m:sub>
+                        <m:r>
+                          <m:rPr>
+                            <m:brk m:alnAt="7"/>
+                          </m:rPr>
+                          <a:rPr lang="en-US" sz="2400" b="0" i="1" smtClean="0">
+                            <a:latin typeface="Cambria Math" panose="02040503050406030204" pitchFamily="18" charset="0"/>
+                          </a:rPr>
+                          <m:t>𝑦</m:t>
+                        </m:r>
+                      </m:sub>
+                      <m:sup/>
+                      <m:e>
+                        <m:sSup>
+                          <m:sSupPr>
+                            <m:ctrlPr>
+                              <a:rPr lang="en-US" sz="2400" b="0" i="1" smtClean="0">
+                                <a:latin typeface="Cambria Math" panose="02040503050406030204" pitchFamily="18" charset="0"/>
+                              </a:rPr>
+                            </m:ctrlPr>
+                          </m:sSupPr>
+                          <m:e>
+                            <m:r>
+                              <a:rPr lang="en-US" sz="2400" b="0" i="1" smtClean="0">
+                                <a:latin typeface="Cambria Math" panose="02040503050406030204" pitchFamily="18" charset="0"/>
+                              </a:rPr>
+                              <m:t>(</m:t>
+                            </m:r>
+                            <m:func>
+                              <m:funcPr>
+                                <m:ctrlPr>
+                                  <a:rPr lang="en-US" sz="2400" i="1">
+                                    <a:latin typeface="Cambria Math" panose="02040503050406030204" pitchFamily="18" charset="0"/>
+                                  </a:rPr>
+                                </m:ctrlPr>
+                              </m:funcPr>
+                              <m:fName>
+                                <m:r>
+                                  <m:rPr>
+                                    <m:sty m:val="p"/>
+                                  </m:rPr>
+                                  <a:rPr lang="en-US" sz="2400">
+                                    <a:latin typeface="Cambria Math" panose="02040503050406030204" pitchFamily="18" charset="0"/>
+                                  </a:rPr>
+                                  <m:t>log</m:t>
+                                </m:r>
+                              </m:fName>
+                              <m:e>
+                                <m:d>
+                                  <m:dPr>
+                                    <m:ctrlPr>
+                                      <a:rPr lang="en-US" sz="2400" i="1">
+                                        <a:latin typeface="Cambria Math" panose="02040503050406030204" pitchFamily="18" charset="0"/>
+                                      </a:rPr>
+                                    </m:ctrlPr>
+                                  </m:dPr>
+                                  <m:e>
+                                    <m:sSubSup>
+                                      <m:sSubSupPr>
+                                        <m:ctrlPr>
+                                          <a:rPr lang="en-US" sz="2400" i="1">
+                                            <a:latin typeface="Cambria Math" panose="02040503050406030204" pitchFamily="18" charset="0"/>
+                                          </a:rPr>
+                                        </m:ctrlPr>
+                                      </m:sSubSupPr>
+                                      <m:e>
+                                        <m:r>
+                                          <a:rPr lang="en-US" sz="2400" i="1">
+                                            <a:latin typeface="Cambria Math" panose="02040503050406030204" pitchFamily="18" charset="0"/>
+                                          </a:rPr>
+                                          <m:t>𝐶𝑃𝑈𝐸</m:t>
+                                        </m:r>
+                                      </m:e>
+                                      <m:sub>
+                                        <m:r>
+                                          <a:rPr lang="en-US" sz="2400" i="1">
+                                            <a:latin typeface="Cambria Math" panose="02040503050406030204" pitchFamily="18" charset="0"/>
+                                          </a:rPr>
+                                          <m:t>𝑦</m:t>
+                                        </m:r>
+                                      </m:sub>
+                                      <m:sup>
+                                        <m:r>
+                                          <a:rPr lang="en-US" sz="2400" i="1">
+                                            <a:latin typeface="Cambria Math" panose="02040503050406030204" pitchFamily="18" charset="0"/>
+                                          </a:rPr>
+                                          <m:t>𝑜𝑏𝑠</m:t>
+                                        </m:r>
+                                      </m:sup>
+                                    </m:sSubSup>
+                                  </m:e>
+                                </m:d>
+                              </m:e>
+                            </m:func>
+                            <m:r>
+                              <a:rPr lang="en-US" sz="2400" i="1">
+                                <a:latin typeface="Cambria Math" panose="02040503050406030204" pitchFamily="18" charset="0"/>
+                              </a:rPr>
+                              <m:t>−</m:t>
+                            </m:r>
+                            <m:func>
+                              <m:funcPr>
+                                <m:ctrlPr>
+                                  <a:rPr lang="en-US" sz="2400" i="1">
+                                    <a:latin typeface="Cambria Math" panose="02040503050406030204" pitchFamily="18" charset="0"/>
+                                  </a:rPr>
+                                </m:ctrlPr>
+                              </m:funcPr>
+                              <m:fName>
+                                <m:r>
+                                  <m:rPr>
+                                    <m:sty m:val="p"/>
+                                  </m:rPr>
+                                  <a:rPr lang="en-US" sz="2400">
+                                    <a:latin typeface="Cambria Math" panose="02040503050406030204" pitchFamily="18" charset="0"/>
+                                  </a:rPr>
+                                  <m:t>log</m:t>
+                                </m:r>
+                              </m:fName>
+                              <m:e>
+                                <m:d>
+                                  <m:dPr>
+                                    <m:ctrlPr>
+                                      <a:rPr lang="en-US" sz="2400" i="1">
+                                        <a:latin typeface="Cambria Math" panose="02040503050406030204" pitchFamily="18" charset="0"/>
+                                      </a:rPr>
+                                    </m:ctrlPr>
+                                  </m:dPr>
+                                  <m:e>
+                                    <m:sSub>
+                                      <m:sSubPr>
+                                        <m:ctrlPr>
+                                          <a:rPr lang="en-US" sz="2400" i="1">
+                                            <a:latin typeface="Cambria Math" panose="02040503050406030204" pitchFamily="18" charset="0"/>
+                                          </a:rPr>
+                                        </m:ctrlPr>
+                                      </m:sSubPr>
+                                      <m:e>
+                                        <m:r>
+                                          <a:rPr lang="en-US" sz="2400" i="1">
+                                            <a:latin typeface="Cambria Math" panose="02040503050406030204" pitchFamily="18" charset="0"/>
+                                          </a:rPr>
+                                          <m:t>𝐶𝑃𝑈𝐸</m:t>
+                                        </m:r>
+                                      </m:e>
+                                      <m:sub>
+                                        <m:r>
+                                          <a:rPr lang="en-US" sz="2400" i="1">
+                                            <a:latin typeface="Cambria Math" panose="02040503050406030204" pitchFamily="18" charset="0"/>
+                                          </a:rPr>
+                                          <m:t>𝑦</m:t>
+                                        </m:r>
+                                      </m:sub>
+                                    </m:sSub>
+                                  </m:e>
+                                </m:d>
+                              </m:e>
+                            </m:func>
+                            <m:r>
+                              <a:rPr lang="en-US" sz="2400" b="0" i="1" smtClean="0">
+                                <a:latin typeface="Cambria Math" panose="02040503050406030204" pitchFamily="18" charset="0"/>
+                              </a:rPr>
+                              <m:t>)</m:t>
+                            </m:r>
+                          </m:e>
+                          <m:sup>
+                            <m:r>
+                              <a:rPr lang="en-US" sz="2400" b="0" i="1" smtClean="0">
+                                <a:latin typeface="Cambria Math" panose="02040503050406030204" pitchFamily="18" charset="0"/>
+                              </a:rPr>
+                              <m:t>2</m:t>
+                            </m:r>
+                          </m:sup>
+                        </m:sSup>
+                      </m:e>
+                    </m:nary>
+                  </m:oMath>
+                </a14:m>
+                <a:endParaRPr lang="en-US" sz="2400" dirty="0"/>
+              </a:p>
+            </p:txBody>
+          </p:sp>
+        </mc:Choice>
+        <mc:Fallback>
+          <p:sp>
+            <p:nvSpPr>
+              <p:cNvPr id="12" name="TextBox 11">
+                <a:extLst>
+                  <a:ext uri="{FF2B5EF4-FFF2-40B4-BE49-F238E27FC236}">
+                    <a16:creationId xmlns:a16="http://schemas.microsoft.com/office/drawing/2014/main" id="{EC7C914E-4CED-40CC-A5DC-86358625D07F}"/>
+                  </a:ext>
+                </a:extLst>
+              </p:cNvPr>
+              <p:cNvSpPr txBox="1">
+                <a:spLocks noRot="1" noChangeAspect="1" noMove="1" noResize="1" noEditPoints="1" noAdjustHandles="1" noChangeArrowheads="1" noChangeShapeType="1" noTextEdit="1"/>
+              </p:cNvSpPr>
+              <p:nvPr/>
+            </p:nvSpPr>
+            <p:spPr>
+              <a:xfrm>
+                <a:off x="208548" y="5416132"/>
+                <a:ext cx="6721642" cy="612988"/>
+              </a:xfrm>
+              <a:prstGeom prst="rect">
+                <a:avLst/>
+              </a:prstGeom>
+              <a:blipFill>
+                <a:blip r:embed="rId3"/>
+                <a:stretch>
+                  <a:fillRect l="-2720" t="-1980" b="-2970"/>
+                </a:stretch>
+              </a:blipFill>
+            </p:spPr>
+            <p:txBody>
+              <a:bodyPr/>
+              <a:lstStyle/>
+              <a:p>
+                <a:r>
+                  <a:rPr lang="en-US">
+                    <a:noFill/>
+                  </a:rPr>
+                  <a:t> </a:t>
+                </a:r>
+              </a:p>
+            </p:txBody>
+          </p:sp>
+        </mc:Fallback>
+      </mc:AlternateContent>
+      <mc:AlternateContent xmlns:mc="http://schemas.openxmlformats.org/markup-compatibility/2006">
+        <mc:Choice xmlns:a14="http://schemas.microsoft.com/office/drawing/2010/main" Requires="a14">
+          <p:sp>
+            <p:nvSpPr>
+              <p:cNvPr id="13" name="TextBox 12">
+                <a:extLst>
+                  <a:ext uri="{FF2B5EF4-FFF2-40B4-BE49-F238E27FC236}">
+                    <a16:creationId xmlns:a16="http://schemas.microsoft.com/office/drawing/2014/main" id="{86791B5A-F03F-484A-8EC6-3B8810DD184B}"/>
+                  </a:ext>
+                </a:extLst>
+              </p:cNvPr>
+              <p:cNvSpPr txBox="1"/>
+              <p:nvPr/>
+            </p:nvSpPr>
+            <p:spPr>
+              <a:xfrm>
+                <a:off x="5630779" y="3518790"/>
+                <a:ext cx="6721642" cy="482504"/>
+              </a:xfrm>
+              <a:prstGeom prst="rect">
+                <a:avLst/>
+              </a:prstGeom>
+              <a:noFill/>
+            </p:spPr>
+            <p:txBody>
+              <a:bodyPr wrap="square" lIns="0" tIns="0" rIns="0" bIns="0" rtlCol="0">
+                <a:spAutoFit/>
+              </a:bodyPr>
+              <a:lstStyle/>
+              <a:p>
+                <a:r>
+                  <a:rPr lang="en-US" sz="2800" b="0" dirty="0"/>
+                  <a:t>NLL3</a:t>
+                </a:r>
+                <a14:m>
+                  <m:oMath xmlns:m="http://schemas.openxmlformats.org/officeDocument/2006/math">
+                    <m:r>
+                      <a:rPr lang="en-US" sz="2800" b="0" i="1" smtClean="0">
+                        <a:latin typeface="Cambria Math" panose="02040503050406030204" pitchFamily="18" charset="0"/>
+                      </a:rPr>
+                      <m:t>=−</m:t>
+                    </m:r>
+                    <m:r>
+                      <a:rPr lang="en-US" sz="2800" b="0" i="1" smtClean="0">
+                        <a:latin typeface="Cambria Math" panose="02040503050406030204" pitchFamily="18" charset="0"/>
+                        <a:ea typeface="Cambria Math" panose="02040503050406030204" pitchFamily="18" charset="0"/>
+                      </a:rPr>
+                      <m:t>𝜔</m:t>
+                    </m:r>
+                    <m:nary>
+                      <m:naryPr>
+                        <m:chr m:val="∑"/>
+                        <m:supHide m:val="on"/>
+                        <m:ctrlPr>
+                          <a:rPr lang="en-US" sz="2800" b="0" i="1" smtClean="0">
+                            <a:latin typeface="Cambria Math" panose="02040503050406030204" pitchFamily="18" charset="0"/>
+                          </a:rPr>
+                        </m:ctrlPr>
+                      </m:naryPr>
+                      <m:sub>
+                        <m:r>
+                          <m:rPr>
+                            <m:brk m:alnAt="7"/>
+                          </m:rPr>
+                          <a:rPr lang="en-US" sz="2800" b="0" i="1" smtClean="0">
+                            <a:latin typeface="Cambria Math" panose="02040503050406030204" pitchFamily="18" charset="0"/>
+                          </a:rPr>
+                          <m:t>𝑦</m:t>
+                        </m:r>
+                      </m:sub>
+                      <m:sup/>
+                      <m:e>
+                        <m:nary>
+                          <m:naryPr>
+                            <m:chr m:val="∑"/>
+                            <m:supHide m:val="on"/>
+                            <m:ctrlPr>
+                              <a:rPr lang="en-US" sz="2800" b="0" i="1" smtClean="0">
+                                <a:latin typeface="Cambria Math" panose="02040503050406030204" pitchFamily="18" charset="0"/>
+                              </a:rPr>
+                            </m:ctrlPr>
+                          </m:naryPr>
+                          <m:sub>
+                            <m:r>
+                              <m:rPr>
+                                <m:brk m:alnAt="7"/>
+                              </m:rPr>
+                              <a:rPr lang="en-US" sz="2800" b="0" i="1" smtClean="0">
+                                <a:latin typeface="Cambria Math" panose="02040503050406030204" pitchFamily="18" charset="0"/>
+                              </a:rPr>
+                              <m:t>𝑎</m:t>
+                            </m:r>
+                          </m:sub>
+                          <m:sup/>
+                          <m:e>
+                            <m:sSubSup>
+                              <m:sSubSupPr>
+                                <m:ctrlPr>
+                                  <a:rPr lang="en-US" sz="2800" i="1">
+                                    <a:latin typeface="Cambria Math" panose="02040503050406030204" pitchFamily="18" charset="0"/>
+                                  </a:rPr>
+                                </m:ctrlPr>
+                              </m:sSubSupPr>
+                              <m:e>
+                                <m:r>
+                                  <a:rPr lang="en-US" sz="2800" i="1">
+                                    <a:latin typeface="Cambria Math" panose="02040503050406030204" pitchFamily="18" charset="0"/>
+                                  </a:rPr>
+                                  <m:t>𝑃</m:t>
+                                </m:r>
+                              </m:e>
+                              <m:sub>
+                                <m:r>
+                                  <a:rPr lang="en-US" sz="2800" i="1">
+                                    <a:latin typeface="Cambria Math" panose="02040503050406030204" pitchFamily="18" charset="0"/>
+                                  </a:rPr>
+                                  <m:t>𝑦</m:t>
+                                </m:r>
+                                <m:r>
+                                  <a:rPr lang="en-US" sz="2800" i="1">
+                                    <a:latin typeface="Cambria Math" panose="02040503050406030204" pitchFamily="18" charset="0"/>
+                                  </a:rPr>
+                                  <m:t>,</m:t>
+                                </m:r>
+                                <m:r>
+                                  <a:rPr lang="en-US" sz="2800" i="1">
+                                    <a:latin typeface="Cambria Math" panose="02040503050406030204" pitchFamily="18" charset="0"/>
+                                  </a:rPr>
+                                  <m:t>𝑎</m:t>
+                                </m:r>
+                              </m:sub>
+                              <m:sup>
+                                <m:r>
+                                  <a:rPr lang="en-US" sz="2800" i="1">
+                                    <a:latin typeface="Cambria Math" panose="02040503050406030204" pitchFamily="18" charset="0"/>
+                                  </a:rPr>
+                                  <m:t>𝑜𝑏𝑠</m:t>
+                                </m:r>
+                              </m:sup>
+                            </m:sSubSup>
+                            <m:r>
+                              <m:rPr>
+                                <m:sty m:val="p"/>
+                              </m:rPr>
+                              <a:rPr lang="en-US" sz="2800" b="0" i="0" smtClean="0">
+                                <a:latin typeface="Cambria Math" panose="02040503050406030204" pitchFamily="18" charset="0"/>
+                              </a:rPr>
+                              <m:t>log</m:t>
+                            </m:r>
+                            <m:r>
+                              <a:rPr lang="en-US" sz="2800" b="0" i="1" smtClean="0">
+                                <a:latin typeface="Cambria Math" panose="02040503050406030204" pitchFamily="18" charset="0"/>
+                              </a:rPr>
+                              <m:t>⁡(</m:t>
+                            </m:r>
+                            <m:sSub>
+                              <m:sSubPr>
+                                <m:ctrlPr>
+                                  <a:rPr lang="en-US" sz="2800" b="0" i="1" smtClean="0">
+                                    <a:latin typeface="Cambria Math" panose="02040503050406030204" pitchFamily="18" charset="0"/>
+                                  </a:rPr>
+                                </m:ctrlPr>
+                              </m:sSubPr>
+                              <m:e>
+                                <m:r>
+                                  <a:rPr lang="en-US" sz="2800" b="0" i="1" smtClean="0">
+                                    <a:latin typeface="Cambria Math" panose="02040503050406030204" pitchFamily="18" charset="0"/>
+                                  </a:rPr>
+                                  <m:t>𝑃</m:t>
+                                </m:r>
+                              </m:e>
+                              <m:sub>
+                                <m:r>
+                                  <a:rPr lang="en-US" sz="2800" b="0" i="1" smtClean="0">
+                                    <a:latin typeface="Cambria Math" panose="02040503050406030204" pitchFamily="18" charset="0"/>
+                                  </a:rPr>
+                                  <m:t>𝑦</m:t>
+                                </m:r>
+                                <m:r>
+                                  <a:rPr lang="en-US" sz="2800" b="0" i="1" smtClean="0">
+                                    <a:latin typeface="Cambria Math" panose="02040503050406030204" pitchFamily="18" charset="0"/>
+                                  </a:rPr>
+                                  <m:t>,</m:t>
+                                </m:r>
+                                <m:r>
+                                  <a:rPr lang="en-US" sz="2800" b="0" i="1" smtClean="0">
+                                    <a:latin typeface="Cambria Math" panose="02040503050406030204" pitchFamily="18" charset="0"/>
+                                  </a:rPr>
+                                  <m:t>𝑎</m:t>
+                                </m:r>
+                              </m:sub>
+                            </m:sSub>
+                          </m:e>
+                        </m:nary>
+                        <m:r>
+                          <a:rPr lang="en-US" sz="2800" b="0" i="1" smtClean="0">
+                            <a:latin typeface="Cambria Math" panose="02040503050406030204" pitchFamily="18" charset="0"/>
+                          </a:rPr>
+                          <m:t>/</m:t>
+                        </m:r>
+                      </m:e>
+                    </m:nary>
+                  </m:oMath>
+                </a14:m>
+                <a:r>
+                  <a:rPr lang="en-US" sz="2800" dirty="0"/>
+                  <a:t> </a:t>
+                </a:r>
+                <a14:m>
+                  <m:oMath xmlns:m="http://schemas.openxmlformats.org/officeDocument/2006/math">
+                    <m:sSubSup>
+                      <m:sSubSupPr>
+                        <m:ctrlPr>
+                          <a:rPr lang="en-US" sz="2800" i="1">
+                            <a:latin typeface="Cambria Math" panose="02040503050406030204" pitchFamily="18" charset="0"/>
+                          </a:rPr>
+                        </m:ctrlPr>
+                      </m:sSubSupPr>
+                      <m:e>
+                        <m:r>
+                          <a:rPr lang="en-US" sz="2800" i="1">
+                            <a:latin typeface="Cambria Math" panose="02040503050406030204" pitchFamily="18" charset="0"/>
+                          </a:rPr>
+                          <m:t>𝑃</m:t>
+                        </m:r>
+                      </m:e>
+                      <m:sub>
+                        <m:r>
+                          <a:rPr lang="en-US" sz="2800" i="1">
+                            <a:latin typeface="Cambria Math" panose="02040503050406030204" pitchFamily="18" charset="0"/>
+                          </a:rPr>
+                          <m:t>𝑦</m:t>
+                        </m:r>
+                        <m:r>
+                          <a:rPr lang="en-US" sz="2800" i="1">
+                            <a:latin typeface="Cambria Math" panose="02040503050406030204" pitchFamily="18" charset="0"/>
+                          </a:rPr>
+                          <m:t>,</m:t>
+                        </m:r>
+                        <m:r>
+                          <a:rPr lang="en-US" sz="2800" i="1">
+                            <a:latin typeface="Cambria Math" panose="02040503050406030204" pitchFamily="18" charset="0"/>
+                          </a:rPr>
+                          <m:t>𝑎</m:t>
+                        </m:r>
+                      </m:sub>
+                      <m:sup>
+                        <m:r>
+                          <a:rPr lang="en-US" sz="2800" i="1">
+                            <a:latin typeface="Cambria Math" panose="02040503050406030204" pitchFamily="18" charset="0"/>
+                          </a:rPr>
+                          <m:t>𝑜𝑏𝑠</m:t>
+                        </m:r>
+                      </m:sup>
+                    </m:sSubSup>
+                  </m:oMath>
+                </a14:m>
+                <a:r>
+                  <a:rPr lang="en-US" sz="2800" dirty="0"/>
+                  <a:t>)</a:t>
+                </a:r>
+              </a:p>
+            </p:txBody>
+          </p:sp>
+        </mc:Choice>
+        <mc:Fallback>
+          <p:sp>
+            <p:nvSpPr>
+              <p:cNvPr id="13" name="TextBox 12">
+                <a:extLst>
+                  <a:ext uri="{FF2B5EF4-FFF2-40B4-BE49-F238E27FC236}">
+                    <a16:creationId xmlns:a16="http://schemas.microsoft.com/office/drawing/2014/main" id="{86791B5A-F03F-484A-8EC6-3B8810DD184B}"/>
+                  </a:ext>
+                </a:extLst>
+              </p:cNvPr>
+              <p:cNvSpPr txBox="1">
+                <a:spLocks noRot="1" noChangeAspect="1" noMove="1" noResize="1" noEditPoints="1" noAdjustHandles="1" noChangeArrowheads="1" noChangeShapeType="1" noTextEdit="1"/>
+              </p:cNvSpPr>
+              <p:nvPr/>
+            </p:nvSpPr>
+            <p:spPr>
+              <a:xfrm>
+                <a:off x="5630779" y="3518790"/>
+                <a:ext cx="6721642" cy="482504"/>
+              </a:xfrm>
+              <a:prstGeom prst="rect">
+                <a:avLst/>
+              </a:prstGeom>
+              <a:blipFill>
+                <a:blip r:embed="rId4"/>
+                <a:stretch>
+                  <a:fillRect l="-3267" t="-17722" b="-39241"/>
+                </a:stretch>
+              </a:blipFill>
+            </p:spPr>
+            <p:txBody>
+              <a:bodyPr/>
+              <a:lstStyle/>
+              <a:p>
+                <a:r>
+                  <a:rPr lang="en-US">
+                    <a:noFill/>
+                  </a:rPr>
+                  <a:t> </a:t>
+                </a:r>
+              </a:p>
+            </p:txBody>
+          </p:sp>
+        </mc:Fallback>
+      </mc:AlternateContent>
     </p:spTree>
     <p:extLst>
       <p:ext uri="{BB962C8B-B14F-4D97-AF65-F5344CB8AC3E}">
-        <p14:creationId xmlns:p14="http://schemas.microsoft.com/office/powerpoint/2010/main" val="732590801"/>
+        <p14:creationId xmlns:p14="http://schemas.microsoft.com/office/powerpoint/2010/main" val="2897203561"/>
       </p:ext>
     </p:extLst>
   </p:cSld>
@@ -5931,7 +7685,7 @@
           <a:p>
             <a:r>
               <a:rPr lang="en-US" dirty="0"/>
-              <a:t>Exercise</a:t>
+              <a:t>Exercises</a:t>
             </a:r>
           </a:p>
         </p:txBody>
@@ -5960,7 +7714,7 @@
         </p:spPr>
         <p:txBody>
           <a:bodyPr>
-            <a:normAutofit lnSpcReduction="10000"/>
+            <a:normAutofit/>
           </a:bodyPr>
           <a:lstStyle/>
           <a:p>
@@ -5969,7 +7723,7 @@
             </a:pPr>
             <a:r>
               <a:rPr lang="en-US" sz="2400" dirty="0"/>
-              <a:t>Compile and run age-structured model (start with AS1)</a:t>
+              <a:t>The model currently assumes the last age group consists of fish only age-12, when in reality it is age-12 and above. Create a plus group for the last age:</a:t>
             </a:r>
           </a:p>
           <a:p>
@@ -5982,9 +7736,15 @@
             <a:pPr marL="514350" indent="-514350">
               <a:buAutoNum type="arabicParenR"/>
             </a:pPr>
+            <a:endParaRPr lang="en-US" sz="2400" dirty="0"/>
+          </a:p>
+          <a:p>
+            <a:pPr marL="514350" indent="-514350">
+              <a:buAutoNum type="arabicParenR"/>
+            </a:pPr>
             <a:r>
               <a:rPr lang="en-US" sz="2400" dirty="0"/>
-              <a:t>The model currently assumes the last age group consists of fish only age-12, when in reality it is age-12 and above. Create a plus group for the last age:</a:t>
+              <a:t>Catches of fish in the first age group are largely from discard estimates. Extend the model to use a separate variance for catches of fish in the first age group.</a:t>
             </a:r>
           </a:p>
           <a:p>
@@ -5997,27 +7757,6 @@
             <a:pPr marL="514350" indent="-514350">
               <a:buAutoNum type="arabicParenR"/>
             </a:pPr>
-            <a:endParaRPr lang="en-US" sz="2400" dirty="0"/>
-          </a:p>
-          <a:p>
-            <a:pPr marL="514350" indent="-514350">
-              <a:buAutoNum type="arabicParenR"/>
-            </a:pPr>
-            <a:r>
-              <a:rPr lang="en-US" sz="2400" dirty="0"/>
-              <a:t>Catches of fish in the first age group are largely from discard estimates. Extend the model to use a separate variance for catches of fish in the first age group.</a:t>
-            </a:r>
-          </a:p>
-          <a:p>
-            <a:pPr marL="514350" indent="-514350">
-              <a:buAutoNum type="arabicParenR"/>
-            </a:pPr>
-            <a:endParaRPr lang="en-US" sz="2400" dirty="0"/>
-          </a:p>
-          <a:p>
-            <a:pPr marL="514350" indent="-514350">
-              <a:buAutoNum type="arabicParenR"/>
-            </a:pPr>
             <a:r>
               <a:rPr lang="en-US" sz="2400" dirty="0"/>
               <a:t>Extend the model to use one set of catchabilities for the first ten years, and a different set in the last 10 years.</a:t>
@@ -6037,8 +7776,8 @@
           </a:p>
         </p:txBody>
       </p:sp>
-      <mc:AlternateContent xmlns:mc="http://schemas.openxmlformats.org/markup-compatibility/2006" xmlns:a14="http://schemas.microsoft.com/office/drawing/2010/main">
-        <mc:Choice Requires="a14">
+      <mc:AlternateContent xmlns:mc="http://schemas.openxmlformats.org/markup-compatibility/2006">
+        <mc:Choice xmlns:a14="http://schemas.microsoft.com/office/drawing/2010/main" Requires="a14">
           <p:sp>
             <p:nvSpPr>
               <p:cNvPr id="4" name="TextBox 3">
@@ -6053,7 +7792,7 @@
             </p:nvSpPr>
             <p:spPr>
               <a:xfrm>
-                <a:off x="2903041" y="3486267"/>
+                <a:off x="2903041" y="2628551"/>
                 <a:ext cx="6385915" cy="458715"/>
               </a:xfrm>
               <a:prstGeom prst="rect">
@@ -6353,7 +8092,7 @@
             </p:txBody>
           </p:sp>
         </mc:Choice>
-        <mc:Fallback xmlns="">
+        <mc:Fallback>
           <p:sp>
             <p:nvSpPr>
               <p:cNvPr id="4" name="TextBox 3">
@@ -6370,7 +8109,7 @@
             </p:nvSpPr>
             <p:spPr>
               <a:xfrm>
-                <a:off x="2903041" y="3486267"/>
+                <a:off x="2903041" y="2628551"/>
                 <a:ext cx="6385915" cy="458715"/>
               </a:xfrm>
               <a:prstGeom prst="rect">
@@ -6450,71 +8189,487 @@
           <a:lstStyle/>
           <a:p>
             <a:r>
+              <a:rPr lang="en-US" dirty="0" err="1"/>
+              <a:t>fsa</a:t>
+            </a:r>
+            <a:r>
               <a:rPr lang="en-US" dirty="0"/>
-              <a:t>Add a stock-recruit relationship</a:t>
+              <a:t>: Add a stock-recruit relationship</a:t>
             </a:r>
           </a:p>
         </p:txBody>
       </p:sp>
-      <p:sp>
-        <p:nvSpPr>
-          <p:cNvPr id="3" name="Content Placeholder 2">
-            <a:extLst>
-              <a:ext uri="{FF2B5EF4-FFF2-40B4-BE49-F238E27FC236}">
-                <a16:creationId xmlns:a16="http://schemas.microsoft.com/office/drawing/2014/main" id="{EFEE0B4F-995C-4BA9-B9B2-D578E9403341}"/>
-              </a:ext>
-            </a:extLst>
-          </p:cNvPr>
-          <p:cNvSpPr>
-            <a:spLocks noGrp="1"/>
-          </p:cNvSpPr>
-          <p:nvPr>
-            <p:ph idx="1"/>
-          </p:nvPr>
-        </p:nvSpPr>
-        <p:spPr/>
-        <p:txBody>
-          <a:bodyPr/>
-          <a:lstStyle/>
-          <a:p>
-            <a:r>
-              <a:rPr lang="en-US" dirty="0"/>
-              <a:t>Assume fixed steepness </a:t>
-            </a:r>
-            <a:r>
-              <a:rPr lang="en-US" i="1" dirty="0"/>
-              <a:t>h</a:t>
-            </a:r>
-            <a:endParaRPr lang="en-US" dirty="0"/>
-          </a:p>
-          <a:p>
-            <a:r>
-              <a:rPr lang="en-US" dirty="0"/>
-              <a:t>Assume a </a:t>
-            </a:r>
-            <a:r>
-              <a:rPr lang="en-US" dirty="0" err="1"/>
-              <a:t>Beverton</a:t>
-            </a:r>
-            <a:r>
-              <a:rPr lang="en-US" dirty="0"/>
-              <a:t>-Holt stock-recruit relationship</a:t>
-            </a:r>
-          </a:p>
-          <a:p>
-            <a:r>
-              <a:rPr lang="en-US" dirty="0"/>
-              <a:t>Assume a Ricker stock-recruit relationship</a:t>
-            </a:r>
-          </a:p>
-          <a:p>
-            <a:r>
-              <a:rPr lang="en-US" dirty="0"/>
-              <a:t>Bring the results into R and compare models</a:t>
-            </a:r>
-          </a:p>
-        </p:txBody>
-      </p:sp>
+      <mc:AlternateContent xmlns:mc="http://schemas.openxmlformats.org/markup-compatibility/2006">
+        <mc:Choice xmlns:a14="http://schemas.microsoft.com/office/drawing/2010/main" Requires="a14">
+          <p:sp>
+            <p:nvSpPr>
+              <p:cNvPr id="3" name="Content Placeholder 2">
+                <a:extLst>
+                  <a:ext uri="{FF2B5EF4-FFF2-40B4-BE49-F238E27FC236}">
+                    <a16:creationId xmlns:a16="http://schemas.microsoft.com/office/drawing/2014/main" id="{EFEE0B4F-995C-4BA9-B9B2-D578E9403341}"/>
+                  </a:ext>
+                </a:extLst>
+              </p:cNvPr>
+              <p:cNvSpPr>
+                <a:spLocks noGrp="1"/>
+              </p:cNvSpPr>
+              <p:nvPr>
+                <p:ph idx="1"/>
+              </p:nvPr>
+            </p:nvSpPr>
+            <p:spPr/>
+            <p:txBody>
+              <a:bodyPr>
+                <a:normAutofit fontScale="92500" lnSpcReduction="10000"/>
+              </a:bodyPr>
+              <a:lstStyle/>
+              <a:p>
+                <a:r>
+                  <a:rPr lang="en-US" dirty="0"/>
+                  <a:t>Assume fixed steepness </a:t>
+                </a:r>
+                <a:r>
+                  <a:rPr lang="en-US" i="1" dirty="0"/>
+                  <a:t>h=</a:t>
+                </a:r>
+                <a:r>
+                  <a:rPr lang="en-US" dirty="0"/>
+                  <a:t>0.7</a:t>
+                </a:r>
+                <a:r>
+                  <a:rPr lang="en-US" i="1" dirty="0"/>
+                  <a:t>:</a:t>
+                </a:r>
+              </a:p>
+              <a:p>
+                <a:pPr marL="0" indent="0">
+                  <a:buNone/>
+                </a:pPr>
+                <a14:m>
+                  <m:oMath xmlns:m="http://schemas.openxmlformats.org/officeDocument/2006/math">
+                    <m:r>
+                      <a:rPr lang="en-US" sz="3900" b="0" i="1" smtClean="0">
+                        <a:latin typeface="Cambria Math" panose="02040503050406030204" pitchFamily="18" charset="0"/>
+                      </a:rPr>
+                      <m:t>𝑎</m:t>
+                    </m:r>
+                    <m:r>
+                      <a:rPr lang="en-US" sz="3900" b="0" i="1" smtClean="0">
+                        <a:latin typeface="Cambria Math" panose="02040503050406030204" pitchFamily="18" charset="0"/>
+                      </a:rPr>
+                      <m:t>=</m:t>
+                    </m:r>
+                    <m:f>
+                      <m:fPr>
+                        <m:ctrlPr>
+                          <a:rPr lang="en-US" sz="3900" b="0" i="1" smtClean="0">
+                            <a:latin typeface="Cambria Math" panose="02040503050406030204" pitchFamily="18" charset="0"/>
+                          </a:rPr>
+                        </m:ctrlPr>
+                      </m:fPr>
+                      <m:num>
+                        <m:sSub>
+                          <m:sSubPr>
+                            <m:ctrlPr>
+                              <a:rPr lang="en-US" sz="3900" b="0" i="1" smtClean="0">
+                                <a:latin typeface="Cambria Math" panose="02040503050406030204" pitchFamily="18" charset="0"/>
+                              </a:rPr>
+                            </m:ctrlPr>
+                          </m:sSubPr>
+                          <m:e>
+                            <m:r>
+                              <a:rPr lang="en-US" sz="3900" b="0" i="1" smtClean="0">
+                                <a:latin typeface="Cambria Math" panose="02040503050406030204" pitchFamily="18" charset="0"/>
+                              </a:rPr>
+                              <m:t>𝑆𝐵</m:t>
+                            </m:r>
+                          </m:e>
+                          <m:sub>
+                            <m:r>
+                              <a:rPr lang="en-US" sz="3900" b="0" i="1" smtClean="0">
+                                <a:latin typeface="Cambria Math" panose="02040503050406030204" pitchFamily="18" charset="0"/>
+                              </a:rPr>
+                              <m:t>0</m:t>
+                            </m:r>
+                          </m:sub>
+                        </m:sSub>
+                        <m:r>
+                          <a:rPr lang="en-US" sz="3900" b="0" i="1" smtClean="0">
+                            <a:latin typeface="Cambria Math" panose="02040503050406030204" pitchFamily="18" charset="0"/>
+                          </a:rPr>
+                          <m:t>(1−</m:t>
+                        </m:r>
+                        <m:r>
+                          <a:rPr lang="en-US" sz="3900" b="0" i="1" smtClean="0">
+                            <a:latin typeface="Cambria Math" panose="02040503050406030204" pitchFamily="18" charset="0"/>
+                          </a:rPr>
+                          <m:t>h</m:t>
+                        </m:r>
+                        <m:r>
+                          <a:rPr lang="en-US" sz="3900" b="0" i="1" smtClean="0">
+                            <a:latin typeface="Cambria Math" panose="02040503050406030204" pitchFamily="18" charset="0"/>
+                          </a:rPr>
+                          <m:t>)</m:t>
+                        </m:r>
+                      </m:num>
+                      <m:den>
+                        <m:r>
+                          <a:rPr lang="en-US" sz="3900" b="0" i="1" smtClean="0">
+                            <a:latin typeface="Cambria Math" panose="02040503050406030204" pitchFamily="18" charset="0"/>
+                          </a:rPr>
+                          <m:t>4</m:t>
+                        </m:r>
+                        <m:r>
+                          <a:rPr lang="en-US" sz="3900" b="0" i="1" smtClean="0">
+                            <a:latin typeface="Cambria Math" panose="02040503050406030204" pitchFamily="18" charset="0"/>
+                          </a:rPr>
+                          <m:t>h</m:t>
+                        </m:r>
+                        <m:sSub>
+                          <m:sSubPr>
+                            <m:ctrlPr>
+                              <a:rPr lang="en-US" sz="3900" b="0" i="1" smtClean="0">
+                                <a:latin typeface="Cambria Math" panose="02040503050406030204" pitchFamily="18" charset="0"/>
+                              </a:rPr>
+                            </m:ctrlPr>
+                          </m:sSubPr>
+                          <m:e>
+                            <m:r>
+                              <a:rPr lang="en-US" sz="3900" b="0" i="1" smtClean="0">
+                                <a:latin typeface="Cambria Math" panose="02040503050406030204" pitchFamily="18" charset="0"/>
+                              </a:rPr>
+                              <m:t>𝑅</m:t>
+                            </m:r>
+                          </m:e>
+                          <m:sub>
+                            <m:r>
+                              <a:rPr lang="en-US" sz="3900" b="0" i="1" smtClean="0">
+                                <a:latin typeface="Cambria Math" panose="02040503050406030204" pitchFamily="18" charset="0"/>
+                              </a:rPr>
+                              <m:t>0</m:t>
+                            </m:r>
+                          </m:sub>
+                        </m:sSub>
+                      </m:den>
+                    </m:f>
+                  </m:oMath>
+                </a14:m>
+                <a:r>
+                  <a:rPr lang="en-US" dirty="0"/>
+                  <a:t>		</a:t>
+                </a:r>
+                <a14:m>
+                  <m:oMath xmlns:m="http://schemas.openxmlformats.org/officeDocument/2006/math">
+                    <m:r>
+                      <a:rPr lang="en-US" sz="3900" b="0" i="1" smtClean="0">
+                        <a:latin typeface="Cambria Math" panose="02040503050406030204" pitchFamily="18" charset="0"/>
+                      </a:rPr>
+                      <m:t>𝑏</m:t>
+                    </m:r>
+                    <m:r>
+                      <a:rPr lang="en-US" sz="3900" b="0" i="1" smtClean="0">
+                        <a:latin typeface="Cambria Math" panose="02040503050406030204" pitchFamily="18" charset="0"/>
+                      </a:rPr>
+                      <m:t>=</m:t>
+                    </m:r>
+                    <m:f>
+                      <m:fPr>
+                        <m:ctrlPr>
+                          <a:rPr lang="en-US" sz="3900" b="0" i="1" smtClean="0">
+                            <a:latin typeface="Cambria Math" panose="02040503050406030204" pitchFamily="18" charset="0"/>
+                          </a:rPr>
+                        </m:ctrlPr>
+                      </m:fPr>
+                      <m:num>
+                        <m:r>
+                          <a:rPr lang="en-US" sz="3900" b="0" i="1" smtClean="0">
+                            <a:latin typeface="Cambria Math" panose="02040503050406030204" pitchFamily="18" charset="0"/>
+                          </a:rPr>
+                          <m:t>5</m:t>
+                        </m:r>
+                        <m:r>
+                          <a:rPr lang="en-US" sz="3900" b="0" i="1" smtClean="0">
+                            <a:latin typeface="Cambria Math" panose="02040503050406030204" pitchFamily="18" charset="0"/>
+                          </a:rPr>
+                          <m:t>h</m:t>
+                        </m:r>
+                        <m:r>
+                          <a:rPr lang="en-US" sz="3900" b="0" i="1" smtClean="0">
+                            <a:latin typeface="Cambria Math" panose="02040503050406030204" pitchFamily="18" charset="0"/>
+                          </a:rPr>
+                          <m:t>−1</m:t>
+                        </m:r>
+                      </m:num>
+                      <m:den>
+                        <m:r>
+                          <a:rPr lang="en-US" sz="3900" i="1">
+                            <a:latin typeface="Cambria Math" panose="02040503050406030204" pitchFamily="18" charset="0"/>
+                          </a:rPr>
+                          <m:t>4</m:t>
+                        </m:r>
+                        <m:r>
+                          <a:rPr lang="en-US" sz="3900" i="1">
+                            <a:latin typeface="Cambria Math" panose="02040503050406030204" pitchFamily="18" charset="0"/>
+                          </a:rPr>
+                          <m:t>h</m:t>
+                        </m:r>
+                        <m:sSub>
+                          <m:sSubPr>
+                            <m:ctrlPr>
+                              <a:rPr lang="en-US" sz="3900" i="1">
+                                <a:latin typeface="Cambria Math" panose="02040503050406030204" pitchFamily="18" charset="0"/>
+                              </a:rPr>
+                            </m:ctrlPr>
+                          </m:sSubPr>
+                          <m:e>
+                            <m:r>
+                              <a:rPr lang="en-US" sz="3900" i="1">
+                                <a:latin typeface="Cambria Math" panose="02040503050406030204" pitchFamily="18" charset="0"/>
+                              </a:rPr>
+                              <m:t>𝑅</m:t>
+                            </m:r>
+                          </m:e>
+                          <m:sub>
+                            <m:r>
+                              <a:rPr lang="en-US" sz="3900" i="1">
+                                <a:latin typeface="Cambria Math" panose="02040503050406030204" pitchFamily="18" charset="0"/>
+                              </a:rPr>
+                              <m:t>0</m:t>
+                            </m:r>
+                          </m:sub>
+                        </m:sSub>
+                      </m:den>
+                    </m:f>
+                  </m:oMath>
+                </a14:m>
+                <a:endParaRPr lang="en-US" dirty="0"/>
+              </a:p>
+              <a:p>
+                <a:pPr marL="0" indent="0">
+                  <a:buNone/>
+                </a:pPr>
+                <a:endParaRPr lang="en-US" dirty="0"/>
+              </a:p>
+              <a:p>
+                <a:r>
+                  <a:rPr lang="en-US" dirty="0"/>
+                  <a:t>Assume a </a:t>
+                </a:r>
+                <a:r>
+                  <a:rPr lang="en-US" dirty="0" err="1"/>
+                  <a:t>Beverton</a:t>
+                </a:r>
+                <a:r>
+                  <a:rPr lang="en-US" dirty="0"/>
+                  <a:t>-Holt stock-recruit relationship</a:t>
+                </a:r>
+              </a:p>
+              <a:p>
+                <a:pPr marL="0" indent="0">
+                  <a:buNone/>
+                </a:pPr>
+                <a14:m>
+                  <m:oMathPara xmlns:m="http://schemas.openxmlformats.org/officeDocument/2006/math">
+                    <m:oMathParaPr>
+                      <m:jc m:val="centerGroup"/>
+                    </m:oMathParaPr>
+                    <m:oMath xmlns:m="http://schemas.openxmlformats.org/officeDocument/2006/math">
+                      <m:acc>
+                        <m:accPr>
+                          <m:chr m:val="̂"/>
+                          <m:ctrlPr>
+                            <a:rPr lang="en-US" i="1">
+                              <a:latin typeface="Cambria Math" panose="02040503050406030204" pitchFamily="18" charset="0"/>
+                            </a:rPr>
+                          </m:ctrlPr>
+                        </m:accPr>
+                        <m:e>
+                          <m:r>
+                            <a:rPr lang="en-US" i="1">
+                              <a:latin typeface="Cambria Math" panose="02040503050406030204" pitchFamily="18" charset="0"/>
+                            </a:rPr>
+                            <m:t>𝑅</m:t>
+                          </m:r>
+                        </m:e>
+                      </m:acc>
+                      <m:r>
+                        <a:rPr lang="en-US" i="1">
+                          <a:latin typeface="Cambria Math" panose="02040503050406030204" pitchFamily="18" charset="0"/>
+                        </a:rPr>
+                        <m:t>=</m:t>
+                      </m:r>
+                      <m:f>
+                        <m:fPr>
+                          <m:ctrlPr>
+                            <a:rPr lang="en-US" i="1">
+                              <a:latin typeface="Cambria Math" panose="02040503050406030204" pitchFamily="18" charset="0"/>
+                            </a:rPr>
+                          </m:ctrlPr>
+                        </m:fPr>
+                        <m:num>
+                          <m:r>
+                            <a:rPr lang="en-US" i="1">
+                              <a:latin typeface="Cambria Math" panose="02040503050406030204" pitchFamily="18" charset="0"/>
+                            </a:rPr>
+                            <m:t>𝑆</m:t>
+                          </m:r>
+                        </m:num>
+                        <m:den>
+                          <m:r>
+                            <a:rPr lang="en-US" i="1">
+                              <a:latin typeface="Cambria Math" panose="02040503050406030204" pitchFamily="18" charset="0"/>
+                            </a:rPr>
+                            <m:t>𝑎</m:t>
+                          </m:r>
+                          <m:r>
+                            <a:rPr lang="en-US" i="1">
+                              <a:latin typeface="Cambria Math" panose="02040503050406030204" pitchFamily="18" charset="0"/>
+                            </a:rPr>
+                            <m:t>+</m:t>
+                          </m:r>
+                          <m:r>
+                            <a:rPr lang="en-US" i="1">
+                              <a:latin typeface="Cambria Math" panose="02040503050406030204" pitchFamily="18" charset="0"/>
+                            </a:rPr>
+                            <m:t>𝑏𝑆</m:t>
+                          </m:r>
+                        </m:den>
+                      </m:f>
+                    </m:oMath>
+                  </m:oMathPara>
+                </a14:m>
+                <a:endParaRPr lang="en-US" dirty="0"/>
+              </a:p>
+              <a:p>
+                <a:r>
+                  <a:rPr lang="en-US" dirty="0"/>
+                  <a:t>Assume a Ricker stock-recruit relationship</a:t>
+                </a:r>
+              </a:p>
+              <a:p>
+                <a:pPr marL="0" indent="0">
+                  <a:buNone/>
+                </a:pPr>
+                <a:r>
+                  <a:rPr lang="en-US" dirty="0"/>
+                  <a:t> 					</a:t>
+                </a:r>
+                <a14:m>
+                  <m:oMath xmlns:m="http://schemas.openxmlformats.org/officeDocument/2006/math">
+                    <m:acc>
+                      <m:accPr>
+                        <m:chr m:val="̂"/>
+                        <m:ctrlPr>
+                          <a:rPr lang="en-US" i="1">
+                            <a:latin typeface="Cambria Math" panose="02040503050406030204" pitchFamily="18" charset="0"/>
+                          </a:rPr>
+                        </m:ctrlPr>
+                      </m:accPr>
+                      <m:e>
+                        <m:r>
+                          <a:rPr lang="en-US" i="1">
+                            <a:latin typeface="Cambria Math" panose="02040503050406030204" pitchFamily="18" charset="0"/>
+                          </a:rPr>
+                          <m:t>𝑅</m:t>
+                        </m:r>
+                      </m:e>
+                    </m:acc>
+                    <m:r>
+                      <a:rPr lang="en-US" i="1">
+                        <a:latin typeface="Cambria Math" panose="02040503050406030204" pitchFamily="18" charset="0"/>
+                      </a:rPr>
+                      <m:t>=</m:t>
+                    </m:r>
+                    <m:r>
+                      <a:rPr lang="en-US" i="1">
+                        <a:latin typeface="Cambria Math" panose="02040503050406030204" pitchFamily="18" charset="0"/>
+                      </a:rPr>
+                      <m:t>𝑎𝑆</m:t>
+                    </m:r>
+                    <m:sSup>
+                      <m:sSupPr>
+                        <m:ctrlPr>
+                          <a:rPr lang="en-US" i="1">
+                            <a:latin typeface="Cambria Math" panose="02040503050406030204" pitchFamily="18" charset="0"/>
+                          </a:rPr>
+                        </m:ctrlPr>
+                      </m:sSupPr>
+                      <m:e>
+                        <m:r>
+                          <a:rPr lang="en-US" i="1">
+                            <a:latin typeface="Cambria Math" panose="02040503050406030204" pitchFamily="18" charset="0"/>
+                          </a:rPr>
+                          <m:t>𝑒</m:t>
+                        </m:r>
+                      </m:e>
+                      <m:sup>
+                        <m:r>
+                          <a:rPr lang="en-US" i="1">
+                            <a:latin typeface="Cambria Math" panose="02040503050406030204" pitchFamily="18" charset="0"/>
+                          </a:rPr>
+                          <m:t>−</m:t>
+                        </m:r>
+                        <m:r>
+                          <a:rPr lang="en-US" i="1">
+                            <a:latin typeface="Cambria Math" panose="02040503050406030204" pitchFamily="18" charset="0"/>
+                          </a:rPr>
+                          <m:t>𝑏𝑆</m:t>
+                        </m:r>
+                      </m:sup>
+                    </m:sSup>
+                  </m:oMath>
+                </a14:m>
+                <a:endParaRPr lang="en-US" dirty="0"/>
+              </a:p>
+              <a:p>
+                <a:r>
+                  <a:rPr lang="en-US" dirty="0"/>
+                  <a:t>Bring the results into R and compare models</a:t>
+                </a:r>
+              </a:p>
+            </p:txBody>
+          </p:sp>
+        </mc:Choice>
+        <mc:Fallback>
+          <p:sp>
+            <p:nvSpPr>
+              <p:cNvPr id="3" name="Content Placeholder 2">
+                <a:extLst>
+                  <a:ext uri="{FF2B5EF4-FFF2-40B4-BE49-F238E27FC236}">
+                    <a16:creationId xmlns:a16="http://schemas.microsoft.com/office/drawing/2014/main" id="{EFEE0B4F-995C-4BA9-B9B2-D578E9403341}"/>
+                  </a:ext>
+                </a:extLst>
+              </p:cNvPr>
+              <p:cNvSpPr>
+                <a:spLocks noGrp="1" noRot="1" noChangeAspect="1" noMove="1" noResize="1" noEditPoints="1" noAdjustHandles="1" noChangeArrowheads="1" noChangeShapeType="1" noTextEdit="1"/>
+              </p:cNvSpPr>
+              <p:nvPr>
+                <p:ph idx="1"/>
+              </p:nvPr>
+            </p:nvSpPr>
+            <p:spPr>
+              <a:blipFill>
+                <a:blip r:embed="rId2"/>
+                <a:stretch>
+                  <a:fillRect l="-928" t="-3081"/>
+                </a:stretch>
+              </a:blipFill>
+            </p:spPr>
+            <p:txBody>
+              <a:bodyPr/>
+              <a:lstStyle/>
+              <a:p>
+                <a:r>
+                  <a:rPr lang="en-US">
+                    <a:noFill/>
+                  </a:rPr>
+                  <a:t> </a:t>
+                </a:r>
+              </a:p>
+            </p:txBody>
+          </p:sp>
+        </mc:Fallback>
+      </mc:AlternateContent>
     </p:spTree>
     <p:extLst>
       <p:ext uri="{BB962C8B-B14F-4D97-AF65-F5344CB8AC3E}">

--- a/Day2/2b_Age-structured/Age-structured models.pptx
+++ b/Day2/2b_Age-structured/Age-structured models.pptx
@@ -271,7 +271,7 @@
           <a:p>
             <a:fld id="{CA9B47AD-72D3-4350-82AB-7CA8212C9846}" type="datetimeFigureOut">
               <a:rPr lang="en-US" smtClean="0"/>
-              <a:t>3/13/2018</a:t>
+              <a:t>3/14/2018</a:t>
             </a:fld>
             <a:endParaRPr lang="en-US"/>
           </a:p>
@@ -469,7 +469,7 @@
           <a:p>
             <a:fld id="{CA9B47AD-72D3-4350-82AB-7CA8212C9846}" type="datetimeFigureOut">
               <a:rPr lang="en-US" smtClean="0"/>
-              <a:t>3/13/2018</a:t>
+              <a:t>3/14/2018</a:t>
             </a:fld>
             <a:endParaRPr lang="en-US"/>
           </a:p>
@@ -677,7 +677,7 @@
           <a:p>
             <a:fld id="{CA9B47AD-72D3-4350-82AB-7CA8212C9846}" type="datetimeFigureOut">
               <a:rPr lang="en-US" smtClean="0"/>
-              <a:t>3/13/2018</a:t>
+              <a:t>3/14/2018</a:t>
             </a:fld>
             <a:endParaRPr lang="en-US"/>
           </a:p>
@@ -907,7 +907,7 @@
           <a:p>
             <a:fld id="{CA9B47AD-72D3-4350-82AB-7CA8212C9846}" type="datetimeFigureOut">
               <a:rPr lang="en-US" smtClean="0"/>
-              <a:t>3/13/2018</a:t>
+              <a:t>3/14/2018</a:t>
             </a:fld>
             <a:endParaRPr lang="en-US"/>
           </a:p>
@@ -1182,7 +1182,7 @@
           <a:p>
             <a:fld id="{CA9B47AD-72D3-4350-82AB-7CA8212C9846}" type="datetimeFigureOut">
               <a:rPr lang="en-US" smtClean="0"/>
-              <a:t>3/13/2018</a:t>
+              <a:t>3/14/2018</a:t>
             </a:fld>
             <a:endParaRPr lang="en-US"/>
           </a:p>
@@ -1447,7 +1447,7 @@
           <a:p>
             <a:fld id="{CA9B47AD-72D3-4350-82AB-7CA8212C9846}" type="datetimeFigureOut">
               <a:rPr lang="en-US" smtClean="0"/>
-              <a:t>3/13/2018</a:t>
+              <a:t>3/14/2018</a:t>
             </a:fld>
             <a:endParaRPr lang="en-US"/>
           </a:p>
@@ -1859,7 +1859,7 @@
           <a:p>
             <a:fld id="{CA9B47AD-72D3-4350-82AB-7CA8212C9846}" type="datetimeFigureOut">
               <a:rPr lang="en-US" smtClean="0"/>
-              <a:t>3/13/2018</a:t>
+              <a:t>3/14/2018</a:t>
             </a:fld>
             <a:endParaRPr lang="en-US"/>
           </a:p>
@@ -2000,7 +2000,7 @@
           <a:p>
             <a:fld id="{CA9B47AD-72D3-4350-82AB-7CA8212C9846}" type="datetimeFigureOut">
               <a:rPr lang="en-US" smtClean="0"/>
-              <a:t>3/13/2018</a:t>
+              <a:t>3/14/2018</a:t>
             </a:fld>
             <a:endParaRPr lang="en-US"/>
           </a:p>
@@ -2113,7 +2113,7 @@
           <a:p>
             <a:fld id="{CA9B47AD-72D3-4350-82AB-7CA8212C9846}" type="datetimeFigureOut">
               <a:rPr lang="en-US" smtClean="0"/>
-              <a:t>3/13/2018</a:t>
+              <a:t>3/14/2018</a:t>
             </a:fld>
             <a:endParaRPr lang="en-US"/>
           </a:p>
@@ -2424,7 +2424,7 @@
           <a:p>
             <a:fld id="{CA9B47AD-72D3-4350-82AB-7CA8212C9846}" type="datetimeFigureOut">
               <a:rPr lang="en-US" smtClean="0"/>
-              <a:t>3/13/2018</a:t>
+              <a:t>3/14/2018</a:t>
             </a:fld>
             <a:endParaRPr lang="en-US"/>
           </a:p>
@@ -2712,7 +2712,7 @@
           <a:p>
             <a:fld id="{CA9B47AD-72D3-4350-82AB-7CA8212C9846}" type="datetimeFigureOut">
               <a:rPr lang="en-US" smtClean="0"/>
-              <a:t>3/13/2018</a:t>
+              <a:t>3/14/2018</a:t>
             </a:fld>
             <a:endParaRPr lang="en-US"/>
           </a:p>
@@ -2953,7 +2953,7 @@
           <a:p>
             <a:fld id="{CA9B47AD-72D3-4350-82AB-7CA8212C9846}" type="datetimeFigureOut">
               <a:rPr lang="en-US" smtClean="0"/>
-              <a:t>3/13/2018</a:t>
+              <a:t>3/14/2018</a:t>
             </a:fld>
             <a:endParaRPr lang="en-US"/>
           </a:p>
@@ -4903,8 +4903,12 @@
               <a:buAutoNum type="arabicParenR"/>
             </a:pPr>
             <a:r>
+              <a:rPr lang="en-US"/>
+              <a:t>NLL1, NLL2, and NLL3 </a:t>
+            </a:r>
+            <a:r>
               <a:rPr lang="en-US" dirty="0"/>
-              <a:t>Like1, Like2, and Like3 – for each of the </a:t>
+              <a:t>– for each of the </a:t>
             </a:r>
             <a:r>
               <a:rPr lang="en-US" dirty="0" err="1"/>
@@ -5074,8 +5078,8 @@
           </a:p>
         </p:txBody>
       </p:sp>
-      <mc:AlternateContent xmlns:mc="http://schemas.openxmlformats.org/markup-compatibility/2006">
-        <mc:Choice xmlns:a14="http://schemas.microsoft.com/office/drawing/2010/main" Requires="a14">
+      <mc:AlternateContent xmlns:mc="http://schemas.openxmlformats.org/markup-compatibility/2006" xmlns:a14="http://schemas.microsoft.com/office/drawing/2010/main">
+        <mc:Choice Requires="a14">
           <p:sp>
             <p:nvSpPr>
               <p:cNvPr id="5" name="TextBox 4">
@@ -5104,6 +5108,7 @@
               </a:bodyPr>
               <a:lstStyle/>
               <a:p>
+                <a:pPr/>
                 <a14:m>
                   <m:oMathPara xmlns:m="http://schemas.openxmlformats.org/officeDocument/2006/math">
                     <m:oMathParaPr>
@@ -5366,7 +5371,7 @@
             </p:txBody>
           </p:sp>
         </mc:Choice>
-        <mc:Fallback>
+        <mc:Fallback xmlns="">
           <p:sp>
             <p:nvSpPr>
               <p:cNvPr id="5" name="TextBox 4">
@@ -5411,8 +5416,8 @@
           </p:sp>
         </mc:Fallback>
       </mc:AlternateContent>
-      <mc:AlternateContent xmlns:mc="http://schemas.openxmlformats.org/markup-compatibility/2006">
-        <mc:Choice xmlns:a14="http://schemas.microsoft.com/office/drawing/2010/main" Requires="a14">
+      <mc:AlternateContent xmlns:mc="http://schemas.openxmlformats.org/markup-compatibility/2006" xmlns:a14="http://schemas.microsoft.com/office/drawing/2010/main">
+        <mc:Choice Requires="a14">
           <p:sp>
             <p:nvSpPr>
               <p:cNvPr id="7" name="TextBox 6">
@@ -5441,6 +5446,7 @@
               </a:bodyPr>
               <a:lstStyle/>
               <a:p>
+                <a:pPr/>
                 <a14:m>
                   <m:oMathPara xmlns:m="http://schemas.openxmlformats.org/officeDocument/2006/math">
                     <m:oMathParaPr>
@@ -5863,7 +5869,7 @@
             </p:txBody>
           </p:sp>
         </mc:Choice>
-        <mc:Fallback>
+        <mc:Fallback xmlns="">
           <p:sp>
             <p:nvSpPr>
               <p:cNvPr id="7" name="TextBox 6">
@@ -5908,8 +5914,8 @@
           </p:sp>
         </mc:Fallback>
       </mc:AlternateContent>
-      <mc:AlternateContent xmlns:mc="http://schemas.openxmlformats.org/markup-compatibility/2006">
-        <mc:Choice xmlns:a14="http://schemas.microsoft.com/office/drawing/2010/main" Requires="a14">
+      <mc:AlternateContent xmlns:mc="http://schemas.openxmlformats.org/markup-compatibility/2006" xmlns:a14="http://schemas.microsoft.com/office/drawing/2010/main">
+        <mc:Choice Requires="a14">
           <p:sp>
             <p:nvSpPr>
               <p:cNvPr id="9" name="TextBox 8">
@@ -5938,6 +5944,7 @@
               </a:bodyPr>
               <a:lstStyle/>
               <a:p>
+                <a:pPr/>
                 <a14:m>
                   <m:oMathPara xmlns:m="http://schemas.openxmlformats.org/officeDocument/2006/math">
                     <m:oMathParaPr>
@@ -6300,6 +6307,7 @@
                 <a:endParaRPr lang="en-US" sz="2400" b="0" dirty="0"/>
               </a:p>
               <a:p>
+                <a:pPr/>
                 <a14:m>
                   <m:oMathPara xmlns:m="http://schemas.openxmlformats.org/officeDocument/2006/math">
                     <m:oMathParaPr>
@@ -6421,6 +6429,7 @@
                 <a:endParaRPr lang="en-US" sz="2400" b="0" dirty="0"/>
               </a:p>
               <a:p>
+                <a:pPr/>
                 <a14:m>
                   <m:oMathPara xmlns:m="http://schemas.openxmlformats.org/officeDocument/2006/math">
                     <m:oMathParaPr>
@@ -6500,7 +6509,7 @@
             </p:txBody>
           </p:sp>
         </mc:Choice>
-        <mc:Fallback>
+        <mc:Fallback xmlns="">
           <p:sp>
             <p:nvSpPr>
               <p:cNvPr id="9" name="TextBox 8">
@@ -6697,8 +6706,8 @@
           </a:p>
         </p:txBody>
       </p:sp>
-      <mc:AlternateContent xmlns:mc="http://schemas.openxmlformats.org/markup-compatibility/2006">
-        <mc:Choice xmlns:a14="http://schemas.microsoft.com/office/drawing/2010/main" Requires="a14">
+      <mc:AlternateContent xmlns:mc="http://schemas.openxmlformats.org/markup-compatibility/2006" xmlns:a14="http://schemas.microsoft.com/office/drawing/2010/main">
+        <mc:Choice Requires="a14">
           <p:sp>
             <p:nvSpPr>
               <p:cNvPr id="4" name="TextBox 3">
@@ -6938,7 +6947,7 @@
             </p:txBody>
           </p:sp>
         </mc:Choice>
-        <mc:Fallback>
+        <mc:Fallback xmlns="">
           <p:sp>
             <p:nvSpPr>
               <p:cNvPr id="4" name="TextBox 3">
@@ -6983,8 +6992,8 @@
           </p:sp>
         </mc:Fallback>
       </mc:AlternateContent>
-      <mc:AlternateContent xmlns:mc="http://schemas.openxmlformats.org/markup-compatibility/2006">
-        <mc:Choice xmlns:a14="http://schemas.microsoft.com/office/drawing/2010/main" Requires="a14">
+      <mc:AlternateContent xmlns:mc="http://schemas.openxmlformats.org/markup-compatibility/2006" xmlns:a14="http://schemas.microsoft.com/office/drawing/2010/main">
+        <mc:Choice Requires="a14">
           <p:sp>
             <p:nvSpPr>
               <p:cNvPr id="12" name="TextBox 11">
@@ -7277,7 +7286,7 @@
             </p:txBody>
           </p:sp>
         </mc:Choice>
-        <mc:Fallback>
+        <mc:Fallback xmlns="">
           <p:sp>
             <p:nvSpPr>
               <p:cNvPr id="12" name="TextBox 11">
@@ -7322,8 +7331,8 @@
           </p:sp>
         </mc:Fallback>
       </mc:AlternateContent>
-      <mc:AlternateContent xmlns:mc="http://schemas.openxmlformats.org/markup-compatibility/2006">
-        <mc:Choice xmlns:a14="http://schemas.microsoft.com/office/drawing/2010/main" Requires="a14">
+      <mc:AlternateContent xmlns:mc="http://schemas.openxmlformats.org/markup-compatibility/2006" xmlns:a14="http://schemas.microsoft.com/office/drawing/2010/main">
+        <mc:Choice Requires="a14">
           <p:sp>
             <p:nvSpPr>
               <p:cNvPr id="13" name="TextBox 12">
@@ -7587,7 +7596,7 @@
             </p:txBody>
           </p:sp>
         </mc:Choice>
-        <mc:Fallback>
+        <mc:Fallback xmlns="">
           <p:sp>
             <p:nvSpPr>
               <p:cNvPr id="13" name="TextBox 12">
@@ -7776,8 +7785,8 @@
           </a:p>
         </p:txBody>
       </p:sp>
-      <mc:AlternateContent xmlns:mc="http://schemas.openxmlformats.org/markup-compatibility/2006">
-        <mc:Choice xmlns:a14="http://schemas.microsoft.com/office/drawing/2010/main" Requires="a14">
+      <mc:AlternateContent xmlns:mc="http://schemas.openxmlformats.org/markup-compatibility/2006" xmlns:a14="http://schemas.microsoft.com/office/drawing/2010/main">
+        <mc:Choice Requires="a14">
           <p:sp>
             <p:nvSpPr>
               <p:cNvPr id="4" name="TextBox 3">
@@ -8092,7 +8101,7 @@
             </p:txBody>
           </p:sp>
         </mc:Choice>
-        <mc:Fallback>
+        <mc:Fallback xmlns="">
           <p:sp>
             <p:nvSpPr>
               <p:cNvPr id="4" name="TextBox 3">
@@ -8199,8 +8208,8 @@
           </a:p>
         </p:txBody>
       </p:sp>
-      <mc:AlternateContent xmlns:mc="http://schemas.openxmlformats.org/markup-compatibility/2006">
-        <mc:Choice xmlns:a14="http://schemas.microsoft.com/office/drawing/2010/main" Requires="a14">
+      <mc:AlternateContent xmlns:mc="http://schemas.openxmlformats.org/markup-compatibility/2006" xmlns:a14="http://schemas.microsoft.com/office/drawing/2010/main">
+        <mc:Choice Requires="a14">
           <p:sp>
             <p:nvSpPr>
               <p:cNvPr id="3" name="Content Placeholder 2">
@@ -8630,7 +8639,7 @@
             </p:txBody>
           </p:sp>
         </mc:Choice>
-        <mc:Fallback>
+        <mc:Fallback xmlns="">
           <p:sp>
             <p:nvSpPr>
               <p:cNvPr id="3" name="Content Placeholder 2">
